--- a/powerpoint/11_介面.pptx
+++ b/powerpoint/11_介面.pptx
@@ -14,6 +14,7 @@
     <p:sldId id="262" r:id="rId8"/>
     <p:sldId id="264" r:id="rId9"/>
     <p:sldId id="265" r:id="rId10"/>
+    <p:sldId id="266" r:id="rId11"/>
   </p:sldIdLst>
   <p:sldSz cx="12192000" cy="6858000"/>
   <p:notesSz cx="6858000" cy="9144000"/>
@@ -7950,6 +7951,4120 @@
 </p:sld>
 </file>
 
+<file path=ppt/slides/slide10.xml><?xml version="1.0" encoding="utf-8"?>
+<p:sld xmlns:a="http://schemas.openxmlformats.org/drawingml/2006/main" xmlns:r="http://schemas.openxmlformats.org/officeDocument/2006/relationships" xmlns:p="http://schemas.openxmlformats.org/presentationml/2006/main">
+  <p:cSld>
+    <p:spTree>
+      <p:nvGrpSpPr>
+        <p:cNvPr id="1" name=""/>
+        <p:cNvGrpSpPr/>
+        <p:nvPr/>
+      </p:nvGrpSpPr>
+      <p:grpSpPr>
+        <a:xfrm>
+          <a:off x="0" y="0"/>
+          <a:ext cx="0" cy="0"/>
+          <a:chOff x="0" y="0"/>
+          <a:chExt cx="0" cy="0"/>
+        </a:xfrm>
+      </p:grpSpPr>
+      <p:grpSp>
+        <p:nvGrpSpPr>
+          <p:cNvPr id="14" name="群組 13">
+            <a:extLst>
+              <a:ext uri="{FF2B5EF4-FFF2-40B4-BE49-F238E27FC236}">
+                <a16:creationId xmlns:a16="http://schemas.microsoft.com/office/drawing/2014/main" id="{453AAFC8-36D0-47F5-B346-89554D0E95C3}"/>
+              </a:ext>
+            </a:extLst>
+          </p:cNvPr>
+          <p:cNvGrpSpPr/>
+          <p:nvPr/>
+        </p:nvGrpSpPr>
+        <p:grpSpPr>
+          <a:xfrm>
+            <a:off x="838199" y="479631"/>
+            <a:ext cx="10602904" cy="5940088"/>
+            <a:chOff x="838199" y="479631"/>
+            <a:chExt cx="10602904" cy="5940088"/>
+          </a:xfrm>
+        </p:grpSpPr>
+        <p:sp>
+          <p:nvSpPr>
+            <p:cNvPr id="11" name="矩形 10">
+              <a:extLst>
+                <a:ext uri="{FF2B5EF4-FFF2-40B4-BE49-F238E27FC236}">
+                  <a16:creationId xmlns:a16="http://schemas.microsoft.com/office/drawing/2014/main" id="{92C02294-20F8-432F-BFD2-CF0B6409EB41}"/>
+                </a:ext>
+              </a:extLst>
+            </p:cNvPr>
+            <p:cNvSpPr/>
+            <p:nvPr/>
+          </p:nvSpPr>
+          <p:spPr>
+            <a:xfrm>
+              <a:off x="5254792" y="5404056"/>
+              <a:ext cx="6186308" cy="1015663"/>
+            </a:xfrm>
+            <a:prstGeom prst="rect">
+              <a:avLst/>
+            </a:prstGeom>
+            <a:solidFill>
+              <a:srgbClr val="1E1F22"/>
+            </a:solidFill>
+            <a:ln>
+              <a:noFill/>
+            </a:ln>
+          </p:spPr>
+          <p:style>
+            <a:lnRef idx="2">
+              <a:schemeClr val="accent1">
+                <a:shade val="50000"/>
+              </a:schemeClr>
+            </a:lnRef>
+            <a:fillRef idx="1">
+              <a:schemeClr val="accent1"/>
+            </a:fillRef>
+            <a:effectRef idx="0">
+              <a:schemeClr val="accent1"/>
+            </a:effectRef>
+            <a:fontRef idx="minor">
+              <a:schemeClr val="lt1"/>
+            </a:fontRef>
+          </p:style>
+          <p:txBody>
+            <a:bodyPr rtlCol="0" anchor="ctr"/>
+            <a:lstStyle/>
+            <a:p>
+              <a:pPr algn="ctr"/>
+              <a:endParaRPr lang="zh-TW" altLang="en-US"/>
+            </a:p>
+          </p:txBody>
+        </p:sp>
+        <p:sp>
+          <p:nvSpPr>
+            <p:cNvPr id="4" name="Rectangle 3">
+              <a:extLst>
+                <a:ext uri="{FF2B5EF4-FFF2-40B4-BE49-F238E27FC236}">
+                  <a16:creationId xmlns:a16="http://schemas.microsoft.com/office/drawing/2014/main" id="{B39535D0-94FC-4AC3-B500-C76F29497669}"/>
+                </a:ext>
+              </a:extLst>
+            </p:cNvPr>
+            <p:cNvSpPr>
+              <a:spLocks noChangeArrowheads="1"/>
+            </p:cNvSpPr>
+            <p:nvPr/>
+          </p:nvSpPr>
+          <p:spPr bwMode="auto">
+            <a:xfrm>
+              <a:off x="838200" y="479631"/>
+              <a:ext cx="4416594" cy="2462213"/>
+            </a:xfrm>
+            <a:prstGeom prst="rect">
+              <a:avLst/>
+            </a:prstGeom>
+            <a:solidFill>
+              <a:srgbClr val="1E1F22"/>
+            </a:solidFill>
+            <a:ln>
+              <a:noFill/>
+            </a:ln>
+            <a:effectLst/>
+            <a:extLst>
+              <a:ext uri="{91240B29-F687-4F45-9708-019B960494DF}">
+                <a14:hiddenLine xmlns:a14="http://schemas.microsoft.com/office/drawing/2010/main" w="9525">
+                  <a:solidFill>
+                    <a:schemeClr val="tx1"/>
+                  </a:solidFill>
+                  <a:miter lim="800000"/>
+                  <a:headEnd/>
+                  <a:tailEnd/>
+                </a14:hiddenLine>
+              </a:ext>
+              <a:ext uri="{AF507438-7753-43E0-B8FC-AC1667EBCBE1}">
+                <a14:hiddenEffects xmlns:a14="http://schemas.microsoft.com/office/drawing/2010/main">
+                  <a:effectLst>
+                    <a:outerShdw dist="35921" dir="2700000" algn="ctr" rotWithShape="0">
+                      <a:schemeClr val="bg2"/>
+                    </a:outerShdw>
+                  </a:effectLst>
+                </a14:hiddenEffects>
+              </a:ext>
+            </a:extLst>
+          </p:spPr>
+          <p:txBody>
+            <a:bodyPr vert="horz" wrap="none" lIns="91440" tIns="45720" rIns="91440" bIns="45720" numCol="1" anchor="ctr" anchorCtr="0" compatLnSpc="1">
+              <a:prstTxWarp prst="textNoShape">
+                <a:avLst/>
+              </a:prstTxWarp>
+              <a:spAutoFit/>
+            </a:bodyPr>
+            <a:lstStyle/>
+            <a:p>
+              <a:pPr marL="0" marR="0" lvl="0" indent="0" algn="l" defTabSz="914400" rtl="0" eaLnBrk="0" fontAlgn="base" latinLnBrk="0" hangingPunct="0">
+                <a:lnSpc>
+                  <a:spcPct val="100000"/>
+                </a:lnSpc>
+                <a:spcBef>
+                  <a:spcPct val="0"/>
+                </a:spcBef>
+                <a:spcAft>
+                  <a:spcPct val="0"/>
+                </a:spcAft>
+                <a:buClrTx/>
+                <a:buSzTx/>
+                <a:buFontTx/>
+                <a:buNone/>
+                <a:tabLst/>
+              </a:pPr>
+              <a:r>
+                <a:rPr kumimoji="0" lang="zh-TW" altLang="zh-TW" sz="1100" b="0" i="0" u="none" strike="noStrike" cap="none" normalizeH="0" baseline="0">
+                  <a:ln>
+                    <a:noFill/>
+                  </a:ln>
+                  <a:solidFill>
+                    <a:srgbClr val="CF8E6D"/>
+                  </a:solidFill>
+                  <a:effectLst/>
+                  <a:latin typeface="+mj-lt"/>
+                  <a:cs typeface="JetBrains Mono" panose="02000009000000000000" pitchFamily="49" charset="0"/>
+                </a:rPr>
+                <a:t>import </a:t>
+              </a:r>
+              <a:r>
+                <a:rPr kumimoji="0" lang="zh-TW" altLang="zh-TW" sz="1100" b="0" i="0" u="none" strike="noStrike" cap="none" normalizeH="0" baseline="0">
+                  <a:ln>
+                    <a:noFill/>
+                  </a:ln>
+                  <a:solidFill>
+                    <a:srgbClr val="BCBEC4"/>
+                  </a:solidFill>
+                  <a:effectLst/>
+                  <a:latin typeface="+mj-lt"/>
+                  <a:cs typeface="JetBrains Mono" panose="02000009000000000000" pitchFamily="49" charset="0"/>
+                </a:rPr>
+                <a:t>java.util.Arrays;</a:t>
+              </a:r>
+              <a:br>
+                <a:rPr kumimoji="0" lang="zh-TW" altLang="zh-TW" sz="1100" b="0" i="0" u="none" strike="noStrike" cap="none" normalizeH="0" baseline="0">
+                  <a:ln>
+                    <a:noFill/>
+                  </a:ln>
+                  <a:solidFill>
+                    <a:srgbClr val="BCBEC4"/>
+                  </a:solidFill>
+                  <a:effectLst/>
+                  <a:latin typeface="+mj-lt"/>
+                  <a:cs typeface="JetBrains Mono" panose="02000009000000000000" pitchFamily="49" charset="0"/>
+                </a:rPr>
+              </a:br>
+              <a:br>
+                <a:rPr kumimoji="0" lang="zh-TW" altLang="zh-TW" sz="1100" b="0" i="0" u="none" strike="noStrike" cap="none" normalizeH="0" baseline="0">
+                  <a:ln>
+                    <a:noFill/>
+                  </a:ln>
+                  <a:solidFill>
+                    <a:srgbClr val="BCBEC4"/>
+                  </a:solidFill>
+                  <a:effectLst/>
+                  <a:latin typeface="+mj-lt"/>
+                  <a:cs typeface="JetBrains Mono" panose="02000009000000000000" pitchFamily="49" charset="0"/>
+                </a:rPr>
+              </a:br>
+              <a:r>
+                <a:rPr kumimoji="0" lang="zh-TW" altLang="zh-TW" sz="1100" b="0" i="0" u="none" strike="noStrike" cap="none" normalizeH="0" baseline="0">
+                  <a:ln>
+                    <a:noFill/>
+                  </a:ln>
+                  <a:solidFill>
+                    <a:srgbClr val="CF8E6D"/>
+                  </a:solidFill>
+                  <a:effectLst/>
+                  <a:latin typeface="+mj-lt"/>
+                  <a:cs typeface="JetBrains Mono" panose="02000009000000000000" pitchFamily="49" charset="0"/>
+                </a:rPr>
+                <a:t>public class </a:t>
+              </a:r>
+              <a:r>
+                <a:rPr kumimoji="0" lang="zh-TW" altLang="zh-TW" sz="1100" b="0" i="0" u="none" strike="noStrike" cap="none" normalizeH="0" baseline="0">
+                  <a:ln>
+                    <a:noFill/>
+                  </a:ln>
+                  <a:solidFill>
+                    <a:srgbClr val="BCBEC4"/>
+                  </a:solidFill>
+                  <a:effectLst/>
+                  <a:latin typeface="+mj-lt"/>
+                  <a:cs typeface="JetBrains Mono" panose="02000009000000000000" pitchFamily="49" charset="0"/>
+                </a:rPr>
+                <a:t>Main {</a:t>
+              </a:r>
+              <a:br>
+                <a:rPr kumimoji="0" lang="zh-TW" altLang="zh-TW" sz="1100" b="0" i="0" u="none" strike="noStrike" cap="none" normalizeH="0" baseline="0">
+                  <a:ln>
+                    <a:noFill/>
+                  </a:ln>
+                  <a:solidFill>
+                    <a:srgbClr val="BCBEC4"/>
+                  </a:solidFill>
+                  <a:effectLst/>
+                  <a:latin typeface="+mj-lt"/>
+                  <a:cs typeface="JetBrains Mono" panose="02000009000000000000" pitchFamily="49" charset="0"/>
+                </a:rPr>
+              </a:br>
+              <a:r>
+                <a:rPr kumimoji="0" lang="zh-TW" altLang="zh-TW" sz="1100" b="0" i="0" u="none" strike="noStrike" cap="none" normalizeH="0" baseline="0">
+                  <a:ln>
+                    <a:noFill/>
+                  </a:ln>
+                  <a:solidFill>
+                    <a:srgbClr val="BCBEC4"/>
+                  </a:solidFill>
+                  <a:effectLst/>
+                  <a:latin typeface="+mj-lt"/>
+                  <a:cs typeface="JetBrains Mono" panose="02000009000000000000" pitchFamily="49" charset="0"/>
+                </a:rPr>
+                <a:t>    </a:t>
+              </a:r>
+              <a:r>
+                <a:rPr kumimoji="0" lang="zh-TW" altLang="zh-TW" sz="1100" b="0" i="0" u="none" strike="noStrike" cap="none" normalizeH="0" baseline="0">
+                  <a:ln>
+                    <a:noFill/>
+                  </a:ln>
+                  <a:solidFill>
+                    <a:srgbClr val="CF8E6D"/>
+                  </a:solidFill>
+                  <a:effectLst/>
+                  <a:latin typeface="+mj-lt"/>
+                  <a:cs typeface="JetBrains Mono" panose="02000009000000000000" pitchFamily="49" charset="0"/>
+                </a:rPr>
+                <a:t>public static void </a:t>
+              </a:r>
+              <a:r>
+                <a:rPr kumimoji="0" lang="zh-TW" altLang="zh-TW" sz="1100" b="0" i="0" u="none" strike="noStrike" cap="none" normalizeH="0" baseline="0">
+                  <a:ln>
+                    <a:noFill/>
+                  </a:ln>
+                  <a:solidFill>
+                    <a:srgbClr val="56A8F5"/>
+                  </a:solidFill>
+                  <a:effectLst/>
+                  <a:latin typeface="+mj-lt"/>
+                  <a:cs typeface="JetBrains Mono" panose="02000009000000000000" pitchFamily="49" charset="0"/>
+                </a:rPr>
+                <a:t>main</a:t>
+              </a:r>
+              <a:r>
+                <a:rPr kumimoji="0" lang="zh-TW" altLang="zh-TW" sz="1100" b="0" i="0" u="none" strike="noStrike" cap="none" normalizeH="0" baseline="0">
+                  <a:ln>
+                    <a:noFill/>
+                  </a:ln>
+                  <a:solidFill>
+                    <a:srgbClr val="BCBEC4"/>
+                  </a:solidFill>
+                  <a:effectLst/>
+                  <a:latin typeface="+mj-lt"/>
+                  <a:cs typeface="JetBrains Mono" panose="02000009000000000000" pitchFamily="49" charset="0"/>
+                </a:rPr>
+                <a:t>(String[] args) {</a:t>
+              </a:r>
+              <a:br>
+                <a:rPr kumimoji="0" lang="zh-TW" altLang="zh-TW" sz="1100" b="0" i="0" u="none" strike="noStrike" cap="none" normalizeH="0" baseline="0">
+                  <a:ln>
+                    <a:noFill/>
+                  </a:ln>
+                  <a:solidFill>
+                    <a:srgbClr val="BCBEC4"/>
+                  </a:solidFill>
+                  <a:effectLst/>
+                  <a:latin typeface="+mj-lt"/>
+                  <a:cs typeface="JetBrains Mono" panose="02000009000000000000" pitchFamily="49" charset="0"/>
+                </a:rPr>
+              </a:br>
+              <a:r>
+                <a:rPr kumimoji="0" lang="zh-TW" altLang="zh-TW" sz="1100" b="0" i="0" u="none" strike="noStrike" cap="none" normalizeH="0" baseline="0">
+                  <a:ln>
+                    <a:noFill/>
+                  </a:ln>
+                  <a:solidFill>
+                    <a:srgbClr val="BCBEC4"/>
+                  </a:solidFill>
+                  <a:effectLst/>
+                  <a:latin typeface="+mj-lt"/>
+                  <a:cs typeface="JetBrains Mono" panose="02000009000000000000" pitchFamily="49" charset="0"/>
+                </a:rPr>
+                <a:t>        </a:t>
+              </a:r>
+              <a:r>
+                <a:rPr kumimoji="0" lang="zh-TW" altLang="zh-TW" sz="1100" b="0" i="0" u="none" strike="noStrike" cap="none" normalizeH="0" baseline="0">
+                  <a:ln>
+                    <a:noFill/>
+                  </a:ln>
+                  <a:solidFill>
+                    <a:srgbClr val="CF8E6D"/>
+                  </a:solidFill>
+                  <a:effectLst/>
+                  <a:latin typeface="+mj-lt"/>
+                  <a:cs typeface="JetBrains Mono" panose="02000009000000000000" pitchFamily="49" charset="0"/>
+                </a:rPr>
+                <a:t>int</a:t>
+              </a:r>
+              <a:r>
+                <a:rPr kumimoji="0" lang="zh-TW" altLang="zh-TW" sz="1100" b="0" i="0" u="none" strike="noStrike" cap="none" normalizeH="0" baseline="0">
+                  <a:ln>
+                    <a:noFill/>
+                  </a:ln>
+                  <a:solidFill>
+                    <a:srgbClr val="BCBEC4"/>
+                  </a:solidFill>
+                  <a:effectLst/>
+                  <a:latin typeface="+mj-lt"/>
+                  <a:cs typeface="JetBrains Mono" panose="02000009000000000000" pitchFamily="49" charset="0"/>
+                </a:rPr>
+                <a:t>[] intArr = {</a:t>
+              </a:r>
+              <a:r>
+                <a:rPr kumimoji="0" lang="zh-TW" altLang="zh-TW" sz="1100" b="0" i="0" u="none" strike="noStrike" cap="none" normalizeH="0" baseline="0">
+                  <a:ln>
+                    <a:noFill/>
+                  </a:ln>
+                  <a:solidFill>
+                    <a:srgbClr val="2AACB8"/>
+                  </a:solidFill>
+                  <a:effectLst/>
+                  <a:latin typeface="+mj-lt"/>
+                  <a:cs typeface="JetBrains Mono" panose="02000009000000000000" pitchFamily="49" charset="0"/>
+                </a:rPr>
+                <a:t>1</a:t>
+              </a:r>
+              <a:r>
+                <a:rPr kumimoji="0" lang="zh-TW" altLang="zh-TW" sz="1100" b="0" i="0" u="none" strike="noStrike" cap="none" normalizeH="0" baseline="0">
+                  <a:ln>
+                    <a:noFill/>
+                  </a:ln>
+                  <a:solidFill>
+                    <a:srgbClr val="BCBEC4"/>
+                  </a:solidFill>
+                  <a:effectLst/>
+                  <a:latin typeface="+mj-lt"/>
+                  <a:cs typeface="JetBrains Mono" panose="02000009000000000000" pitchFamily="49" charset="0"/>
+                </a:rPr>
+                <a:t>, </a:t>
+              </a:r>
+              <a:r>
+                <a:rPr kumimoji="0" lang="zh-TW" altLang="zh-TW" sz="1100" b="0" i="0" u="none" strike="noStrike" cap="none" normalizeH="0" baseline="0">
+                  <a:ln>
+                    <a:noFill/>
+                  </a:ln>
+                  <a:solidFill>
+                    <a:srgbClr val="2AACB8"/>
+                  </a:solidFill>
+                  <a:effectLst/>
+                  <a:latin typeface="+mj-lt"/>
+                  <a:cs typeface="JetBrains Mono" panose="02000009000000000000" pitchFamily="49" charset="0"/>
+                </a:rPr>
+                <a:t>2</a:t>
+              </a:r>
+              <a:r>
+                <a:rPr kumimoji="0" lang="zh-TW" altLang="zh-TW" sz="1100" b="0" i="0" u="none" strike="noStrike" cap="none" normalizeH="0" baseline="0">
+                  <a:ln>
+                    <a:noFill/>
+                  </a:ln>
+                  <a:solidFill>
+                    <a:srgbClr val="BCBEC4"/>
+                  </a:solidFill>
+                  <a:effectLst/>
+                  <a:latin typeface="+mj-lt"/>
+                  <a:cs typeface="JetBrains Mono" panose="02000009000000000000" pitchFamily="49" charset="0"/>
+                </a:rPr>
+                <a:t>, </a:t>
+              </a:r>
+              <a:r>
+                <a:rPr kumimoji="0" lang="zh-TW" altLang="zh-TW" sz="1100" b="0" i="0" u="none" strike="noStrike" cap="none" normalizeH="0" baseline="0">
+                  <a:ln>
+                    <a:noFill/>
+                  </a:ln>
+                  <a:solidFill>
+                    <a:srgbClr val="2AACB8"/>
+                  </a:solidFill>
+                  <a:effectLst/>
+                  <a:latin typeface="+mj-lt"/>
+                  <a:cs typeface="JetBrains Mono" panose="02000009000000000000" pitchFamily="49" charset="0"/>
+                </a:rPr>
+                <a:t>3</a:t>
+              </a:r>
+              <a:r>
+                <a:rPr kumimoji="0" lang="zh-TW" altLang="zh-TW" sz="1100" b="0" i="0" u="none" strike="noStrike" cap="none" normalizeH="0" baseline="0">
+                  <a:ln>
+                    <a:noFill/>
+                  </a:ln>
+                  <a:solidFill>
+                    <a:srgbClr val="BCBEC4"/>
+                  </a:solidFill>
+                  <a:effectLst/>
+                  <a:latin typeface="+mj-lt"/>
+                  <a:cs typeface="JetBrains Mono" panose="02000009000000000000" pitchFamily="49" charset="0"/>
+                </a:rPr>
+                <a:t>, </a:t>
+              </a:r>
+              <a:r>
+                <a:rPr kumimoji="0" lang="zh-TW" altLang="zh-TW" sz="1100" b="0" i="0" u="none" strike="noStrike" cap="none" normalizeH="0" baseline="0">
+                  <a:ln>
+                    <a:noFill/>
+                  </a:ln>
+                  <a:solidFill>
+                    <a:srgbClr val="2AACB8"/>
+                  </a:solidFill>
+                  <a:effectLst/>
+                  <a:latin typeface="+mj-lt"/>
+                  <a:cs typeface="JetBrains Mono" panose="02000009000000000000" pitchFamily="49" charset="0"/>
+                </a:rPr>
+                <a:t>4</a:t>
+              </a:r>
+              <a:r>
+                <a:rPr kumimoji="0" lang="zh-TW" altLang="zh-TW" sz="1100" b="0" i="0" u="none" strike="noStrike" cap="none" normalizeH="0" baseline="0">
+                  <a:ln>
+                    <a:noFill/>
+                  </a:ln>
+                  <a:solidFill>
+                    <a:srgbClr val="BCBEC4"/>
+                  </a:solidFill>
+                  <a:effectLst/>
+                  <a:latin typeface="+mj-lt"/>
+                  <a:cs typeface="JetBrains Mono" panose="02000009000000000000" pitchFamily="49" charset="0"/>
+                </a:rPr>
+                <a:t>, </a:t>
+              </a:r>
+              <a:r>
+                <a:rPr kumimoji="0" lang="zh-TW" altLang="zh-TW" sz="1100" b="0" i="0" u="none" strike="noStrike" cap="none" normalizeH="0" baseline="0">
+                  <a:ln>
+                    <a:noFill/>
+                  </a:ln>
+                  <a:solidFill>
+                    <a:srgbClr val="2AACB8"/>
+                  </a:solidFill>
+                  <a:effectLst/>
+                  <a:latin typeface="+mj-lt"/>
+                  <a:cs typeface="JetBrains Mono" panose="02000009000000000000" pitchFamily="49" charset="0"/>
+                </a:rPr>
+                <a:t>5</a:t>
+              </a:r>
+              <a:r>
+                <a:rPr kumimoji="0" lang="zh-TW" altLang="zh-TW" sz="1100" b="0" i="0" u="none" strike="noStrike" cap="none" normalizeH="0" baseline="0">
+                  <a:ln>
+                    <a:noFill/>
+                  </a:ln>
+                  <a:solidFill>
+                    <a:srgbClr val="BCBEC4"/>
+                  </a:solidFill>
+                  <a:effectLst/>
+                  <a:latin typeface="+mj-lt"/>
+                  <a:cs typeface="JetBrains Mono" panose="02000009000000000000" pitchFamily="49" charset="0"/>
+                </a:rPr>
+                <a:t>, </a:t>
+              </a:r>
+              <a:r>
+                <a:rPr kumimoji="0" lang="zh-TW" altLang="zh-TW" sz="1100" b="0" i="0" u="none" strike="noStrike" cap="none" normalizeH="0" baseline="0">
+                  <a:ln>
+                    <a:noFill/>
+                  </a:ln>
+                  <a:solidFill>
+                    <a:srgbClr val="2AACB8"/>
+                  </a:solidFill>
+                  <a:effectLst/>
+                  <a:latin typeface="+mj-lt"/>
+                  <a:cs typeface="JetBrains Mono" panose="02000009000000000000" pitchFamily="49" charset="0"/>
+                </a:rPr>
+                <a:t>6</a:t>
+              </a:r>
+              <a:r>
+                <a:rPr kumimoji="0" lang="zh-TW" altLang="zh-TW" sz="1100" b="0" i="0" u="none" strike="noStrike" cap="none" normalizeH="0" baseline="0">
+                  <a:ln>
+                    <a:noFill/>
+                  </a:ln>
+                  <a:solidFill>
+                    <a:srgbClr val="BCBEC4"/>
+                  </a:solidFill>
+                  <a:effectLst/>
+                  <a:latin typeface="+mj-lt"/>
+                  <a:cs typeface="JetBrains Mono" panose="02000009000000000000" pitchFamily="49" charset="0"/>
+                </a:rPr>
+                <a:t>, </a:t>
+              </a:r>
+              <a:r>
+                <a:rPr kumimoji="0" lang="zh-TW" altLang="zh-TW" sz="1100" b="0" i="0" u="none" strike="noStrike" cap="none" normalizeH="0" baseline="0">
+                  <a:ln>
+                    <a:noFill/>
+                  </a:ln>
+                  <a:solidFill>
+                    <a:srgbClr val="2AACB8"/>
+                  </a:solidFill>
+                  <a:effectLst/>
+                  <a:latin typeface="+mj-lt"/>
+                  <a:cs typeface="JetBrains Mono" panose="02000009000000000000" pitchFamily="49" charset="0"/>
+                </a:rPr>
+                <a:t>7</a:t>
+              </a:r>
+              <a:r>
+                <a:rPr kumimoji="0" lang="zh-TW" altLang="zh-TW" sz="1100" b="0" i="0" u="none" strike="noStrike" cap="none" normalizeH="0" baseline="0">
+                  <a:ln>
+                    <a:noFill/>
+                  </a:ln>
+                  <a:solidFill>
+                    <a:srgbClr val="BCBEC4"/>
+                  </a:solidFill>
+                  <a:effectLst/>
+                  <a:latin typeface="+mj-lt"/>
+                  <a:cs typeface="JetBrains Mono" panose="02000009000000000000" pitchFamily="49" charset="0"/>
+                </a:rPr>
+                <a:t>};</a:t>
+              </a:r>
+              <a:br>
+                <a:rPr kumimoji="0" lang="zh-TW" altLang="zh-TW" sz="1100" b="0" i="0" u="none" strike="noStrike" cap="none" normalizeH="0" baseline="0">
+                  <a:ln>
+                    <a:noFill/>
+                  </a:ln>
+                  <a:solidFill>
+                    <a:srgbClr val="BCBEC4"/>
+                  </a:solidFill>
+                  <a:effectLst/>
+                  <a:latin typeface="+mj-lt"/>
+                  <a:cs typeface="JetBrains Mono" panose="02000009000000000000" pitchFamily="49" charset="0"/>
+                </a:rPr>
+              </a:br>
+              <a:r>
+                <a:rPr kumimoji="0" lang="zh-TW" altLang="zh-TW" sz="1100" b="0" i="0" u="none" strike="noStrike" cap="none" normalizeH="0" baseline="0">
+                  <a:ln>
+                    <a:noFill/>
+                  </a:ln>
+                  <a:solidFill>
+                    <a:srgbClr val="BCBEC4"/>
+                  </a:solidFill>
+                  <a:effectLst/>
+                  <a:latin typeface="+mj-lt"/>
+                  <a:cs typeface="JetBrains Mono" panose="02000009000000000000" pitchFamily="49" charset="0"/>
+                </a:rPr>
+                <a:t>        Num[] numArr = </a:t>
+              </a:r>
+              <a:r>
+                <a:rPr kumimoji="0" lang="zh-TW" altLang="zh-TW" sz="1100" b="0" i="0" u="none" strike="noStrike" cap="none" normalizeH="0" baseline="0">
+                  <a:ln>
+                    <a:noFill/>
+                  </a:ln>
+                  <a:solidFill>
+                    <a:srgbClr val="CF8E6D"/>
+                  </a:solidFill>
+                  <a:effectLst/>
+                  <a:latin typeface="+mj-lt"/>
+                  <a:cs typeface="JetBrains Mono" panose="02000009000000000000" pitchFamily="49" charset="0"/>
+                </a:rPr>
+                <a:t>new </a:t>
+              </a:r>
+              <a:r>
+                <a:rPr kumimoji="0" lang="zh-TW" altLang="zh-TW" sz="1100" b="0" i="0" u="none" strike="noStrike" cap="none" normalizeH="0" baseline="0">
+                  <a:ln>
+                    <a:noFill/>
+                  </a:ln>
+                  <a:solidFill>
+                    <a:srgbClr val="BCBEC4"/>
+                  </a:solidFill>
+                  <a:effectLst/>
+                  <a:latin typeface="+mj-lt"/>
+                  <a:cs typeface="JetBrains Mono" panose="02000009000000000000" pitchFamily="49" charset="0"/>
+                </a:rPr>
+                <a:t>Num[</a:t>
+              </a:r>
+              <a:r>
+                <a:rPr kumimoji="0" lang="zh-TW" altLang="zh-TW" sz="1100" b="0" i="0" u="none" strike="noStrike" cap="none" normalizeH="0" baseline="0">
+                  <a:ln>
+                    <a:noFill/>
+                  </a:ln>
+                  <a:solidFill>
+                    <a:srgbClr val="2AACB8"/>
+                  </a:solidFill>
+                  <a:effectLst/>
+                  <a:latin typeface="+mj-lt"/>
+                  <a:cs typeface="JetBrains Mono" panose="02000009000000000000" pitchFamily="49" charset="0"/>
+                </a:rPr>
+                <a:t>7</a:t>
+              </a:r>
+              <a:r>
+                <a:rPr kumimoji="0" lang="zh-TW" altLang="zh-TW" sz="1100" b="0" i="0" u="none" strike="noStrike" cap="none" normalizeH="0" baseline="0">
+                  <a:ln>
+                    <a:noFill/>
+                  </a:ln>
+                  <a:solidFill>
+                    <a:srgbClr val="BCBEC4"/>
+                  </a:solidFill>
+                  <a:effectLst/>
+                  <a:latin typeface="+mj-lt"/>
+                  <a:cs typeface="JetBrains Mono" panose="02000009000000000000" pitchFamily="49" charset="0"/>
+                </a:rPr>
+                <a:t>];</a:t>
+              </a:r>
+              <a:br>
+                <a:rPr kumimoji="0" lang="zh-TW" altLang="zh-TW" sz="1100" b="0" i="0" u="none" strike="noStrike" cap="none" normalizeH="0" baseline="0">
+                  <a:ln>
+                    <a:noFill/>
+                  </a:ln>
+                  <a:solidFill>
+                    <a:srgbClr val="BCBEC4"/>
+                  </a:solidFill>
+                  <a:effectLst/>
+                  <a:latin typeface="+mj-lt"/>
+                  <a:cs typeface="JetBrains Mono" panose="02000009000000000000" pitchFamily="49" charset="0"/>
+                </a:rPr>
+              </a:br>
+              <a:r>
+                <a:rPr kumimoji="0" lang="zh-TW" altLang="zh-TW" sz="1100" b="0" i="0" u="none" strike="noStrike" cap="none" normalizeH="0" baseline="0">
+                  <a:ln>
+                    <a:noFill/>
+                  </a:ln>
+                  <a:solidFill>
+                    <a:srgbClr val="BCBEC4"/>
+                  </a:solidFill>
+                  <a:effectLst/>
+                  <a:latin typeface="+mj-lt"/>
+                  <a:cs typeface="JetBrains Mono" panose="02000009000000000000" pitchFamily="49" charset="0"/>
+                </a:rPr>
+                <a:t>        ArrayHelper.</a:t>
+              </a:r>
+              <a:r>
+                <a:rPr kumimoji="0" lang="zh-TW" altLang="zh-TW" sz="1100" b="0" i="1" u="none" strike="noStrike" cap="none" normalizeH="0" baseline="0">
+                  <a:ln>
+                    <a:noFill/>
+                  </a:ln>
+                  <a:solidFill>
+                    <a:srgbClr val="BCBEC4"/>
+                  </a:solidFill>
+                  <a:effectLst/>
+                  <a:latin typeface="+mj-lt"/>
+                  <a:cs typeface="JetBrains Mono" panose="02000009000000000000" pitchFamily="49" charset="0"/>
+                </a:rPr>
+                <a:t>map</a:t>
+              </a:r>
+              <a:r>
+                <a:rPr kumimoji="0" lang="zh-TW" altLang="zh-TW" sz="1100" b="0" i="0" u="none" strike="noStrike" cap="none" normalizeH="0" baseline="0">
+                  <a:ln>
+                    <a:noFill/>
+                  </a:ln>
+                  <a:solidFill>
+                    <a:srgbClr val="BCBEC4"/>
+                  </a:solidFill>
+                  <a:effectLst/>
+                  <a:latin typeface="+mj-lt"/>
+                  <a:cs typeface="JetBrains Mono" panose="02000009000000000000" pitchFamily="49" charset="0"/>
+                </a:rPr>
+                <a:t>(intArr, Num::</a:t>
+              </a:r>
+              <a:r>
+                <a:rPr kumimoji="0" lang="zh-TW" altLang="zh-TW" sz="1100" b="0" i="0" u="none" strike="noStrike" cap="none" normalizeH="0" baseline="0">
+                  <a:ln>
+                    <a:noFill/>
+                  </a:ln>
+                  <a:solidFill>
+                    <a:srgbClr val="CF8E6D"/>
+                  </a:solidFill>
+                  <a:effectLst/>
+                  <a:latin typeface="+mj-lt"/>
+                  <a:cs typeface="JetBrains Mono" panose="02000009000000000000" pitchFamily="49" charset="0"/>
+                </a:rPr>
+                <a:t>new</a:t>
+              </a:r>
+              <a:r>
+                <a:rPr kumimoji="0" lang="zh-TW" altLang="zh-TW" sz="1100" b="0" i="0" u="none" strike="noStrike" cap="none" normalizeH="0" baseline="0">
+                  <a:ln>
+                    <a:noFill/>
+                  </a:ln>
+                  <a:solidFill>
+                    <a:srgbClr val="BCBEC4"/>
+                  </a:solidFill>
+                  <a:effectLst/>
+                  <a:latin typeface="+mj-lt"/>
+                  <a:cs typeface="JetBrains Mono" panose="02000009000000000000" pitchFamily="49" charset="0"/>
+                </a:rPr>
+                <a:t>, numArr);</a:t>
+              </a:r>
+              <a:br>
+                <a:rPr kumimoji="0" lang="zh-TW" altLang="zh-TW" sz="1100" b="0" i="0" u="none" strike="noStrike" cap="none" normalizeH="0" baseline="0">
+                  <a:ln>
+                    <a:noFill/>
+                  </a:ln>
+                  <a:solidFill>
+                    <a:srgbClr val="BCBEC4"/>
+                  </a:solidFill>
+                  <a:effectLst/>
+                  <a:latin typeface="+mj-lt"/>
+                  <a:cs typeface="JetBrains Mono" panose="02000009000000000000" pitchFamily="49" charset="0"/>
+                </a:rPr>
+              </a:br>
+              <a:r>
+                <a:rPr kumimoji="0" lang="zh-TW" altLang="zh-TW" sz="1100" b="0" i="0" u="none" strike="noStrike" cap="none" normalizeH="0" baseline="0">
+                  <a:ln>
+                    <a:noFill/>
+                  </a:ln>
+                  <a:solidFill>
+                    <a:srgbClr val="BCBEC4"/>
+                  </a:solidFill>
+                  <a:effectLst/>
+                  <a:latin typeface="+mj-lt"/>
+                  <a:cs typeface="JetBrains Mono" panose="02000009000000000000" pitchFamily="49" charset="0"/>
+                </a:rPr>
+                <a:t>        System.</a:t>
+              </a:r>
+              <a:r>
+                <a:rPr kumimoji="0" lang="zh-TW" altLang="zh-TW" sz="1100" b="0" i="1" u="none" strike="noStrike" cap="none" normalizeH="0" baseline="0">
+                  <a:ln>
+                    <a:noFill/>
+                  </a:ln>
+                  <a:solidFill>
+                    <a:srgbClr val="C77DBB"/>
+                  </a:solidFill>
+                  <a:effectLst/>
+                  <a:latin typeface="+mj-lt"/>
+                  <a:cs typeface="JetBrains Mono" panose="02000009000000000000" pitchFamily="49" charset="0"/>
+                </a:rPr>
+                <a:t>out</a:t>
+              </a:r>
+              <a:r>
+                <a:rPr kumimoji="0" lang="zh-TW" altLang="zh-TW" sz="1100" b="0" i="0" u="none" strike="noStrike" cap="none" normalizeH="0" baseline="0">
+                  <a:ln>
+                    <a:noFill/>
+                  </a:ln>
+                  <a:solidFill>
+                    <a:srgbClr val="BCBEC4"/>
+                  </a:solidFill>
+                  <a:effectLst/>
+                  <a:latin typeface="+mj-lt"/>
+                  <a:cs typeface="JetBrains Mono" panose="02000009000000000000" pitchFamily="49" charset="0"/>
+                </a:rPr>
+                <a:t>.println(Arrays.</a:t>
+              </a:r>
+              <a:r>
+                <a:rPr kumimoji="0" lang="zh-TW" altLang="zh-TW" sz="1100" b="0" i="1" u="none" strike="noStrike" cap="none" normalizeH="0" baseline="0">
+                  <a:ln>
+                    <a:noFill/>
+                  </a:ln>
+                  <a:solidFill>
+                    <a:srgbClr val="BCBEC4"/>
+                  </a:solidFill>
+                  <a:effectLst/>
+                  <a:latin typeface="+mj-lt"/>
+                  <a:cs typeface="JetBrains Mono" panose="02000009000000000000" pitchFamily="49" charset="0"/>
+                </a:rPr>
+                <a:t>toString</a:t>
+              </a:r>
+              <a:r>
+                <a:rPr kumimoji="0" lang="zh-TW" altLang="zh-TW" sz="1100" b="0" i="0" u="none" strike="noStrike" cap="none" normalizeH="0" baseline="0">
+                  <a:ln>
+                    <a:noFill/>
+                  </a:ln>
+                  <a:solidFill>
+                    <a:srgbClr val="BCBEC4"/>
+                  </a:solidFill>
+                  <a:effectLst/>
+                  <a:latin typeface="+mj-lt"/>
+                  <a:cs typeface="JetBrains Mono" panose="02000009000000000000" pitchFamily="49" charset="0"/>
+                </a:rPr>
+                <a:t>(numArr));</a:t>
+              </a:r>
+              <a:br>
+                <a:rPr kumimoji="0" lang="zh-TW" altLang="zh-TW" sz="1100" b="0" i="0" u="none" strike="noStrike" cap="none" normalizeH="0" baseline="0">
+                  <a:ln>
+                    <a:noFill/>
+                  </a:ln>
+                  <a:solidFill>
+                    <a:srgbClr val="BCBEC4"/>
+                  </a:solidFill>
+                  <a:effectLst/>
+                  <a:latin typeface="+mj-lt"/>
+                  <a:cs typeface="JetBrains Mono" panose="02000009000000000000" pitchFamily="49" charset="0"/>
+                </a:rPr>
+              </a:br>
+              <a:r>
+                <a:rPr kumimoji="0" lang="zh-TW" altLang="zh-TW" sz="1100" b="0" i="0" u="none" strike="noStrike" cap="none" normalizeH="0" baseline="0">
+                  <a:ln>
+                    <a:noFill/>
+                  </a:ln>
+                  <a:solidFill>
+                    <a:srgbClr val="BCBEC4"/>
+                  </a:solidFill>
+                  <a:effectLst/>
+                  <a:latin typeface="+mj-lt"/>
+                  <a:cs typeface="JetBrains Mono" panose="02000009000000000000" pitchFamily="49" charset="0"/>
+                </a:rPr>
+                <a:t>        ArrayHelper.</a:t>
+              </a:r>
+              <a:r>
+                <a:rPr kumimoji="0" lang="zh-TW" altLang="zh-TW" sz="1100" b="0" i="1" u="none" strike="noStrike" cap="none" normalizeH="0" baseline="0">
+                  <a:ln>
+                    <a:noFill/>
+                  </a:ln>
+                  <a:solidFill>
+                    <a:srgbClr val="BCBEC4"/>
+                  </a:solidFill>
+                  <a:effectLst/>
+                  <a:latin typeface="+mj-lt"/>
+                  <a:cs typeface="JetBrains Mono" panose="02000009000000000000" pitchFamily="49" charset="0"/>
+                </a:rPr>
+                <a:t>map</a:t>
+              </a:r>
+              <a:r>
+                <a:rPr kumimoji="0" lang="zh-TW" altLang="zh-TW" sz="1100" b="0" i="0" u="none" strike="noStrike" cap="none" normalizeH="0" baseline="0">
+                  <a:ln>
+                    <a:noFill/>
+                  </a:ln>
+                  <a:solidFill>
+                    <a:srgbClr val="BCBEC4"/>
+                  </a:solidFill>
+                  <a:effectLst/>
+                  <a:latin typeface="+mj-lt"/>
+                  <a:cs typeface="JetBrains Mono" panose="02000009000000000000" pitchFamily="49" charset="0"/>
+                </a:rPr>
+                <a:t>(numArr, Num::square, numArr);</a:t>
+              </a:r>
+              <a:br>
+                <a:rPr kumimoji="0" lang="zh-TW" altLang="zh-TW" sz="1100" b="0" i="0" u="none" strike="noStrike" cap="none" normalizeH="0" baseline="0">
+                  <a:ln>
+                    <a:noFill/>
+                  </a:ln>
+                  <a:solidFill>
+                    <a:srgbClr val="BCBEC4"/>
+                  </a:solidFill>
+                  <a:effectLst/>
+                  <a:latin typeface="+mj-lt"/>
+                  <a:cs typeface="JetBrains Mono" panose="02000009000000000000" pitchFamily="49" charset="0"/>
+                </a:rPr>
+              </a:br>
+              <a:r>
+                <a:rPr kumimoji="0" lang="zh-TW" altLang="zh-TW" sz="1100" b="0" i="0" u="none" strike="noStrike" cap="none" normalizeH="0" baseline="0">
+                  <a:ln>
+                    <a:noFill/>
+                  </a:ln>
+                  <a:solidFill>
+                    <a:srgbClr val="BCBEC4"/>
+                  </a:solidFill>
+                  <a:effectLst/>
+                  <a:latin typeface="+mj-lt"/>
+                  <a:cs typeface="JetBrains Mono" panose="02000009000000000000" pitchFamily="49" charset="0"/>
+                </a:rPr>
+                <a:t>        System.</a:t>
+              </a:r>
+              <a:r>
+                <a:rPr kumimoji="0" lang="zh-TW" altLang="zh-TW" sz="1100" b="0" i="1" u="none" strike="noStrike" cap="none" normalizeH="0" baseline="0">
+                  <a:ln>
+                    <a:noFill/>
+                  </a:ln>
+                  <a:solidFill>
+                    <a:srgbClr val="C77DBB"/>
+                  </a:solidFill>
+                  <a:effectLst/>
+                  <a:latin typeface="+mj-lt"/>
+                  <a:cs typeface="JetBrains Mono" panose="02000009000000000000" pitchFamily="49" charset="0"/>
+                </a:rPr>
+                <a:t>out</a:t>
+              </a:r>
+              <a:r>
+                <a:rPr kumimoji="0" lang="zh-TW" altLang="zh-TW" sz="1100" b="0" i="0" u="none" strike="noStrike" cap="none" normalizeH="0" baseline="0">
+                  <a:ln>
+                    <a:noFill/>
+                  </a:ln>
+                  <a:solidFill>
+                    <a:srgbClr val="BCBEC4"/>
+                  </a:solidFill>
+                  <a:effectLst/>
+                  <a:latin typeface="+mj-lt"/>
+                  <a:cs typeface="JetBrains Mono" panose="02000009000000000000" pitchFamily="49" charset="0"/>
+                </a:rPr>
+                <a:t>.println(Arrays.</a:t>
+              </a:r>
+              <a:r>
+                <a:rPr kumimoji="0" lang="zh-TW" altLang="zh-TW" sz="1100" b="0" i="1" u="none" strike="noStrike" cap="none" normalizeH="0" baseline="0">
+                  <a:ln>
+                    <a:noFill/>
+                  </a:ln>
+                  <a:solidFill>
+                    <a:srgbClr val="BCBEC4"/>
+                  </a:solidFill>
+                  <a:effectLst/>
+                  <a:latin typeface="+mj-lt"/>
+                  <a:cs typeface="JetBrains Mono" panose="02000009000000000000" pitchFamily="49" charset="0"/>
+                </a:rPr>
+                <a:t>toString</a:t>
+              </a:r>
+              <a:r>
+                <a:rPr kumimoji="0" lang="zh-TW" altLang="zh-TW" sz="1100" b="0" i="0" u="none" strike="noStrike" cap="none" normalizeH="0" baseline="0">
+                  <a:ln>
+                    <a:noFill/>
+                  </a:ln>
+                  <a:solidFill>
+                    <a:srgbClr val="BCBEC4"/>
+                  </a:solidFill>
+                  <a:effectLst/>
+                  <a:latin typeface="+mj-lt"/>
+                  <a:cs typeface="JetBrains Mono" panose="02000009000000000000" pitchFamily="49" charset="0"/>
+                </a:rPr>
+                <a:t>(numArr));</a:t>
+              </a:r>
+              <a:br>
+                <a:rPr kumimoji="0" lang="zh-TW" altLang="zh-TW" sz="1100" b="0" i="0" u="none" strike="noStrike" cap="none" normalizeH="0" baseline="0">
+                  <a:ln>
+                    <a:noFill/>
+                  </a:ln>
+                  <a:solidFill>
+                    <a:srgbClr val="BCBEC4"/>
+                  </a:solidFill>
+                  <a:effectLst/>
+                  <a:latin typeface="+mj-lt"/>
+                  <a:cs typeface="JetBrains Mono" panose="02000009000000000000" pitchFamily="49" charset="0"/>
+                </a:rPr>
+              </a:br>
+              <a:r>
+                <a:rPr kumimoji="0" lang="zh-TW" altLang="zh-TW" sz="1100" b="0" i="0" u="none" strike="noStrike" cap="none" normalizeH="0" baseline="0">
+                  <a:ln>
+                    <a:noFill/>
+                  </a:ln>
+                  <a:solidFill>
+                    <a:srgbClr val="BCBEC4"/>
+                  </a:solidFill>
+                  <a:effectLst/>
+                  <a:latin typeface="+mj-lt"/>
+                  <a:cs typeface="JetBrains Mono" panose="02000009000000000000" pitchFamily="49" charset="0"/>
+                </a:rPr>
+                <a:t>        ArrayHelper.</a:t>
+              </a:r>
+              <a:r>
+                <a:rPr kumimoji="0" lang="zh-TW" altLang="zh-TW" sz="1100" b="0" i="1" u="none" strike="noStrike" cap="none" normalizeH="0" baseline="0">
+                  <a:ln>
+                    <a:noFill/>
+                  </a:ln>
+                  <a:solidFill>
+                    <a:srgbClr val="BCBEC4"/>
+                  </a:solidFill>
+                  <a:effectLst/>
+                  <a:latin typeface="+mj-lt"/>
+                  <a:cs typeface="JetBrains Mono" panose="02000009000000000000" pitchFamily="49" charset="0"/>
+                </a:rPr>
+                <a:t>map</a:t>
+              </a:r>
+              <a:r>
+                <a:rPr kumimoji="0" lang="zh-TW" altLang="zh-TW" sz="1100" b="0" i="0" u="none" strike="noStrike" cap="none" normalizeH="0" baseline="0">
+                  <a:ln>
+                    <a:noFill/>
+                  </a:ln>
+                  <a:solidFill>
+                    <a:srgbClr val="BCBEC4"/>
+                  </a:solidFill>
+                  <a:effectLst/>
+                  <a:latin typeface="+mj-lt"/>
+                  <a:cs typeface="JetBrains Mono" panose="02000009000000000000" pitchFamily="49" charset="0"/>
+                </a:rPr>
+                <a:t>(numArr, Num::</a:t>
+              </a:r>
+              <a:r>
+                <a:rPr kumimoji="0" lang="zh-TW" altLang="zh-TW" sz="1100" b="0" i="1" u="none" strike="noStrike" cap="none" normalizeH="0" baseline="0">
+                  <a:ln>
+                    <a:noFill/>
+                  </a:ln>
+                  <a:solidFill>
+                    <a:srgbClr val="BCBEC4"/>
+                  </a:solidFill>
+                  <a:effectLst/>
+                  <a:latin typeface="+mj-lt"/>
+                  <a:cs typeface="JetBrains Mono" panose="02000009000000000000" pitchFamily="49" charset="0"/>
+                </a:rPr>
+                <a:t>negative</a:t>
+              </a:r>
+              <a:r>
+                <a:rPr kumimoji="0" lang="zh-TW" altLang="zh-TW" sz="1100" b="0" i="0" u="none" strike="noStrike" cap="none" normalizeH="0" baseline="0">
+                  <a:ln>
+                    <a:noFill/>
+                  </a:ln>
+                  <a:solidFill>
+                    <a:srgbClr val="BCBEC4"/>
+                  </a:solidFill>
+                  <a:effectLst/>
+                  <a:latin typeface="+mj-lt"/>
+                  <a:cs typeface="JetBrains Mono" panose="02000009000000000000" pitchFamily="49" charset="0"/>
+                </a:rPr>
+                <a:t>, numArr);</a:t>
+              </a:r>
+              <a:br>
+                <a:rPr kumimoji="0" lang="zh-TW" altLang="zh-TW" sz="1100" b="0" i="0" u="none" strike="noStrike" cap="none" normalizeH="0" baseline="0">
+                  <a:ln>
+                    <a:noFill/>
+                  </a:ln>
+                  <a:solidFill>
+                    <a:srgbClr val="BCBEC4"/>
+                  </a:solidFill>
+                  <a:effectLst/>
+                  <a:latin typeface="+mj-lt"/>
+                  <a:cs typeface="JetBrains Mono" panose="02000009000000000000" pitchFamily="49" charset="0"/>
+                </a:rPr>
+              </a:br>
+              <a:r>
+                <a:rPr kumimoji="0" lang="zh-TW" altLang="zh-TW" sz="1100" b="0" i="0" u="none" strike="noStrike" cap="none" normalizeH="0" baseline="0">
+                  <a:ln>
+                    <a:noFill/>
+                  </a:ln>
+                  <a:solidFill>
+                    <a:srgbClr val="BCBEC4"/>
+                  </a:solidFill>
+                  <a:effectLst/>
+                  <a:latin typeface="+mj-lt"/>
+                  <a:cs typeface="JetBrains Mono" panose="02000009000000000000" pitchFamily="49" charset="0"/>
+                </a:rPr>
+                <a:t>        System.</a:t>
+              </a:r>
+              <a:r>
+                <a:rPr kumimoji="0" lang="zh-TW" altLang="zh-TW" sz="1100" b="0" i="1" u="none" strike="noStrike" cap="none" normalizeH="0" baseline="0">
+                  <a:ln>
+                    <a:noFill/>
+                  </a:ln>
+                  <a:solidFill>
+                    <a:srgbClr val="C77DBB"/>
+                  </a:solidFill>
+                  <a:effectLst/>
+                  <a:latin typeface="+mj-lt"/>
+                  <a:cs typeface="JetBrains Mono" panose="02000009000000000000" pitchFamily="49" charset="0"/>
+                </a:rPr>
+                <a:t>out</a:t>
+              </a:r>
+              <a:r>
+                <a:rPr kumimoji="0" lang="zh-TW" altLang="zh-TW" sz="1100" b="0" i="0" u="none" strike="noStrike" cap="none" normalizeH="0" baseline="0">
+                  <a:ln>
+                    <a:noFill/>
+                  </a:ln>
+                  <a:solidFill>
+                    <a:srgbClr val="BCBEC4"/>
+                  </a:solidFill>
+                  <a:effectLst/>
+                  <a:latin typeface="+mj-lt"/>
+                  <a:cs typeface="JetBrains Mono" panose="02000009000000000000" pitchFamily="49" charset="0"/>
+                </a:rPr>
+                <a:t>.println(Arrays.</a:t>
+              </a:r>
+              <a:r>
+                <a:rPr kumimoji="0" lang="zh-TW" altLang="zh-TW" sz="1100" b="0" i="1" u="none" strike="noStrike" cap="none" normalizeH="0" baseline="0">
+                  <a:ln>
+                    <a:noFill/>
+                  </a:ln>
+                  <a:solidFill>
+                    <a:srgbClr val="BCBEC4"/>
+                  </a:solidFill>
+                  <a:effectLst/>
+                  <a:latin typeface="+mj-lt"/>
+                  <a:cs typeface="JetBrains Mono" panose="02000009000000000000" pitchFamily="49" charset="0"/>
+                </a:rPr>
+                <a:t>toString</a:t>
+              </a:r>
+              <a:r>
+                <a:rPr kumimoji="0" lang="zh-TW" altLang="zh-TW" sz="1100" b="0" i="0" u="none" strike="noStrike" cap="none" normalizeH="0" baseline="0">
+                  <a:ln>
+                    <a:noFill/>
+                  </a:ln>
+                  <a:solidFill>
+                    <a:srgbClr val="BCBEC4"/>
+                  </a:solidFill>
+                  <a:effectLst/>
+                  <a:latin typeface="+mj-lt"/>
+                  <a:cs typeface="JetBrains Mono" panose="02000009000000000000" pitchFamily="49" charset="0"/>
+                </a:rPr>
+                <a:t>(numArr));</a:t>
+              </a:r>
+              <a:br>
+                <a:rPr kumimoji="0" lang="zh-TW" altLang="zh-TW" sz="1100" b="0" i="0" u="none" strike="noStrike" cap="none" normalizeH="0" baseline="0">
+                  <a:ln>
+                    <a:noFill/>
+                  </a:ln>
+                  <a:solidFill>
+                    <a:srgbClr val="BCBEC4"/>
+                  </a:solidFill>
+                  <a:effectLst/>
+                  <a:latin typeface="+mj-lt"/>
+                  <a:cs typeface="JetBrains Mono" panose="02000009000000000000" pitchFamily="49" charset="0"/>
+                </a:rPr>
+              </a:br>
+              <a:r>
+                <a:rPr kumimoji="0" lang="zh-TW" altLang="zh-TW" sz="1100" b="0" i="0" u="none" strike="noStrike" cap="none" normalizeH="0" baseline="0">
+                  <a:ln>
+                    <a:noFill/>
+                  </a:ln>
+                  <a:solidFill>
+                    <a:srgbClr val="BCBEC4"/>
+                  </a:solidFill>
+                  <a:effectLst/>
+                  <a:latin typeface="+mj-lt"/>
+                  <a:cs typeface="JetBrains Mono" panose="02000009000000000000" pitchFamily="49" charset="0"/>
+                </a:rPr>
+                <a:t>    }</a:t>
+              </a:r>
+              <a:br>
+                <a:rPr kumimoji="0" lang="zh-TW" altLang="zh-TW" sz="1100" b="0" i="0" u="none" strike="noStrike" cap="none" normalizeH="0" baseline="0">
+                  <a:ln>
+                    <a:noFill/>
+                  </a:ln>
+                  <a:solidFill>
+                    <a:srgbClr val="BCBEC4"/>
+                  </a:solidFill>
+                  <a:effectLst/>
+                  <a:latin typeface="+mj-lt"/>
+                  <a:cs typeface="JetBrains Mono" panose="02000009000000000000" pitchFamily="49" charset="0"/>
+                </a:rPr>
+              </a:br>
+              <a:r>
+                <a:rPr kumimoji="0" lang="zh-TW" altLang="zh-TW" sz="1100" b="0" i="0" u="none" strike="noStrike" cap="none" normalizeH="0" baseline="0">
+                  <a:ln>
+                    <a:noFill/>
+                  </a:ln>
+                  <a:solidFill>
+                    <a:srgbClr val="BCBEC4"/>
+                  </a:solidFill>
+                  <a:effectLst/>
+                  <a:latin typeface="+mj-lt"/>
+                  <a:cs typeface="JetBrains Mono" panose="02000009000000000000" pitchFamily="49" charset="0"/>
+                </a:rPr>
+                <a:t>}</a:t>
+              </a:r>
+              <a:endParaRPr kumimoji="0" lang="zh-TW" altLang="zh-TW" sz="1400" b="0" i="0" u="none" strike="noStrike" cap="none" normalizeH="0" baseline="0">
+                <a:ln>
+                  <a:noFill/>
+                </a:ln>
+                <a:solidFill>
+                  <a:schemeClr val="tx1"/>
+                </a:solidFill>
+                <a:effectLst/>
+                <a:latin typeface="+mj-lt"/>
+              </a:endParaRPr>
+            </a:p>
+          </p:txBody>
+        </p:sp>
+        <p:sp>
+          <p:nvSpPr>
+            <p:cNvPr id="5" name="Rectangle 4">
+              <a:extLst>
+                <a:ext uri="{FF2B5EF4-FFF2-40B4-BE49-F238E27FC236}">
+                  <a16:creationId xmlns:a16="http://schemas.microsoft.com/office/drawing/2014/main" id="{36AF5949-6F65-441A-B695-5D53EEB6859F}"/>
+                </a:ext>
+              </a:extLst>
+            </p:cNvPr>
+            <p:cNvSpPr>
+              <a:spLocks noChangeArrowheads="1"/>
+            </p:cNvSpPr>
+            <p:nvPr/>
+          </p:nvSpPr>
+          <p:spPr bwMode="auto">
+            <a:xfrm>
+              <a:off x="838199" y="2941844"/>
+              <a:ext cx="4416593" cy="3477875"/>
+            </a:xfrm>
+            <a:prstGeom prst="rect">
+              <a:avLst/>
+            </a:prstGeom>
+            <a:solidFill>
+              <a:srgbClr val="1E1F22"/>
+            </a:solidFill>
+            <a:ln>
+              <a:noFill/>
+            </a:ln>
+            <a:effectLst/>
+            <a:extLst>
+              <a:ext uri="{91240B29-F687-4F45-9708-019B960494DF}">
+                <a14:hiddenLine xmlns:a14="http://schemas.microsoft.com/office/drawing/2010/main" w="9525">
+                  <a:solidFill>
+                    <a:schemeClr val="tx1"/>
+                  </a:solidFill>
+                  <a:miter lim="800000"/>
+                  <a:headEnd/>
+                  <a:tailEnd/>
+                </a14:hiddenLine>
+              </a:ext>
+              <a:ext uri="{AF507438-7753-43E0-B8FC-AC1667EBCBE1}">
+                <a14:hiddenEffects xmlns:a14="http://schemas.microsoft.com/office/drawing/2010/main">
+                  <a:effectLst>
+                    <a:outerShdw dist="35921" dir="2700000" algn="ctr" rotWithShape="0">
+                      <a:schemeClr val="bg2"/>
+                    </a:outerShdw>
+                  </a:effectLst>
+                </a14:hiddenEffects>
+              </a:ext>
+            </a:extLst>
+          </p:spPr>
+          <p:txBody>
+            <a:bodyPr vert="horz" wrap="square" lIns="91440" tIns="45720" rIns="91440" bIns="45720" numCol="1" anchor="ctr" anchorCtr="0" compatLnSpc="1">
+              <a:prstTxWarp prst="textNoShape">
+                <a:avLst/>
+              </a:prstTxWarp>
+              <a:spAutoFit/>
+            </a:bodyPr>
+            <a:lstStyle/>
+            <a:p>
+              <a:pPr marL="0" marR="0" lvl="0" indent="0" algn="l" defTabSz="914400" rtl="0" eaLnBrk="0" fontAlgn="base" latinLnBrk="0" hangingPunct="0">
+                <a:lnSpc>
+                  <a:spcPct val="100000"/>
+                </a:lnSpc>
+                <a:spcBef>
+                  <a:spcPct val="0"/>
+                </a:spcBef>
+                <a:spcAft>
+                  <a:spcPct val="0"/>
+                </a:spcAft>
+                <a:buClrTx/>
+                <a:buSzTx/>
+                <a:buFontTx/>
+                <a:buNone/>
+                <a:tabLst/>
+              </a:pPr>
+              <a:r>
+                <a:rPr kumimoji="0" lang="zh-TW" altLang="zh-TW" sz="1100" b="0" i="0" u="none" strike="noStrike" cap="none" normalizeH="0" baseline="0">
+                  <a:ln>
+                    <a:noFill/>
+                  </a:ln>
+                  <a:solidFill>
+                    <a:srgbClr val="CF8E6D"/>
+                  </a:solidFill>
+                  <a:effectLst/>
+                  <a:latin typeface="+mj-lt"/>
+                  <a:cs typeface="JetBrains Mono" panose="02000009000000000000" pitchFamily="49" charset="0"/>
+                </a:rPr>
+                <a:t>class </a:t>
+              </a:r>
+              <a:r>
+                <a:rPr kumimoji="0" lang="zh-TW" altLang="zh-TW" sz="1100" b="0" i="0" u="none" strike="noStrike" cap="none" normalizeH="0" baseline="0">
+                  <a:ln>
+                    <a:noFill/>
+                  </a:ln>
+                  <a:solidFill>
+                    <a:srgbClr val="BCBEC4"/>
+                  </a:solidFill>
+                  <a:effectLst/>
+                  <a:latin typeface="+mj-lt"/>
+                  <a:cs typeface="JetBrains Mono" panose="02000009000000000000" pitchFamily="49" charset="0"/>
+                </a:rPr>
+                <a:t>Num {</a:t>
+              </a:r>
+              <a:br>
+                <a:rPr kumimoji="0" lang="zh-TW" altLang="zh-TW" sz="1100" b="0" i="0" u="none" strike="noStrike" cap="none" normalizeH="0" baseline="0">
+                  <a:ln>
+                    <a:noFill/>
+                  </a:ln>
+                  <a:solidFill>
+                    <a:srgbClr val="BCBEC4"/>
+                  </a:solidFill>
+                  <a:effectLst/>
+                  <a:latin typeface="+mj-lt"/>
+                  <a:cs typeface="JetBrains Mono" panose="02000009000000000000" pitchFamily="49" charset="0"/>
+                </a:rPr>
+              </a:br>
+              <a:r>
+                <a:rPr kumimoji="0" lang="zh-TW" altLang="zh-TW" sz="1100" b="0" i="0" u="none" strike="noStrike" cap="none" normalizeH="0" baseline="0">
+                  <a:ln>
+                    <a:noFill/>
+                  </a:ln>
+                  <a:solidFill>
+                    <a:srgbClr val="BCBEC4"/>
+                  </a:solidFill>
+                  <a:effectLst/>
+                  <a:latin typeface="+mj-lt"/>
+                  <a:cs typeface="JetBrains Mono" panose="02000009000000000000" pitchFamily="49" charset="0"/>
+                </a:rPr>
+                <a:t>    </a:t>
+              </a:r>
+              <a:r>
+                <a:rPr kumimoji="0" lang="zh-TW" altLang="zh-TW" sz="1100" b="0" i="0" u="none" strike="noStrike" cap="none" normalizeH="0" baseline="0">
+                  <a:ln>
+                    <a:noFill/>
+                  </a:ln>
+                  <a:solidFill>
+                    <a:srgbClr val="CF8E6D"/>
+                  </a:solidFill>
+                  <a:effectLst/>
+                  <a:latin typeface="+mj-lt"/>
+                  <a:cs typeface="JetBrains Mono" panose="02000009000000000000" pitchFamily="49" charset="0"/>
+                </a:rPr>
+                <a:t>int </a:t>
+              </a:r>
+              <a:r>
+                <a:rPr kumimoji="0" lang="zh-TW" altLang="zh-TW" sz="1100" b="0" i="0" u="none" strike="noStrike" cap="none" normalizeH="0" baseline="0">
+                  <a:ln>
+                    <a:noFill/>
+                  </a:ln>
+                  <a:solidFill>
+                    <a:srgbClr val="C77DBB"/>
+                  </a:solidFill>
+                  <a:effectLst/>
+                  <a:latin typeface="+mj-lt"/>
+                  <a:cs typeface="JetBrains Mono" panose="02000009000000000000" pitchFamily="49" charset="0"/>
+                </a:rPr>
+                <a:t>number</a:t>
+              </a:r>
+              <a:r>
+                <a:rPr kumimoji="0" lang="zh-TW" altLang="zh-TW" sz="1100" b="0" i="0" u="none" strike="noStrike" cap="none" normalizeH="0" baseline="0">
+                  <a:ln>
+                    <a:noFill/>
+                  </a:ln>
+                  <a:solidFill>
+                    <a:srgbClr val="BCBEC4"/>
+                  </a:solidFill>
+                  <a:effectLst/>
+                  <a:latin typeface="+mj-lt"/>
+                  <a:cs typeface="JetBrains Mono" panose="02000009000000000000" pitchFamily="49" charset="0"/>
+                </a:rPr>
+                <a:t>;</a:t>
+              </a:r>
+              <a:br>
+                <a:rPr kumimoji="0" lang="zh-TW" altLang="zh-TW" sz="1100" b="0" i="0" u="none" strike="noStrike" cap="none" normalizeH="0" baseline="0">
+                  <a:ln>
+                    <a:noFill/>
+                  </a:ln>
+                  <a:solidFill>
+                    <a:srgbClr val="BCBEC4"/>
+                  </a:solidFill>
+                  <a:effectLst/>
+                  <a:latin typeface="+mj-lt"/>
+                  <a:cs typeface="JetBrains Mono" panose="02000009000000000000" pitchFamily="49" charset="0"/>
+                </a:rPr>
+              </a:br>
+              <a:br>
+                <a:rPr kumimoji="0" lang="zh-TW" altLang="zh-TW" sz="1100" b="0" i="0" u="none" strike="noStrike" cap="none" normalizeH="0" baseline="0">
+                  <a:ln>
+                    <a:noFill/>
+                  </a:ln>
+                  <a:solidFill>
+                    <a:srgbClr val="BCBEC4"/>
+                  </a:solidFill>
+                  <a:effectLst/>
+                  <a:latin typeface="+mj-lt"/>
+                  <a:cs typeface="JetBrains Mono" panose="02000009000000000000" pitchFamily="49" charset="0"/>
+                </a:rPr>
+              </a:br>
+              <a:r>
+                <a:rPr kumimoji="0" lang="zh-TW" altLang="zh-TW" sz="1100" b="0" i="0" u="none" strike="noStrike" cap="none" normalizeH="0" baseline="0">
+                  <a:ln>
+                    <a:noFill/>
+                  </a:ln>
+                  <a:solidFill>
+                    <a:srgbClr val="BCBEC4"/>
+                  </a:solidFill>
+                  <a:effectLst/>
+                  <a:latin typeface="+mj-lt"/>
+                  <a:cs typeface="JetBrains Mono" panose="02000009000000000000" pitchFamily="49" charset="0"/>
+                </a:rPr>
+                <a:t>    </a:t>
+              </a:r>
+              <a:r>
+                <a:rPr kumimoji="0" lang="zh-TW" altLang="zh-TW" sz="1100" b="0" i="0" u="none" strike="noStrike" cap="none" normalizeH="0" baseline="0">
+                  <a:ln>
+                    <a:noFill/>
+                  </a:ln>
+                  <a:solidFill>
+                    <a:srgbClr val="CF8E6D"/>
+                  </a:solidFill>
+                  <a:effectLst/>
+                  <a:latin typeface="+mj-lt"/>
+                  <a:cs typeface="JetBrains Mono" panose="02000009000000000000" pitchFamily="49" charset="0"/>
+                </a:rPr>
+                <a:t>public </a:t>
+              </a:r>
+              <a:r>
+                <a:rPr kumimoji="0" lang="zh-TW" altLang="zh-TW" sz="1100" b="0" i="0" u="none" strike="noStrike" cap="none" normalizeH="0" baseline="0">
+                  <a:ln>
+                    <a:noFill/>
+                  </a:ln>
+                  <a:solidFill>
+                    <a:srgbClr val="56A8F5"/>
+                  </a:solidFill>
+                  <a:effectLst/>
+                  <a:latin typeface="+mj-lt"/>
+                  <a:cs typeface="JetBrains Mono" panose="02000009000000000000" pitchFamily="49" charset="0"/>
+                </a:rPr>
+                <a:t>Num</a:t>
+              </a:r>
+              <a:r>
+                <a:rPr kumimoji="0" lang="zh-TW" altLang="zh-TW" sz="1100" b="0" i="0" u="none" strike="noStrike" cap="none" normalizeH="0" baseline="0">
+                  <a:ln>
+                    <a:noFill/>
+                  </a:ln>
+                  <a:solidFill>
+                    <a:srgbClr val="BCBEC4"/>
+                  </a:solidFill>
+                  <a:effectLst/>
+                  <a:latin typeface="+mj-lt"/>
+                  <a:cs typeface="JetBrains Mono" panose="02000009000000000000" pitchFamily="49" charset="0"/>
+                </a:rPr>
+                <a:t>(</a:t>
+              </a:r>
+              <a:r>
+                <a:rPr kumimoji="0" lang="zh-TW" altLang="zh-TW" sz="1100" b="0" i="0" u="none" strike="noStrike" cap="none" normalizeH="0" baseline="0">
+                  <a:ln>
+                    <a:noFill/>
+                  </a:ln>
+                  <a:solidFill>
+                    <a:srgbClr val="CF8E6D"/>
+                  </a:solidFill>
+                  <a:effectLst/>
+                  <a:latin typeface="+mj-lt"/>
+                  <a:cs typeface="JetBrains Mono" panose="02000009000000000000" pitchFamily="49" charset="0"/>
+                </a:rPr>
+                <a:t>int </a:t>
+              </a:r>
+              <a:r>
+                <a:rPr kumimoji="0" lang="zh-TW" altLang="zh-TW" sz="1100" b="0" i="0" u="none" strike="noStrike" cap="none" normalizeH="0" baseline="0">
+                  <a:ln>
+                    <a:noFill/>
+                  </a:ln>
+                  <a:solidFill>
+                    <a:srgbClr val="BCBEC4"/>
+                  </a:solidFill>
+                  <a:effectLst/>
+                  <a:latin typeface="+mj-lt"/>
+                  <a:cs typeface="JetBrains Mono" panose="02000009000000000000" pitchFamily="49" charset="0"/>
+                </a:rPr>
+                <a:t>number) {</a:t>
+              </a:r>
+              <a:br>
+                <a:rPr kumimoji="0" lang="zh-TW" altLang="zh-TW" sz="1100" b="0" i="0" u="none" strike="noStrike" cap="none" normalizeH="0" baseline="0">
+                  <a:ln>
+                    <a:noFill/>
+                  </a:ln>
+                  <a:solidFill>
+                    <a:srgbClr val="BCBEC4"/>
+                  </a:solidFill>
+                  <a:effectLst/>
+                  <a:latin typeface="+mj-lt"/>
+                  <a:cs typeface="JetBrains Mono" panose="02000009000000000000" pitchFamily="49" charset="0"/>
+                </a:rPr>
+              </a:br>
+              <a:r>
+                <a:rPr kumimoji="0" lang="zh-TW" altLang="zh-TW" sz="1100" b="0" i="0" u="none" strike="noStrike" cap="none" normalizeH="0" baseline="0">
+                  <a:ln>
+                    <a:noFill/>
+                  </a:ln>
+                  <a:solidFill>
+                    <a:srgbClr val="BCBEC4"/>
+                  </a:solidFill>
+                  <a:effectLst/>
+                  <a:latin typeface="+mj-lt"/>
+                  <a:cs typeface="JetBrains Mono" panose="02000009000000000000" pitchFamily="49" charset="0"/>
+                </a:rPr>
+                <a:t>        </a:t>
+              </a:r>
+              <a:r>
+                <a:rPr kumimoji="0" lang="zh-TW" altLang="zh-TW" sz="1100" b="0" i="0" u="none" strike="noStrike" cap="none" normalizeH="0" baseline="0">
+                  <a:ln>
+                    <a:noFill/>
+                  </a:ln>
+                  <a:solidFill>
+                    <a:srgbClr val="CF8E6D"/>
+                  </a:solidFill>
+                  <a:effectLst/>
+                  <a:latin typeface="+mj-lt"/>
+                  <a:cs typeface="JetBrains Mono" panose="02000009000000000000" pitchFamily="49" charset="0"/>
+                </a:rPr>
+                <a:t>this</a:t>
+              </a:r>
+              <a:r>
+                <a:rPr kumimoji="0" lang="zh-TW" altLang="zh-TW" sz="1100" b="0" i="0" u="none" strike="noStrike" cap="none" normalizeH="0" baseline="0">
+                  <a:ln>
+                    <a:noFill/>
+                  </a:ln>
+                  <a:solidFill>
+                    <a:srgbClr val="BCBEC4"/>
+                  </a:solidFill>
+                  <a:effectLst/>
+                  <a:latin typeface="+mj-lt"/>
+                  <a:cs typeface="JetBrains Mono" panose="02000009000000000000" pitchFamily="49" charset="0"/>
+                </a:rPr>
+                <a:t>.</a:t>
+              </a:r>
+              <a:r>
+                <a:rPr kumimoji="0" lang="zh-TW" altLang="zh-TW" sz="1100" b="0" i="0" u="none" strike="noStrike" cap="none" normalizeH="0" baseline="0">
+                  <a:ln>
+                    <a:noFill/>
+                  </a:ln>
+                  <a:solidFill>
+                    <a:srgbClr val="C77DBB"/>
+                  </a:solidFill>
+                  <a:effectLst/>
+                  <a:latin typeface="+mj-lt"/>
+                  <a:cs typeface="JetBrains Mono" panose="02000009000000000000" pitchFamily="49" charset="0"/>
+                </a:rPr>
+                <a:t>number </a:t>
+              </a:r>
+              <a:r>
+                <a:rPr kumimoji="0" lang="zh-TW" altLang="zh-TW" sz="1100" b="0" i="0" u="none" strike="noStrike" cap="none" normalizeH="0" baseline="0">
+                  <a:ln>
+                    <a:noFill/>
+                  </a:ln>
+                  <a:solidFill>
+                    <a:srgbClr val="BCBEC4"/>
+                  </a:solidFill>
+                  <a:effectLst/>
+                  <a:latin typeface="+mj-lt"/>
+                  <a:cs typeface="JetBrains Mono" panose="02000009000000000000" pitchFamily="49" charset="0"/>
+                </a:rPr>
+                <a:t>= number;</a:t>
+              </a:r>
+              <a:br>
+                <a:rPr kumimoji="0" lang="zh-TW" altLang="zh-TW" sz="1100" b="0" i="0" u="none" strike="noStrike" cap="none" normalizeH="0" baseline="0">
+                  <a:ln>
+                    <a:noFill/>
+                  </a:ln>
+                  <a:solidFill>
+                    <a:srgbClr val="BCBEC4"/>
+                  </a:solidFill>
+                  <a:effectLst/>
+                  <a:latin typeface="+mj-lt"/>
+                  <a:cs typeface="JetBrains Mono" panose="02000009000000000000" pitchFamily="49" charset="0"/>
+                </a:rPr>
+              </a:br>
+              <a:r>
+                <a:rPr kumimoji="0" lang="zh-TW" altLang="zh-TW" sz="1100" b="0" i="0" u="none" strike="noStrike" cap="none" normalizeH="0" baseline="0">
+                  <a:ln>
+                    <a:noFill/>
+                  </a:ln>
+                  <a:solidFill>
+                    <a:srgbClr val="BCBEC4"/>
+                  </a:solidFill>
+                  <a:effectLst/>
+                  <a:latin typeface="+mj-lt"/>
+                  <a:cs typeface="JetBrains Mono" panose="02000009000000000000" pitchFamily="49" charset="0"/>
+                </a:rPr>
+                <a:t>    }</a:t>
+              </a:r>
+              <a:br>
+                <a:rPr kumimoji="0" lang="zh-TW" altLang="zh-TW" sz="1100" b="0" i="0" u="none" strike="noStrike" cap="none" normalizeH="0" baseline="0">
+                  <a:ln>
+                    <a:noFill/>
+                  </a:ln>
+                  <a:solidFill>
+                    <a:srgbClr val="BCBEC4"/>
+                  </a:solidFill>
+                  <a:effectLst/>
+                  <a:latin typeface="+mj-lt"/>
+                  <a:cs typeface="JetBrains Mono" panose="02000009000000000000" pitchFamily="49" charset="0"/>
+                </a:rPr>
+              </a:br>
+              <a:br>
+                <a:rPr kumimoji="0" lang="zh-TW" altLang="zh-TW" sz="1100" b="0" i="0" u="none" strike="noStrike" cap="none" normalizeH="0" baseline="0">
+                  <a:ln>
+                    <a:noFill/>
+                  </a:ln>
+                  <a:solidFill>
+                    <a:srgbClr val="BCBEC4"/>
+                  </a:solidFill>
+                  <a:effectLst/>
+                  <a:latin typeface="+mj-lt"/>
+                  <a:cs typeface="JetBrains Mono" panose="02000009000000000000" pitchFamily="49" charset="0"/>
+                </a:rPr>
+              </a:br>
+              <a:r>
+                <a:rPr kumimoji="0" lang="zh-TW" altLang="zh-TW" sz="1100" b="0" i="0" u="none" strike="noStrike" cap="none" normalizeH="0" baseline="0">
+                  <a:ln>
+                    <a:noFill/>
+                  </a:ln>
+                  <a:solidFill>
+                    <a:srgbClr val="BCBEC4"/>
+                  </a:solidFill>
+                  <a:effectLst/>
+                  <a:latin typeface="+mj-lt"/>
+                  <a:cs typeface="JetBrains Mono" panose="02000009000000000000" pitchFamily="49" charset="0"/>
+                </a:rPr>
+                <a:t>    </a:t>
+              </a:r>
+              <a:r>
+                <a:rPr kumimoji="0" lang="zh-TW" altLang="zh-TW" sz="1100" b="0" i="0" u="none" strike="noStrike" cap="none" normalizeH="0" baseline="0">
+                  <a:ln>
+                    <a:noFill/>
+                  </a:ln>
+                  <a:solidFill>
+                    <a:srgbClr val="CF8E6D"/>
+                  </a:solidFill>
+                  <a:effectLst/>
+                  <a:latin typeface="+mj-lt"/>
+                  <a:cs typeface="JetBrains Mono" panose="02000009000000000000" pitchFamily="49" charset="0"/>
+                </a:rPr>
+                <a:t>public </a:t>
+              </a:r>
+              <a:r>
+                <a:rPr kumimoji="0" lang="zh-TW" altLang="zh-TW" sz="1100" b="0" i="0" u="none" strike="noStrike" cap="none" normalizeH="0" baseline="0">
+                  <a:ln>
+                    <a:noFill/>
+                  </a:ln>
+                  <a:solidFill>
+                    <a:srgbClr val="BCBEC4"/>
+                  </a:solidFill>
+                  <a:effectLst/>
+                  <a:latin typeface="+mj-lt"/>
+                  <a:cs typeface="JetBrains Mono" panose="02000009000000000000" pitchFamily="49" charset="0"/>
+                </a:rPr>
+                <a:t>Num </a:t>
+              </a:r>
+              <a:r>
+                <a:rPr kumimoji="0" lang="zh-TW" altLang="zh-TW" sz="1100" b="0" i="0" u="none" strike="noStrike" cap="none" normalizeH="0" baseline="0">
+                  <a:ln>
+                    <a:noFill/>
+                  </a:ln>
+                  <a:solidFill>
+                    <a:srgbClr val="56A8F5"/>
+                  </a:solidFill>
+                  <a:effectLst/>
+                  <a:latin typeface="+mj-lt"/>
+                  <a:cs typeface="JetBrains Mono" panose="02000009000000000000" pitchFamily="49" charset="0"/>
+                </a:rPr>
+                <a:t>square</a:t>
+              </a:r>
+              <a:r>
+                <a:rPr kumimoji="0" lang="zh-TW" altLang="zh-TW" sz="1100" b="0" i="0" u="none" strike="noStrike" cap="none" normalizeH="0" baseline="0">
+                  <a:ln>
+                    <a:noFill/>
+                  </a:ln>
+                  <a:solidFill>
+                    <a:srgbClr val="BCBEC4"/>
+                  </a:solidFill>
+                  <a:effectLst/>
+                  <a:latin typeface="+mj-lt"/>
+                  <a:cs typeface="JetBrains Mono" panose="02000009000000000000" pitchFamily="49" charset="0"/>
+                </a:rPr>
+                <a:t>() {</a:t>
+              </a:r>
+              <a:br>
+                <a:rPr kumimoji="0" lang="zh-TW" altLang="zh-TW" sz="1100" b="0" i="0" u="none" strike="noStrike" cap="none" normalizeH="0" baseline="0">
+                  <a:ln>
+                    <a:noFill/>
+                  </a:ln>
+                  <a:solidFill>
+                    <a:srgbClr val="BCBEC4"/>
+                  </a:solidFill>
+                  <a:effectLst/>
+                  <a:latin typeface="+mj-lt"/>
+                  <a:cs typeface="JetBrains Mono" panose="02000009000000000000" pitchFamily="49" charset="0"/>
+                </a:rPr>
+              </a:br>
+              <a:r>
+                <a:rPr kumimoji="0" lang="zh-TW" altLang="zh-TW" sz="1100" b="0" i="0" u="none" strike="noStrike" cap="none" normalizeH="0" baseline="0">
+                  <a:ln>
+                    <a:noFill/>
+                  </a:ln>
+                  <a:solidFill>
+                    <a:srgbClr val="BCBEC4"/>
+                  </a:solidFill>
+                  <a:effectLst/>
+                  <a:latin typeface="+mj-lt"/>
+                  <a:cs typeface="JetBrains Mono" panose="02000009000000000000" pitchFamily="49" charset="0"/>
+                </a:rPr>
+                <a:t>        </a:t>
+              </a:r>
+              <a:r>
+                <a:rPr kumimoji="0" lang="zh-TW" altLang="zh-TW" sz="1100" b="0" i="0" u="none" strike="noStrike" cap="none" normalizeH="0" baseline="0">
+                  <a:ln>
+                    <a:noFill/>
+                  </a:ln>
+                  <a:solidFill>
+                    <a:srgbClr val="CF8E6D"/>
+                  </a:solidFill>
+                  <a:effectLst/>
+                  <a:latin typeface="+mj-lt"/>
+                  <a:cs typeface="JetBrains Mono" panose="02000009000000000000" pitchFamily="49" charset="0"/>
+                </a:rPr>
+                <a:t>return new </a:t>
+              </a:r>
+              <a:r>
+                <a:rPr kumimoji="0" lang="zh-TW" altLang="zh-TW" sz="1100" b="0" i="0" u="none" strike="noStrike" cap="none" normalizeH="0" baseline="0">
+                  <a:ln>
+                    <a:noFill/>
+                  </a:ln>
+                  <a:solidFill>
+                    <a:srgbClr val="BCBEC4"/>
+                  </a:solidFill>
+                  <a:effectLst/>
+                  <a:latin typeface="+mj-lt"/>
+                  <a:cs typeface="JetBrains Mono" panose="02000009000000000000" pitchFamily="49" charset="0"/>
+                </a:rPr>
+                <a:t>Num(</a:t>
+              </a:r>
+              <a:r>
+                <a:rPr kumimoji="0" lang="zh-TW" altLang="zh-TW" sz="1100" b="0" i="0" u="none" strike="noStrike" cap="none" normalizeH="0" baseline="0">
+                  <a:ln>
+                    <a:noFill/>
+                  </a:ln>
+                  <a:solidFill>
+                    <a:srgbClr val="C77DBB"/>
+                  </a:solidFill>
+                  <a:effectLst/>
+                  <a:latin typeface="+mj-lt"/>
+                  <a:cs typeface="JetBrains Mono" panose="02000009000000000000" pitchFamily="49" charset="0"/>
+                </a:rPr>
+                <a:t>number </a:t>
+              </a:r>
+              <a:r>
+                <a:rPr kumimoji="0" lang="zh-TW" altLang="zh-TW" sz="1100" b="0" i="0" u="none" strike="noStrike" cap="none" normalizeH="0" baseline="0">
+                  <a:ln>
+                    <a:noFill/>
+                  </a:ln>
+                  <a:solidFill>
+                    <a:srgbClr val="BCBEC4"/>
+                  </a:solidFill>
+                  <a:effectLst/>
+                  <a:latin typeface="+mj-lt"/>
+                  <a:cs typeface="JetBrains Mono" panose="02000009000000000000" pitchFamily="49" charset="0"/>
+                </a:rPr>
+                <a:t>* </a:t>
+              </a:r>
+              <a:r>
+                <a:rPr kumimoji="0" lang="zh-TW" altLang="zh-TW" sz="1100" b="0" i="0" u="none" strike="noStrike" cap="none" normalizeH="0" baseline="0">
+                  <a:ln>
+                    <a:noFill/>
+                  </a:ln>
+                  <a:solidFill>
+                    <a:srgbClr val="C77DBB"/>
+                  </a:solidFill>
+                  <a:effectLst/>
+                  <a:latin typeface="+mj-lt"/>
+                  <a:cs typeface="JetBrains Mono" panose="02000009000000000000" pitchFamily="49" charset="0"/>
+                </a:rPr>
+                <a:t>number</a:t>
+              </a:r>
+              <a:r>
+                <a:rPr kumimoji="0" lang="zh-TW" altLang="zh-TW" sz="1100" b="0" i="0" u="none" strike="noStrike" cap="none" normalizeH="0" baseline="0">
+                  <a:ln>
+                    <a:noFill/>
+                  </a:ln>
+                  <a:solidFill>
+                    <a:srgbClr val="BCBEC4"/>
+                  </a:solidFill>
+                  <a:effectLst/>
+                  <a:latin typeface="+mj-lt"/>
+                  <a:cs typeface="JetBrains Mono" panose="02000009000000000000" pitchFamily="49" charset="0"/>
+                </a:rPr>
+                <a:t>);</a:t>
+              </a:r>
+              <a:br>
+                <a:rPr kumimoji="0" lang="zh-TW" altLang="zh-TW" sz="1100" b="0" i="0" u="none" strike="noStrike" cap="none" normalizeH="0" baseline="0">
+                  <a:ln>
+                    <a:noFill/>
+                  </a:ln>
+                  <a:solidFill>
+                    <a:srgbClr val="BCBEC4"/>
+                  </a:solidFill>
+                  <a:effectLst/>
+                  <a:latin typeface="+mj-lt"/>
+                  <a:cs typeface="JetBrains Mono" panose="02000009000000000000" pitchFamily="49" charset="0"/>
+                </a:rPr>
+              </a:br>
+              <a:r>
+                <a:rPr kumimoji="0" lang="zh-TW" altLang="zh-TW" sz="1100" b="0" i="0" u="none" strike="noStrike" cap="none" normalizeH="0" baseline="0">
+                  <a:ln>
+                    <a:noFill/>
+                  </a:ln>
+                  <a:solidFill>
+                    <a:srgbClr val="BCBEC4"/>
+                  </a:solidFill>
+                  <a:effectLst/>
+                  <a:latin typeface="+mj-lt"/>
+                  <a:cs typeface="JetBrains Mono" panose="02000009000000000000" pitchFamily="49" charset="0"/>
+                </a:rPr>
+                <a:t>    }</a:t>
+              </a:r>
+              <a:br>
+                <a:rPr kumimoji="0" lang="zh-TW" altLang="zh-TW" sz="1100" b="0" i="0" u="none" strike="noStrike" cap="none" normalizeH="0" baseline="0">
+                  <a:ln>
+                    <a:noFill/>
+                  </a:ln>
+                  <a:solidFill>
+                    <a:srgbClr val="BCBEC4"/>
+                  </a:solidFill>
+                  <a:effectLst/>
+                  <a:latin typeface="+mj-lt"/>
+                  <a:cs typeface="JetBrains Mono" panose="02000009000000000000" pitchFamily="49" charset="0"/>
+                </a:rPr>
+              </a:br>
+              <a:br>
+                <a:rPr kumimoji="0" lang="zh-TW" altLang="zh-TW" sz="1100" b="0" i="0" u="none" strike="noStrike" cap="none" normalizeH="0" baseline="0">
+                  <a:ln>
+                    <a:noFill/>
+                  </a:ln>
+                  <a:solidFill>
+                    <a:srgbClr val="BCBEC4"/>
+                  </a:solidFill>
+                  <a:effectLst/>
+                  <a:latin typeface="+mj-lt"/>
+                  <a:cs typeface="JetBrains Mono" panose="02000009000000000000" pitchFamily="49" charset="0"/>
+                </a:rPr>
+              </a:br>
+              <a:r>
+                <a:rPr kumimoji="0" lang="zh-TW" altLang="zh-TW" sz="1100" b="0" i="0" u="none" strike="noStrike" cap="none" normalizeH="0" baseline="0">
+                  <a:ln>
+                    <a:noFill/>
+                  </a:ln>
+                  <a:solidFill>
+                    <a:srgbClr val="BCBEC4"/>
+                  </a:solidFill>
+                  <a:effectLst/>
+                  <a:latin typeface="+mj-lt"/>
+                  <a:cs typeface="JetBrains Mono" panose="02000009000000000000" pitchFamily="49" charset="0"/>
+                </a:rPr>
+                <a:t>    </a:t>
+              </a:r>
+              <a:r>
+                <a:rPr kumimoji="0" lang="zh-TW" altLang="zh-TW" sz="1100" b="0" i="0" u="none" strike="noStrike" cap="none" normalizeH="0" baseline="0">
+                  <a:ln>
+                    <a:noFill/>
+                  </a:ln>
+                  <a:solidFill>
+                    <a:srgbClr val="CF8E6D"/>
+                  </a:solidFill>
+                  <a:effectLst/>
+                  <a:latin typeface="+mj-lt"/>
+                  <a:cs typeface="JetBrains Mono" panose="02000009000000000000" pitchFamily="49" charset="0"/>
+                </a:rPr>
+                <a:t>public static </a:t>
+              </a:r>
+              <a:r>
+                <a:rPr kumimoji="0" lang="zh-TW" altLang="zh-TW" sz="1100" b="0" i="0" u="none" strike="noStrike" cap="none" normalizeH="0" baseline="0">
+                  <a:ln>
+                    <a:noFill/>
+                  </a:ln>
+                  <a:solidFill>
+                    <a:srgbClr val="BCBEC4"/>
+                  </a:solidFill>
+                  <a:effectLst/>
+                  <a:latin typeface="+mj-lt"/>
+                  <a:cs typeface="JetBrains Mono" panose="02000009000000000000" pitchFamily="49" charset="0"/>
+                </a:rPr>
+                <a:t>Num </a:t>
+              </a:r>
+              <a:r>
+                <a:rPr kumimoji="0" lang="zh-TW" altLang="zh-TW" sz="1100" b="0" i="0" u="none" strike="noStrike" cap="none" normalizeH="0" baseline="0">
+                  <a:ln>
+                    <a:noFill/>
+                  </a:ln>
+                  <a:solidFill>
+                    <a:srgbClr val="56A8F5"/>
+                  </a:solidFill>
+                  <a:effectLst/>
+                  <a:latin typeface="+mj-lt"/>
+                  <a:cs typeface="JetBrains Mono" panose="02000009000000000000" pitchFamily="49" charset="0"/>
+                </a:rPr>
+                <a:t>negative</a:t>
+              </a:r>
+              <a:r>
+                <a:rPr kumimoji="0" lang="zh-TW" altLang="zh-TW" sz="1100" b="0" i="0" u="none" strike="noStrike" cap="none" normalizeH="0" baseline="0">
+                  <a:ln>
+                    <a:noFill/>
+                  </a:ln>
+                  <a:solidFill>
+                    <a:srgbClr val="BCBEC4"/>
+                  </a:solidFill>
+                  <a:effectLst/>
+                  <a:latin typeface="+mj-lt"/>
+                  <a:cs typeface="JetBrains Mono" panose="02000009000000000000" pitchFamily="49" charset="0"/>
+                </a:rPr>
+                <a:t>(Num num) {</a:t>
+              </a:r>
+              <a:br>
+                <a:rPr kumimoji="0" lang="zh-TW" altLang="zh-TW" sz="1100" b="0" i="0" u="none" strike="noStrike" cap="none" normalizeH="0" baseline="0">
+                  <a:ln>
+                    <a:noFill/>
+                  </a:ln>
+                  <a:solidFill>
+                    <a:srgbClr val="BCBEC4"/>
+                  </a:solidFill>
+                  <a:effectLst/>
+                  <a:latin typeface="+mj-lt"/>
+                  <a:cs typeface="JetBrains Mono" panose="02000009000000000000" pitchFamily="49" charset="0"/>
+                </a:rPr>
+              </a:br>
+              <a:r>
+                <a:rPr kumimoji="0" lang="zh-TW" altLang="zh-TW" sz="1100" b="0" i="0" u="none" strike="noStrike" cap="none" normalizeH="0" baseline="0">
+                  <a:ln>
+                    <a:noFill/>
+                  </a:ln>
+                  <a:solidFill>
+                    <a:srgbClr val="BCBEC4"/>
+                  </a:solidFill>
+                  <a:effectLst/>
+                  <a:latin typeface="+mj-lt"/>
+                  <a:cs typeface="JetBrains Mono" panose="02000009000000000000" pitchFamily="49" charset="0"/>
+                </a:rPr>
+                <a:t>        </a:t>
+              </a:r>
+              <a:r>
+                <a:rPr kumimoji="0" lang="zh-TW" altLang="zh-TW" sz="1100" b="0" i="0" u="none" strike="noStrike" cap="none" normalizeH="0" baseline="0">
+                  <a:ln>
+                    <a:noFill/>
+                  </a:ln>
+                  <a:solidFill>
+                    <a:srgbClr val="CF8E6D"/>
+                  </a:solidFill>
+                  <a:effectLst/>
+                  <a:latin typeface="+mj-lt"/>
+                  <a:cs typeface="JetBrains Mono" panose="02000009000000000000" pitchFamily="49" charset="0"/>
+                </a:rPr>
+                <a:t>return new </a:t>
+              </a:r>
+              <a:r>
+                <a:rPr kumimoji="0" lang="zh-TW" altLang="zh-TW" sz="1100" b="0" i="0" u="none" strike="noStrike" cap="none" normalizeH="0" baseline="0">
+                  <a:ln>
+                    <a:noFill/>
+                  </a:ln>
+                  <a:solidFill>
+                    <a:srgbClr val="BCBEC4"/>
+                  </a:solidFill>
+                  <a:effectLst/>
+                  <a:latin typeface="+mj-lt"/>
+                  <a:cs typeface="JetBrains Mono" panose="02000009000000000000" pitchFamily="49" charset="0"/>
+                </a:rPr>
+                <a:t>Num(-num.</a:t>
+              </a:r>
+              <a:r>
+                <a:rPr kumimoji="0" lang="zh-TW" altLang="zh-TW" sz="1100" b="0" i="0" u="none" strike="noStrike" cap="none" normalizeH="0" baseline="0">
+                  <a:ln>
+                    <a:noFill/>
+                  </a:ln>
+                  <a:solidFill>
+                    <a:srgbClr val="C77DBB"/>
+                  </a:solidFill>
+                  <a:effectLst/>
+                  <a:latin typeface="+mj-lt"/>
+                  <a:cs typeface="JetBrains Mono" panose="02000009000000000000" pitchFamily="49" charset="0"/>
+                </a:rPr>
+                <a:t>number</a:t>
+              </a:r>
+              <a:r>
+                <a:rPr kumimoji="0" lang="zh-TW" altLang="zh-TW" sz="1100" b="0" i="0" u="none" strike="noStrike" cap="none" normalizeH="0" baseline="0">
+                  <a:ln>
+                    <a:noFill/>
+                  </a:ln>
+                  <a:solidFill>
+                    <a:srgbClr val="BCBEC4"/>
+                  </a:solidFill>
+                  <a:effectLst/>
+                  <a:latin typeface="+mj-lt"/>
+                  <a:cs typeface="JetBrains Mono" panose="02000009000000000000" pitchFamily="49" charset="0"/>
+                </a:rPr>
+                <a:t>);</a:t>
+              </a:r>
+              <a:br>
+                <a:rPr kumimoji="0" lang="zh-TW" altLang="zh-TW" sz="1100" b="0" i="0" u="none" strike="noStrike" cap="none" normalizeH="0" baseline="0">
+                  <a:ln>
+                    <a:noFill/>
+                  </a:ln>
+                  <a:solidFill>
+                    <a:srgbClr val="BCBEC4"/>
+                  </a:solidFill>
+                  <a:effectLst/>
+                  <a:latin typeface="+mj-lt"/>
+                  <a:cs typeface="JetBrains Mono" panose="02000009000000000000" pitchFamily="49" charset="0"/>
+                </a:rPr>
+              </a:br>
+              <a:r>
+                <a:rPr kumimoji="0" lang="zh-TW" altLang="zh-TW" sz="1100" b="0" i="0" u="none" strike="noStrike" cap="none" normalizeH="0" baseline="0">
+                  <a:ln>
+                    <a:noFill/>
+                  </a:ln>
+                  <a:solidFill>
+                    <a:srgbClr val="BCBEC4"/>
+                  </a:solidFill>
+                  <a:effectLst/>
+                  <a:latin typeface="+mj-lt"/>
+                  <a:cs typeface="JetBrains Mono" panose="02000009000000000000" pitchFamily="49" charset="0"/>
+                </a:rPr>
+                <a:t>    }</a:t>
+              </a:r>
+              <a:br>
+                <a:rPr kumimoji="0" lang="zh-TW" altLang="zh-TW" sz="1100" b="0" i="0" u="none" strike="noStrike" cap="none" normalizeH="0" baseline="0">
+                  <a:ln>
+                    <a:noFill/>
+                  </a:ln>
+                  <a:solidFill>
+                    <a:srgbClr val="BCBEC4"/>
+                  </a:solidFill>
+                  <a:effectLst/>
+                  <a:latin typeface="+mj-lt"/>
+                  <a:cs typeface="JetBrains Mono" panose="02000009000000000000" pitchFamily="49" charset="0"/>
+                </a:rPr>
+              </a:br>
+              <a:br>
+                <a:rPr kumimoji="0" lang="zh-TW" altLang="zh-TW" sz="1100" b="0" i="0" u="none" strike="noStrike" cap="none" normalizeH="0" baseline="0">
+                  <a:ln>
+                    <a:noFill/>
+                  </a:ln>
+                  <a:solidFill>
+                    <a:srgbClr val="BCBEC4"/>
+                  </a:solidFill>
+                  <a:effectLst/>
+                  <a:latin typeface="+mj-lt"/>
+                  <a:cs typeface="JetBrains Mono" panose="02000009000000000000" pitchFamily="49" charset="0"/>
+                </a:rPr>
+              </a:br>
+              <a:r>
+                <a:rPr kumimoji="0" lang="zh-TW" altLang="zh-TW" sz="1100" b="0" i="0" u="none" strike="noStrike" cap="none" normalizeH="0" baseline="0">
+                  <a:ln>
+                    <a:noFill/>
+                  </a:ln>
+                  <a:solidFill>
+                    <a:srgbClr val="BCBEC4"/>
+                  </a:solidFill>
+                  <a:effectLst/>
+                  <a:latin typeface="+mj-lt"/>
+                  <a:cs typeface="JetBrains Mono" panose="02000009000000000000" pitchFamily="49" charset="0"/>
+                </a:rPr>
+                <a:t>    </a:t>
+              </a:r>
+              <a:r>
+                <a:rPr kumimoji="0" lang="zh-TW" altLang="zh-TW" sz="1100" b="0" i="0" u="none" strike="noStrike" cap="none" normalizeH="0" baseline="0">
+                  <a:ln>
+                    <a:noFill/>
+                  </a:ln>
+                  <a:solidFill>
+                    <a:srgbClr val="B3AE60"/>
+                  </a:solidFill>
+                  <a:effectLst/>
+                  <a:latin typeface="+mj-lt"/>
+                  <a:cs typeface="JetBrains Mono" panose="02000009000000000000" pitchFamily="49" charset="0"/>
+                </a:rPr>
+                <a:t>@Override</a:t>
+              </a:r>
+              <a:br>
+                <a:rPr kumimoji="0" lang="zh-TW" altLang="zh-TW" sz="1100" b="0" i="0" u="none" strike="noStrike" cap="none" normalizeH="0" baseline="0">
+                  <a:ln>
+                    <a:noFill/>
+                  </a:ln>
+                  <a:solidFill>
+                    <a:srgbClr val="B3AE60"/>
+                  </a:solidFill>
+                  <a:effectLst/>
+                  <a:latin typeface="+mj-lt"/>
+                  <a:cs typeface="JetBrains Mono" panose="02000009000000000000" pitchFamily="49" charset="0"/>
+                </a:rPr>
+              </a:br>
+              <a:r>
+                <a:rPr kumimoji="0" lang="zh-TW" altLang="zh-TW" sz="1100" b="0" i="0" u="none" strike="noStrike" cap="none" normalizeH="0" baseline="0">
+                  <a:ln>
+                    <a:noFill/>
+                  </a:ln>
+                  <a:solidFill>
+                    <a:srgbClr val="B3AE60"/>
+                  </a:solidFill>
+                  <a:effectLst/>
+                  <a:latin typeface="+mj-lt"/>
+                  <a:cs typeface="JetBrains Mono" panose="02000009000000000000" pitchFamily="49" charset="0"/>
+                </a:rPr>
+                <a:t>    </a:t>
+              </a:r>
+              <a:r>
+                <a:rPr kumimoji="0" lang="zh-TW" altLang="zh-TW" sz="1100" b="0" i="0" u="none" strike="noStrike" cap="none" normalizeH="0" baseline="0">
+                  <a:ln>
+                    <a:noFill/>
+                  </a:ln>
+                  <a:solidFill>
+                    <a:srgbClr val="CF8E6D"/>
+                  </a:solidFill>
+                  <a:effectLst/>
+                  <a:latin typeface="+mj-lt"/>
+                  <a:cs typeface="JetBrains Mono" panose="02000009000000000000" pitchFamily="49" charset="0"/>
+                </a:rPr>
+                <a:t>public </a:t>
+              </a:r>
+              <a:r>
+                <a:rPr kumimoji="0" lang="zh-TW" altLang="zh-TW" sz="1100" b="0" i="0" u="none" strike="noStrike" cap="none" normalizeH="0" baseline="0">
+                  <a:ln>
+                    <a:noFill/>
+                  </a:ln>
+                  <a:solidFill>
+                    <a:srgbClr val="BCBEC4"/>
+                  </a:solidFill>
+                  <a:effectLst/>
+                  <a:latin typeface="+mj-lt"/>
+                  <a:cs typeface="JetBrains Mono" panose="02000009000000000000" pitchFamily="49" charset="0"/>
+                </a:rPr>
+                <a:t>String </a:t>
+              </a:r>
+              <a:r>
+                <a:rPr kumimoji="0" lang="zh-TW" altLang="zh-TW" sz="1100" b="0" i="0" u="none" strike="noStrike" cap="none" normalizeH="0" baseline="0">
+                  <a:ln>
+                    <a:noFill/>
+                  </a:ln>
+                  <a:solidFill>
+                    <a:srgbClr val="56A8F5"/>
+                  </a:solidFill>
+                  <a:effectLst/>
+                  <a:latin typeface="+mj-lt"/>
+                  <a:cs typeface="JetBrains Mono" panose="02000009000000000000" pitchFamily="49" charset="0"/>
+                </a:rPr>
+                <a:t>toString</a:t>
+              </a:r>
+              <a:r>
+                <a:rPr kumimoji="0" lang="zh-TW" altLang="zh-TW" sz="1100" b="0" i="0" u="none" strike="noStrike" cap="none" normalizeH="0" baseline="0">
+                  <a:ln>
+                    <a:noFill/>
+                  </a:ln>
+                  <a:solidFill>
+                    <a:srgbClr val="BCBEC4"/>
+                  </a:solidFill>
+                  <a:effectLst/>
+                  <a:latin typeface="+mj-lt"/>
+                  <a:cs typeface="JetBrains Mono" panose="02000009000000000000" pitchFamily="49" charset="0"/>
+                </a:rPr>
+                <a:t>() {</a:t>
+              </a:r>
+              <a:br>
+                <a:rPr kumimoji="0" lang="zh-TW" altLang="zh-TW" sz="1100" b="0" i="0" u="none" strike="noStrike" cap="none" normalizeH="0" baseline="0">
+                  <a:ln>
+                    <a:noFill/>
+                  </a:ln>
+                  <a:solidFill>
+                    <a:srgbClr val="BCBEC4"/>
+                  </a:solidFill>
+                  <a:effectLst/>
+                  <a:latin typeface="+mj-lt"/>
+                  <a:cs typeface="JetBrains Mono" panose="02000009000000000000" pitchFamily="49" charset="0"/>
+                </a:rPr>
+              </a:br>
+              <a:r>
+                <a:rPr kumimoji="0" lang="zh-TW" altLang="zh-TW" sz="1100" b="0" i="0" u="none" strike="noStrike" cap="none" normalizeH="0" baseline="0">
+                  <a:ln>
+                    <a:noFill/>
+                  </a:ln>
+                  <a:solidFill>
+                    <a:srgbClr val="BCBEC4"/>
+                  </a:solidFill>
+                  <a:effectLst/>
+                  <a:latin typeface="+mj-lt"/>
+                  <a:cs typeface="JetBrains Mono" panose="02000009000000000000" pitchFamily="49" charset="0"/>
+                </a:rPr>
+                <a:t>        </a:t>
+              </a:r>
+              <a:r>
+                <a:rPr kumimoji="0" lang="zh-TW" altLang="zh-TW" sz="1100" b="0" i="0" u="none" strike="noStrike" cap="none" normalizeH="0" baseline="0">
+                  <a:ln>
+                    <a:noFill/>
+                  </a:ln>
+                  <a:solidFill>
+                    <a:srgbClr val="CF8E6D"/>
+                  </a:solidFill>
+                  <a:effectLst/>
+                  <a:latin typeface="+mj-lt"/>
+                  <a:cs typeface="JetBrains Mono" panose="02000009000000000000" pitchFamily="49" charset="0"/>
+                </a:rPr>
+                <a:t>return </a:t>
+              </a:r>
+              <a:r>
+                <a:rPr kumimoji="0" lang="zh-TW" altLang="zh-TW" sz="1100" b="0" i="0" u="none" strike="noStrike" cap="none" normalizeH="0" baseline="0">
+                  <a:ln>
+                    <a:noFill/>
+                  </a:ln>
+                  <a:solidFill>
+                    <a:srgbClr val="BCBEC4"/>
+                  </a:solidFill>
+                  <a:effectLst/>
+                  <a:latin typeface="+mj-lt"/>
+                  <a:cs typeface="JetBrains Mono" panose="02000009000000000000" pitchFamily="49" charset="0"/>
+                </a:rPr>
+                <a:t>String.</a:t>
+              </a:r>
+              <a:r>
+                <a:rPr kumimoji="0" lang="zh-TW" altLang="zh-TW" sz="1100" b="0" i="1" u="none" strike="noStrike" cap="none" normalizeH="0" baseline="0">
+                  <a:ln>
+                    <a:noFill/>
+                  </a:ln>
+                  <a:solidFill>
+                    <a:srgbClr val="BCBEC4"/>
+                  </a:solidFill>
+                  <a:effectLst/>
+                  <a:latin typeface="+mj-lt"/>
+                  <a:cs typeface="JetBrains Mono" panose="02000009000000000000" pitchFamily="49" charset="0"/>
+                </a:rPr>
+                <a:t>valueOf</a:t>
+              </a:r>
+              <a:r>
+                <a:rPr kumimoji="0" lang="zh-TW" altLang="zh-TW" sz="1100" b="0" i="0" u="none" strike="noStrike" cap="none" normalizeH="0" baseline="0">
+                  <a:ln>
+                    <a:noFill/>
+                  </a:ln>
+                  <a:solidFill>
+                    <a:srgbClr val="BCBEC4"/>
+                  </a:solidFill>
+                  <a:effectLst/>
+                  <a:latin typeface="+mj-lt"/>
+                  <a:cs typeface="JetBrains Mono" panose="02000009000000000000" pitchFamily="49" charset="0"/>
+                </a:rPr>
+                <a:t>(</a:t>
+              </a:r>
+              <a:r>
+                <a:rPr kumimoji="0" lang="zh-TW" altLang="zh-TW" sz="1100" b="0" i="0" u="none" strike="noStrike" cap="none" normalizeH="0" baseline="0">
+                  <a:ln>
+                    <a:noFill/>
+                  </a:ln>
+                  <a:solidFill>
+                    <a:srgbClr val="C77DBB"/>
+                  </a:solidFill>
+                  <a:effectLst/>
+                  <a:latin typeface="+mj-lt"/>
+                  <a:cs typeface="JetBrains Mono" panose="02000009000000000000" pitchFamily="49" charset="0"/>
+                </a:rPr>
+                <a:t>number</a:t>
+              </a:r>
+              <a:r>
+                <a:rPr kumimoji="0" lang="zh-TW" altLang="zh-TW" sz="1100" b="0" i="0" u="none" strike="noStrike" cap="none" normalizeH="0" baseline="0">
+                  <a:ln>
+                    <a:noFill/>
+                  </a:ln>
+                  <a:solidFill>
+                    <a:srgbClr val="BCBEC4"/>
+                  </a:solidFill>
+                  <a:effectLst/>
+                  <a:latin typeface="+mj-lt"/>
+                  <a:cs typeface="JetBrains Mono" panose="02000009000000000000" pitchFamily="49" charset="0"/>
+                </a:rPr>
+                <a:t>);</a:t>
+              </a:r>
+              <a:br>
+                <a:rPr kumimoji="0" lang="zh-TW" altLang="zh-TW" sz="1100" b="0" i="0" u="none" strike="noStrike" cap="none" normalizeH="0" baseline="0">
+                  <a:ln>
+                    <a:noFill/>
+                  </a:ln>
+                  <a:solidFill>
+                    <a:srgbClr val="BCBEC4"/>
+                  </a:solidFill>
+                  <a:effectLst/>
+                  <a:latin typeface="+mj-lt"/>
+                  <a:cs typeface="JetBrains Mono" panose="02000009000000000000" pitchFamily="49" charset="0"/>
+                </a:rPr>
+              </a:br>
+              <a:r>
+                <a:rPr kumimoji="0" lang="zh-TW" altLang="zh-TW" sz="1100" b="0" i="0" u="none" strike="noStrike" cap="none" normalizeH="0" baseline="0">
+                  <a:ln>
+                    <a:noFill/>
+                  </a:ln>
+                  <a:solidFill>
+                    <a:srgbClr val="BCBEC4"/>
+                  </a:solidFill>
+                  <a:effectLst/>
+                  <a:latin typeface="+mj-lt"/>
+                  <a:cs typeface="JetBrains Mono" panose="02000009000000000000" pitchFamily="49" charset="0"/>
+                </a:rPr>
+                <a:t>    }</a:t>
+              </a:r>
+              <a:br>
+                <a:rPr kumimoji="0" lang="zh-TW" altLang="zh-TW" sz="1100" b="0" i="0" u="none" strike="noStrike" cap="none" normalizeH="0" baseline="0">
+                  <a:ln>
+                    <a:noFill/>
+                  </a:ln>
+                  <a:solidFill>
+                    <a:srgbClr val="BCBEC4"/>
+                  </a:solidFill>
+                  <a:effectLst/>
+                  <a:latin typeface="+mj-lt"/>
+                  <a:cs typeface="JetBrains Mono" panose="02000009000000000000" pitchFamily="49" charset="0"/>
+                </a:rPr>
+              </a:br>
+              <a:r>
+                <a:rPr kumimoji="0" lang="zh-TW" altLang="zh-TW" sz="1100" b="0" i="0" u="none" strike="noStrike" cap="none" normalizeH="0" baseline="0">
+                  <a:ln>
+                    <a:noFill/>
+                  </a:ln>
+                  <a:solidFill>
+                    <a:srgbClr val="BCBEC4"/>
+                  </a:solidFill>
+                  <a:effectLst/>
+                  <a:latin typeface="+mj-lt"/>
+                  <a:cs typeface="JetBrains Mono" panose="02000009000000000000" pitchFamily="49" charset="0"/>
+                </a:rPr>
+                <a:t>}</a:t>
+              </a:r>
+              <a:endParaRPr kumimoji="0" lang="zh-TW" altLang="zh-TW" sz="1400" b="0" i="0" u="none" strike="noStrike" cap="none" normalizeH="0" baseline="0">
+                <a:ln>
+                  <a:noFill/>
+                </a:ln>
+                <a:solidFill>
+                  <a:schemeClr val="tx1"/>
+                </a:solidFill>
+                <a:effectLst/>
+                <a:latin typeface="+mj-lt"/>
+              </a:endParaRPr>
+            </a:p>
+          </p:txBody>
+        </p:sp>
+        <p:sp>
+          <p:nvSpPr>
+            <p:cNvPr id="6" name="Rectangle 5">
+              <a:extLst>
+                <a:ext uri="{FF2B5EF4-FFF2-40B4-BE49-F238E27FC236}">
+                  <a16:creationId xmlns:a16="http://schemas.microsoft.com/office/drawing/2014/main" id="{43F14E21-07B3-47F0-BFBE-47F358BF89F3}"/>
+                </a:ext>
+              </a:extLst>
+            </p:cNvPr>
+            <p:cNvSpPr>
+              <a:spLocks noChangeArrowheads="1"/>
+            </p:cNvSpPr>
+            <p:nvPr/>
+          </p:nvSpPr>
+          <p:spPr bwMode="auto">
+            <a:xfrm>
+              <a:off x="5254794" y="1079796"/>
+              <a:ext cx="6186309" cy="4324261"/>
+            </a:xfrm>
+            <a:prstGeom prst="rect">
+              <a:avLst/>
+            </a:prstGeom>
+            <a:solidFill>
+              <a:srgbClr val="1E1F22"/>
+            </a:solidFill>
+            <a:ln>
+              <a:noFill/>
+            </a:ln>
+            <a:effectLst/>
+            <a:extLst>
+              <a:ext uri="{91240B29-F687-4F45-9708-019B960494DF}">
+                <a14:hiddenLine xmlns:a14="http://schemas.microsoft.com/office/drawing/2010/main" w="9525">
+                  <a:solidFill>
+                    <a:schemeClr val="tx1"/>
+                  </a:solidFill>
+                  <a:miter lim="800000"/>
+                  <a:headEnd/>
+                  <a:tailEnd/>
+                </a14:hiddenLine>
+              </a:ext>
+              <a:ext uri="{AF507438-7753-43E0-B8FC-AC1667EBCBE1}">
+                <a14:hiddenEffects xmlns:a14="http://schemas.microsoft.com/office/drawing/2010/main">
+                  <a:effectLst>
+                    <a:outerShdw dist="35921" dir="2700000" algn="ctr" rotWithShape="0">
+                      <a:schemeClr val="bg2"/>
+                    </a:outerShdw>
+                  </a:effectLst>
+                </a14:hiddenEffects>
+              </a:ext>
+            </a:extLst>
+          </p:spPr>
+          <p:txBody>
+            <a:bodyPr vert="horz" wrap="none" lIns="91440" tIns="45720" rIns="91440" bIns="45720" numCol="1" anchor="ctr" anchorCtr="0" compatLnSpc="1">
+              <a:prstTxWarp prst="textNoShape">
+                <a:avLst/>
+              </a:prstTxWarp>
+              <a:spAutoFit/>
+            </a:bodyPr>
+            <a:lstStyle/>
+            <a:p>
+              <a:pPr marL="0" marR="0" lvl="0" indent="0" algn="l" defTabSz="914400" rtl="0" eaLnBrk="0" fontAlgn="base" latinLnBrk="0" hangingPunct="0">
+                <a:lnSpc>
+                  <a:spcPct val="100000"/>
+                </a:lnSpc>
+                <a:spcBef>
+                  <a:spcPct val="0"/>
+                </a:spcBef>
+                <a:spcAft>
+                  <a:spcPct val="0"/>
+                </a:spcAft>
+                <a:buClrTx/>
+                <a:buSzTx/>
+                <a:buFontTx/>
+                <a:buNone/>
+                <a:tabLst/>
+              </a:pPr>
+              <a:r>
+                <a:rPr kumimoji="0" lang="zh-TW" altLang="zh-TW" sz="1100" b="0" i="0" u="none" strike="noStrike" cap="none" normalizeH="0" baseline="0">
+                  <a:ln>
+                    <a:noFill/>
+                  </a:ln>
+                  <a:solidFill>
+                    <a:srgbClr val="CF8E6D"/>
+                  </a:solidFill>
+                  <a:effectLst/>
+                  <a:latin typeface="+mj-lt"/>
+                  <a:cs typeface="JetBrains Mono" panose="02000009000000000000" pitchFamily="49" charset="0"/>
+                </a:rPr>
+                <a:t>abstract class </a:t>
+              </a:r>
+              <a:r>
+                <a:rPr kumimoji="0" lang="zh-TW" altLang="zh-TW" sz="1100" b="0" i="0" u="none" strike="noStrike" cap="none" normalizeH="0" baseline="0">
+                  <a:ln>
+                    <a:noFill/>
+                  </a:ln>
+                  <a:solidFill>
+                    <a:srgbClr val="BCBEC4"/>
+                  </a:solidFill>
+                  <a:effectLst/>
+                  <a:latin typeface="+mj-lt"/>
+                  <a:cs typeface="JetBrains Mono" panose="02000009000000000000" pitchFamily="49" charset="0"/>
+                </a:rPr>
+                <a:t>ArrayHelper {</a:t>
+              </a:r>
+              <a:br>
+                <a:rPr kumimoji="0" lang="zh-TW" altLang="zh-TW" sz="1100" b="0" i="0" u="none" strike="noStrike" cap="none" normalizeH="0" baseline="0">
+                  <a:ln>
+                    <a:noFill/>
+                  </a:ln>
+                  <a:solidFill>
+                    <a:srgbClr val="BCBEC4"/>
+                  </a:solidFill>
+                  <a:effectLst/>
+                  <a:latin typeface="+mj-lt"/>
+                  <a:cs typeface="JetBrains Mono" panose="02000009000000000000" pitchFamily="49" charset="0"/>
+                </a:rPr>
+              </a:br>
+              <a:r>
+                <a:rPr kumimoji="0" lang="zh-TW" altLang="zh-TW" sz="1100" b="0" i="0" u="none" strike="noStrike" cap="none" normalizeH="0" baseline="0">
+                  <a:ln>
+                    <a:noFill/>
+                  </a:ln>
+                  <a:solidFill>
+                    <a:srgbClr val="BCBEC4"/>
+                  </a:solidFill>
+                  <a:effectLst/>
+                  <a:latin typeface="+mj-lt"/>
+                  <a:cs typeface="JetBrains Mono" panose="02000009000000000000" pitchFamily="49" charset="0"/>
+                </a:rPr>
+                <a:t>    </a:t>
+              </a:r>
+              <a:r>
+                <a:rPr kumimoji="0" lang="zh-TW" altLang="zh-TW" sz="1100" b="0" i="0" u="none" strike="noStrike" cap="none" normalizeH="0" baseline="0">
+                  <a:ln>
+                    <a:noFill/>
+                  </a:ln>
+                  <a:solidFill>
+                    <a:srgbClr val="B3AE60"/>
+                  </a:solidFill>
+                  <a:effectLst/>
+                  <a:latin typeface="+mj-lt"/>
+                  <a:cs typeface="JetBrains Mono" panose="02000009000000000000" pitchFamily="49" charset="0"/>
+                </a:rPr>
+                <a:t>@FunctionalInterface</a:t>
+              </a:r>
+              <a:br>
+                <a:rPr kumimoji="0" lang="zh-TW" altLang="zh-TW" sz="1100" b="0" i="0" u="none" strike="noStrike" cap="none" normalizeH="0" baseline="0">
+                  <a:ln>
+                    <a:noFill/>
+                  </a:ln>
+                  <a:solidFill>
+                    <a:srgbClr val="B3AE60"/>
+                  </a:solidFill>
+                  <a:effectLst/>
+                  <a:latin typeface="+mj-lt"/>
+                  <a:cs typeface="JetBrains Mono" panose="02000009000000000000" pitchFamily="49" charset="0"/>
+                </a:rPr>
+              </a:br>
+              <a:r>
+                <a:rPr kumimoji="0" lang="zh-TW" altLang="zh-TW" sz="1100" b="0" i="0" u="none" strike="noStrike" cap="none" normalizeH="0" baseline="0">
+                  <a:ln>
+                    <a:noFill/>
+                  </a:ln>
+                  <a:solidFill>
+                    <a:srgbClr val="B3AE60"/>
+                  </a:solidFill>
+                  <a:effectLst/>
+                  <a:latin typeface="+mj-lt"/>
+                  <a:cs typeface="JetBrains Mono" panose="02000009000000000000" pitchFamily="49" charset="0"/>
+                </a:rPr>
+                <a:t>    </a:t>
+              </a:r>
+              <a:r>
+                <a:rPr kumimoji="0" lang="zh-TW" altLang="zh-TW" sz="1100" b="0" i="0" u="none" strike="noStrike" cap="none" normalizeH="0" baseline="0">
+                  <a:ln>
+                    <a:noFill/>
+                  </a:ln>
+                  <a:solidFill>
+                    <a:srgbClr val="CF8E6D"/>
+                  </a:solidFill>
+                  <a:effectLst/>
+                  <a:latin typeface="+mj-lt"/>
+                  <a:cs typeface="JetBrains Mono" panose="02000009000000000000" pitchFamily="49" charset="0"/>
+                </a:rPr>
+                <a:t>public interface </a:t>
+              </a:r>
+              <a:r>
+                <a:rPr lang="en-US" altLang="zh-TW" sz="1100">
+                  <a:solidFill>
+                    <a:srgbClr val="BCBEC4"/>
+                  </a:solidFill>
+                  <a:latin typeface="+mj-lt"/>
+                  <a:cs typeface="JetBrains Mono" panose="02000009000000000000" pitchFamily="49" charset="0"/>
+                </a:rPr>
+                <a:t>I</a:t>
+              </a:r>
+              <a:r>
+                <a:rPr kumimoji="0" lang="zh-TW" altLang="zh-TW" sz="1100" b="0" i="0" u="none" strike="noStrike" cap="none" normalizeH="0" baseline="0">
+                  <a:ln>
+                    <a:noFill/>
+                  </a:ln>
+                  <a:solidFill>
+                    <a:srgbClr val="BCBEC4"/>
+                  </a:solidFill>
+                  <a:effectLst/>
+                  <a:latin typeface="+mj-lt"/>
+                  <a:cs typeface="JetBrains Mono" panose="02000009000000000000" pitchFamily="49" charset="0"/>
+                </a:rPr>
+                <a:t>ntMapper {</a:t>
+              </a:r>
+              <a:br>
+                <a:rPr kumimoji="0" lang="zh-TW" altLang="zh-TW" sz="1100" b="0" i="0" u="none" strike="noStrike" cap="none" normalizeH="0" baseline="0">
+                  <a:ln>
+                    <a:noFill/>
+                  </a:ln>
+                  <a:solidFill>
+                    <a:srgbClr val="BCBEC4"/>
+                  </a:solidFill>
+                  <a:effectLst/>
+                  <a:latin typeface="+mj-lt"/>
+                  <a:cs typeface="JetBrains Mono" panose="02000009000000000000" pitchFamily="49" charset="0"/>
+                </a:rPr>
+              </a:br>
+              <a:r>
+                <a:rPr kumimoji="0" lang="zh-TW" altLang="zh-TW" sz="1100" b="0" i="0" u="none" strike="noStrike" cap="none" normalizeH="0" baseline="0">
+                  <a:ln>
+                    <a:noFill/>
+                  </a:ln>
+                  <a:solidFill>
+                    <a:srgbClr val="BCBEC4"/>
+                  </a:solidFill>
+                  <a:effectLst/>
+                  <a:latin typeface="+mj-lt"/>
+                  <a:cs typeface="JetBrains Mono" panose="02000009000000000000" pitchFamily="49" charset="0"/>
+                </a:rPr>
+                <a:t>        Object </a:t>
+              </a:r>
+              <a:r>
+                <a:rPr kumimoji="0" lang="zh-TW" altLang="zh-TW" sz="1100" b="0" i="0" u="none" strike="noStrike" cap="none" normalizeH="0" baseline="0">
+                  <a:ln>
+                    <a:noFill/>
+                  </a:ln>
+                  <a:solidFill>
+                    <a:srgbClr val="56A8F5"/>
+                  </a:solidFill>
+                  <a:effectLst/>
+                  <a:latin typeface="+mj-lt"/>
+                  <a:cs typeface="JetBrains Mono" panose="02000009000000000000" pitchFamily="49" charset="0"/>
+                </a:rPr>
+                <a:t>map</a:t>
+              </a:r>
+              <a:r>
+                <a:rPr kumimoji="0" lang="zh-TW" altLang="zh-TW" sz="1100" b="0" i="0" u="none" strike="noStrike" cap="none" normalizeH="0" baseline="0">
+                  <a:ln>
+                    <a:noFill/>
+                  </a:ln>
+                  <a:solidFill>
+                    <a:srgbClr val="BCBEC4"/>
+                  </a:solidFill>
+                  <a:effectLst/>
+                  <a:latin typeface="+mj-lt"/>
+                  <a:cs typeface="JetBrains Mono" panose="02000009000000000000" pitchFamily="49" charset="0"/>
+                </a:rPr>
+                <a:t>(</a:t>
+              </a:r>
+              <a:r>
+                <a:rPr kumimoji="0" lang="zh-TW" altLang="zh-TW" sz="1100" b="0" i="0" u="none" strike="noStrike" cap="none" normalizeH="0" baseline="0">
+                  <a:ln>
+                    <a:noFill/>
+                  </a:ln>
+                  <a:solidFill>
+                    <a:srgbClr val="CF8E6D"/>
+                  </a:solidFill>
+                  <a:effectLst/>
+                  <a:latin typeface="+mj-lt"/>
+                  <a:cs typeface="JetBrains Mono" panose="02000009000000000000" pitchFamily="49" charset="0"/>
+                </a:rPr>
+                <a:t>int </a:t>
+              </a:r>
+              <a:r>
+                <a:rPr kumimoji="0" lang="zh-TW" altLang="zh-TW" sz="1100" b="0" i="0" u="none" strike="noStrike" cap="none" normalizeH="0" baseline="0">
+                  <a:ln>
+                    <a:noFill/>
+                  </a:ln>
+                  <a:solidFill>
+                    <a:srgbClr val="BCBEC4"/>
+                  </a:solidFill>
+                  <a:effectLst/>
+                  <a:latin typeface="+mj-lt"/>
+                  <a:cs typeface="JetBrains Mono" panose="02000009000000000000" pitchFamily="49" charset="0"/>
+                </a:rPr>
+                <a:t>value);</a:t>
+              </a:r>
+              <a:br>
+                <a:rPr kumimoji="0" lang="zh-TW" altLang="zh-TW" sz="1100" b="0" i="0" u="none" strike="noStrike" cap="none" normalizeH="0" baseline="0">
+                  <a:ln>
+                    <a:noFill/>
+                  </a:ln>
+                  <a:solidFill>
+                    <a:srgbClr val="BCBEC4"/>
+                  </a:solidFill>
+                  <a:effectLst/>
+                  <a:latin typeface="+mj-lt"/>
+                  <a:cs typeface="JetBrains Mono" panose="02000009000000000000" pitchFamily="49" charset="0"/>
+                </a:rPr>
+              </a:br>
+              <a:r>
+                <a:rPr kumimoji="0" lang="zh-TW" altLang="zh-TW" sz="1100" b="0" i="0" u="none" strike="noStrike" cap="none" normalizeH="0" baseline="0">
+                  <a:ln>
+                    <a:noFill/>
+                  </a:ln>
+                  <a:solidFill>
+                    <a:srgbClr val="BCBEC4"/>
+                  </a:solidFill>
+                  <a:effectLst/>
+                  <a:latin typeface="+mj-lt"/>
+                  <a:cs typeface="JetBrains Mono" panose="02000009000000000000" pitchFamily="49" charset="0"/>
+                </a:rPr>
+                <a:t>    }</a:t>
+              </a:r>
+              <a:br>
+                <a:rPr kumimoji="0" lang="zh-TW" altLang="zh-TW" sz="1100" b="0" i="0" u="none" strike="noStrike" cap="none" normalizeH="0" baseline="0">
+                  <a:ln>
+                    <a:noFill/>
+                  </a:ln>
+                  <a:solidFill>
+                    <a:srgbClr val="BCBEC4"/>
+                  </a:solidFill>
+                  <a:effectLst/>
+                  <a:latin typeface="+mj-lt"/>
+                  <a:cs typeface="JetBrains Mono" panose="02000009000000000000" pitchFamily="49" charset="0"/>
+                </a:rPr>
+              </a:br>
+              <a:br>
+                <a:rPr kumimoji="0" lang="zh-TW" altLang="zh-TW" sz="1100" b="0" i="0" u="none" strike="noStrike" cap="none" normalizeH="0" baseline="0">
+                  <a:ln>
+                    <a:noFill/>
+                  </a:ln>
+                  <a:solidFill>
+                    <a:srgbClr val="BCBEC4"/>
+                  </a:solidFill>
+                  <a:effectLst/>
+                  <a:latin typeface="+mj-lt"/>
+                  <a:cs typeface="JetBrains Mono" panose="02000009000000000000" pitchFamily="49" charset="0"/>
+                </a:rPr>
+              </a:br>
+              <a:r>
+                <a:rPr kumimoji="0" lang="zh-TW" altLang="zh-TW" sz="1100" b="0" i="0" u="none" strike="noStrike" cap="none" normalizeH="0" baseline="0">
+                  <a:ln>
+                    <a:noFill/>
+                  </a:ln>
+                  <a:solidFill>
+                    <a:srgbClr val="BCBEC4"/>
+                  </a:solidFill>
+                  <a:effectLst/>
+                  <a:latin typeface="+mj-lt"/>
+                  <a:cs typeface="JetBrains Mono" panose="02000009000000000000" pitchFamily="49" charset="0"/>
+                </a:rPr>
+                <a:t>    </a:t>
+              </a:r>
+              <a:r>
+                <a:rPr kumimoji="0" lang="zh-TW" altLang="zh-TW" sz="1100" b="0" i="0" u="none" strike="noStrike" cap="none" normalizeH="0" baseline="0">
+                  <a:ln>
+                    <a:noFill/>
+                  </a:ln>
+                  <a:solidFill>
+                    <a:srgbClr val="B3AE60"/>
+                  </a:solidFill>
+                  <a:effectLst/>
+                  <a:latin typeface="+mj-lt"/>
+                  <a:cs typeface="JetBrains Mono" panose="02000009000000000000" pitchFamily="49" charset="0"/>
+                </a:rPr>
+                <a:t>@FunctionalInterface</a:t>
+              </a:r>
+              <a:br>
+                <a:rPr kumimoji="0" lang="zh-TW" altLang="zh-TW" sz="1100" b="0" i="0" u="none" strike="noStrike" cap="none" normalizeH="0" baseline="0">
+                  <a:ln>
+                    <a:noFill/>
+                  </a:ln>
+                  <a:solidFill>
+                    <a:srgbClr val="B3AE60"/>
+                  </a:solidFill>
+                  <a:effectLst/>
+                  <a:latin typeface="+mj-lt"/>
+                  <a:cs typeface="JetBrains Mono" panose="02000009000000000000" pitchFamily="49" charset="0"/>
+                </a:rPr>
+              </a:br>
+              <a:r>
+                <a:rPr kumimoji="0" lang="zh-TW" altLang="zh-TW" sz="1100" b="0" i="0" u="none" strike="noStrike" cap="none" normalizeH="0" baseline="0">
+                  <a:ln>
+                    <a:noFill/>
+                  </a:ln>
+                  <a:solidFill>
+                    <a:srgbClr val="B3AE60"/>
+                  </a:solidFill>
+                  <a:effectLst/>
+                  <a:latin typeface="+mj-lt"/>
+                  <a:cs typeface="JetBrains Mono" panose="02000009000000000000" pitchFamily="49" charset="0"/>
+                </a:rPr>
+                <a:t>    </a:t>
+              </a:r>
+              <a:r>
+                <a:rPr kumimoji="0" lang="zh-TW" altLang="zh-TW" sz="1100" b="0" i="0" u="none" strike="noStrike" cap="none" normalizeH="0" baseline="0">
+                  <a:ln>
+                    <a:noFill/>
+                  </a:ln>
+                  <a:solidFill>
+                    <a:srgbClr val="CF8E6D"/>
+                  </a:solidFill>
+                  <a:effectLst/>
+                  <a:latin typeface="+mj-lt"/>
+                  <a:cs typeface="JetBrains Mono" panose="02000009000000000000" pitchFamily="49" charset="0"/>
+                </a:rPr>
+                <a:t>public interface </a:t>
+              </a:r>
+              <a:r>
+                <a:rPr lang="en-US" altLang="zh-TW" sz="1100">
+                  <a:solidFill>
+                    <a:srgbClr val="BCBEC4"/>
+                  </a:solidFill>
+                  <a:latin typeface="+mj-lt"/>
+                  <a:cs typeface="JetBrains Mono" panose="02000009000000000000" pitchFamily="49" charset="0"/>
+                </a:rPr>
+                <a:t>S</a:t>
+              </a:r>
+              <a:r>
+                <a:rPr kumimoji="0" lang="zh-TW" altLang="zh-TW" sz="1100" b="0" i="0" u="none" strike="noStrike" cap="none" normalizeH="0" baseline="0">
+                  <a:ln>
+                    <a:noFill/>
+                  </a:ln>
+                  <a:solidFill>
+                    <a:srgbClr val="BCBEC4"/>
+                  </a:solidFill>
+                  <a:effectLst/>
+                  <a:latin typeface="+mj-lt"/>
+                  <a:cs typeface="JetBrains Mono" panose="02000009000000000000" pitchFamily="49" charset="0"/>
+                </a:rPr>
+                <a:t>tudentMapper {</a:t>
+              </a:r>
+              <a:br>
+                <a:rPr kumimoji="0" lang="zh-TW" altLang="zh-TW" sz="1100" b="0" i="0" u="none" strike="noStrike" cap="none" normalizeH="0" baseline="0">
+                  <a:ln>
+                    <a:noFill/>
+                  </a:ln>
+                  <a:solidFill>
+                    <a:srgbClr val="BCBEC4"/>
+                  </a:solidFill>
+                  <a:effectLst/>
+                  <a:latin typeface="+mj-lt"/>
+                  <a:cs typeface="JetBrains Mono" panose="02000009000000000000" pitchFamily="49" charset="0"/>
+                </a:rPr>
+              </a:br>
+              <a:r>
+                <a:rPr kumimoji="0" lang="zh-TW" altLang="zh-TW" sz="1100" b="0" i="0" u="none" strike="noStrike" cap="none" normalizeH="0" baseline="0">
+                  <a:ln>
+                    <a:noFill/>
+                  </a:ln>
+                  <a:solidFill>
+                    <a:srgbClr val="BCBEC4"/>
+                  </a:solidFill>
+                  <a:effectLst/>
+                  <a:latin typeface="+mj-lt"/>
+                  <a:cs typeface="JetBrains Mono" panose="02000009000000000000" pitchFamily="49" charset="0"/>
+                </a:rPr>
+                <a:t>        Object </a:t>
+              </a:r>
+              <a:r>
+                <a:rPr kumimoji="0" lang="zh-TW" altLang="zh-TW" sz="1100" b="0" i="0" u="none" strike="noStrike" cap="none" normalizeH="0" baseline="0">
+                  <a:ln>
+                    <a:noFill/>
+                  </a:ln>
+                  <a:solidFill>
+                    <a:srgbClr val="56A8F5"/>
+                  </a:solidFill>
+                  <a:effectLst/>
+                  <a:latin typeface="+mj-lt"/>
+                  <a:cs typeface="JetBrains Mono" panose="02000009000000000000" pitchFamily="49" charset="0"/>
+                </a:rPr>
+                <a:t>map</a:t>
+              </a:r>
+              <a:r>
+                <a:rPr kumimoji="0" lang="zh-TW" altLang="zh-TW" sz="1100" b="0" i="0" u="none" strike="noStrike" cap="none" normalizeH="0" baseline="0">
+                  <a:ln>
+                    <a:noFill/>
+                  </a:ln>
+                  <a:solidFill>
+                    <a:srgbClr val="BCBEC4"/>
+                  </a:solidFill>
+                  <a:effectLst/>
+                  <a:latin typeface="+mj-lt"/>
+                  <a:cs typeface="JetBrains Mono" panose="02000009000000000000" pitchFamily="49" charset="0"/>
+                </a:rPr>
+                <a:t>(Num value);</a:t>
+              </a:r>
+              <a:br>
+                <a:rPr kumimoji="0" lang="zh-TW" altLang="zh-TW" sz="1100" b="0" i="0" u="none" strike="noStrike" cap="none" normalizeH="0" baseline="0">
+                  <a:ln>
+                    <a:noFill/>
+                  </a:ln>
+                  <a:solidFill>
+                    <a:srgbClr val="BCBEC4"/>
+                  </a:solidFill>
+                  <a:effectLst/>
+                  <a:latin typeface="+mj-lt"/>
+                  <a:cs typeface="JetBrains Mono" panose="02000009000000000000" pitchFamily="49" charset="0"/>
+                </a:rPr>
+              </a:br>
+              <a:r>
+                <a:rPr kumimoji="0" lang="zh-TW" altLang="zh-TW" sz="1100" b="0" i="0" u="none" strike="noStrike" cap="none" normalizeH="0" baseline="0">
+                  <a:ln>
+                    <a:noFill/>
+                  </a:ln>
+                  <a:solidFill>
+                    <a:srgbClr val="BCBEC4"/>
+                  </a:solidFill>
+                  <a:effectLst/>
+                  <a:latin typeface="+mj-lt"/>
+                  <a:cs typeface="JetBrains Mono" panose="02000009000000000000" pitchFamily="49" charset="0"/>
+                </a:rPr>
+                <a:t>    }</a:t>
+              </a:r>
+              <a:br>
+                <a:rPr kumimoji="0" lang="zh-TW" altLang="zh-TW" sz="1100" b="0" i="0" u="none" strike="noStrike" cap="none" normalizeH="0" baseline="0">
+                  <a:ln>
+                    <a:noFill/>
+                  </a:ln>
+                  <a:solidFill>
+                    <a:srgbClr val="BCBEC4"/>
+                  </a:solidFill>
+                  <a:effectLst/>
+                  <a:latin typeface="+mj-lt"/>
+                  <a:cs typeface="JetBrains Mono" panose="02000009000000000000" pitchFamily="49" charset="0"/>
+                </a:rPr>
+              </a:br>
+              <a:br>
+                <a:rPr kumimoji="0" lang="zh-TW" altLang="zh-TW" sz="1100" b="0" i="0" u="none" strike="noStrike" cap="none" normalizeH="0" baseline="0">
+                  <a:ln>
+                    <a:noFill/>
+                  </a:ln>
+                  <a:solidFill>
+                    <a:srgbClr val="BCBEC4"/>
+                  </a:solidFill>
+                  <a:effectLst/>
+                  <a:latin typeface="+mj-lt"/>
+                  <a:cs typeface="JetBrains Mono" panose="02000009000000000000" pitchFamily="49" charset="0"/>
+                </a:rPr>
+              </a:br>
+              <a:r>
+                <a:rPr kumimoji="0" lang="zh-TW" altLang="zh-TW" sz="1100" b="0" i="0" u="none" strike="noStrike" cap="none" normalizeH="0" baseline="0">
+                  <a:ln>
+                    <a:noFill/>
+                  </a:ln>
+                  <a:solidFill>
+                    <a:srgbClr val="BCBEC4"/>
+                  </a:solidFill>
+                  <a:effectLst/>
+                  <a:latin typeface="+mj-lt"/>
+                  <a:cs typeface="JetBrains Mono" panose="02000009000000000000" pitchFamily="49" charset="0"/>
+                </a:rPr>
+                <a:t>    </a:t>
+              </a:r>
+              <a:r>
+                <a:rPr kumimoji="0" lang="zh-TW" altLang="zh-TW" sz="1100" b="0" i="0" u="none" strike="noStrike" cap="none" normalizeH="0" baseline="0">
+                  <a:ln>
+                    <a:noFill/>
+                  </a:ln>
+                  <a:solidFill>
+                    <a:srgbClr val="CF8E6D"/>
+                  </a:solidFill>
+                  <a:effectLst/>
+                  <a:latin typeface="+mj-lt"/>
+                  <a:cs typeface="JetBrains Mono" panose="02000009000000000000" pitchFamily="49" charset="0"/>
+                </a:rPr>
+                <a:t>public static void </a:t>
+              </a:r>
+              <a:r>
+                <a:rPr kumimoji="0" lang="zh-TW" altLang="zh-TW" sz="1100" b="0" i="0" u="none" strike="noStrike" cap="none" normalizeH="0" baseline="0">
+                  <a:ln>
+                    <a:noFill/>
+                  </a:ln>
+                  <a:solidFill>
+                    <a:srgbClr val="56A8F5"/>
+                  </a:solidFill>
+                  <a:effectLst/>
+                  <a:latin typeface="+mj-lt"/>
+                  <a:cs typeface="JetBrains Mono" panose="02000009000000000000" pitchFamily="49" charset="0"/>
+                </a:rPr>
+                <a:t>map</a:t>
+              </a:r>
+              <a:r>
+                <a:rPr kumimoji="0" lang="zh-TW" altLang="zh-TW" sz="1100" b="0" i="0" u="none" strike="noStrike" cap="none" normalizeH="0" baseline="0">
+                  <a:ln>
+                    <a:noFill/>
+                  </a:ln>
+                  <a:solidFill>
+                    <a:srgbClr val="BCBEC4"/>
+                  </a:solidFill>
+                  <a:effectLst/>
+                  <a:latin typeface="+mj-lt"/>
+                  <a:cs typeface="JetBrains Mono" panose="02000009000000000000" pitchFamily="49" charset="0"/>
+                </a:rPr>
+                <a:t>(</a:t>
+              </a:r>
+              <a:r>
+                <a:rPr kumimoji="0" lang="zh-TW" altLang="zh-TW" sz="1100" b="0" i="0" u="none" strike="noStrike" cap="none" normalizeH="0" baseline="0">
+                  <a:ln>
+                    <a:noFill/>
+                  </a:ln>
+                  <a:solidFill>
+                    <a:srgbClr val="CF8E6D"/>
+                  </a:solidFill>
+                  <a:effectLst/>
+                  <a:latin typeface="+mj-lt"/>
+                  <a:cs typeface="JetBrains Mono" panose="02000009000000000000" pitchFamily="49" charset="0"/>
+                </a:rPr>
+                <a:t>int</a:t>
+              </a:r>
+              <a:r>
+                <a:rPr kumimoji="0" lang="zh-TW" altLang="zh-TW" sz="1100" b="0" i="0" u="none" strike="noStrike" cap="none" normalizeH="0" baseline="0">
+                  <a:ln>
+                    <a:noFill/>
+                  </a:ln>
+                  <a:solidFill>
+                    <a:srgbClr val="BCBEC4"/>
+                  </a:solidFill>
+                  <a:effectLst/>
+                  <a:latin typeface="+mj-lt"/>
+                  <a:cs typeface="JetBrains Mono" panose="02000009000000000000" pitchFamily="49" charset="0"/>
+                </a:rPr>
+                <a:t>[] srcArray,</a:t>
+              </a:r>
+              <a:br>
+                <a:rPr kumimoji="0" lang="zh-TW" altLang="zh-TW" sz="1100" b="0" i="0" u="none" strike="noStrike" cap="none" normalizeH="0" baseline="0">
+                  <a:ln>
+                    <a:noFill/>
+                  </a:ln>
+                  <a:solidFill>
+                    <a:srgbClr val="BCBEC4"/>
+                  </a:solidFill>
+                  <a:effectLst/>
+                  <a:latin typeface="+mj-lt"/>
+                  <a:cs typeface="JetBrains Mono" panose="02000009000000000000" pitchFamily="49" charset="0"/>
+                </a:rPr>
+              </a:br>
+              <a:r>
+                <a:rPr kumimoji="0" lang="zh-TW" altLang="zh-TW" sz="1100" b="0" i="0" u="none" strike="noStrike" cap="none" normalizeH="0" baseline="0">
+                  <a:ln>
+                    <a:noFill/>
+                  </a:ln>
+                  <a:solidFill>
+                    <a:srgbClr val="BCBEC4"/>
+                  </a:solidFill>
+                  <a:effectLst/>
+                  <a:latin typeface="+mj-lt"/>
+                  <a:cs typeface="JetBrains Mono" panose="02000009000000000000" pitchFamily="49" charset="0"/>
+                </a:rPr>
+                <a:t>                           </a:t>
+              </a:r>
+              <a:r>
+                <a:rPr kumimoji="0" lang="en-US" altLang="zh-TW" sz="1100" b="0" i="0" u="none" strike="noStrike" cap="none" normalizeH="0" baseline="0">
+                  <a:ln>
+                    <a:noFill/>
+                  </a:ln>
+                  <a:solidFill>
+                    <a:srgbClr val="BCBEC4"/>
+                  </a:solidFill>
+                  <a:effectLst/>
+                  <a:latin typeface="+mj-lt"/>
+                  <a:cs typeface="JetBrains Mono" panose="02000009000000000000" pitchFamily="49" charset="0"/>
+                </a:rPr>
+                <a:t>I</a:t>
+              </a:r>
+              <a:r>
+                <a:rPr kumimoji="0" lang="zh-TW" altLang="zh-TW" sz="1100" b="0" i="0" u="none" strike="noStrike" cap="none" normalizeH="0" baseline="0">
+                  <a:ln>
+                    <a:noFill/>
+                  </a:ln>
+                  <a:solidFill>
+                    <a:srgbClr val="BCBEC4"/>
+                  </a:solidFill>
+                  <a:effectLst/>
+                  <a:latin typeface="+mj-lt"/>
+                  <a:cs typeface="JetBrains Mono" panose="02000009000000000000" pitchFamily="49" charset="0"/>
+                </a:rPr>
+                <a:t>ntMapper mapFunction, Object[] dstArray) {</a:t>
+              </a:r>
+              <a:br>
+                <a:rPr kumimoji="0" lang="zh-TW" altLang="zh-TW" sz="1100" b="0" i="0" u="none" strike="noStrike" cap="none" normalizeH="0" baseline="0">
+                  <a:ln>
+                    <a:noFill/>
+                  </a:ln>
+                  <a:solidFill>
+                    <a:srgbClr val="BCBEC4"/>
+                  </a:solidFill>
+                  <a:effectLst/>
+                  <a:latin typeface="+mj-lt"/>
+                  <a:cs typeface="JetBrains Mono" panose="02000009000000000000" pitchFamily="49" charset="0"/>
+                </a:rPr>
+              </a:br>
+              <a:r>
+                <a:rPr kumimoji="0" lang="zh-TW" altLang="zh-TW" sz="1100" b="0" i="0" u="none" strike="noStrike" cap="none" normalizeH="0" baseline="0">
+                  <a:ln>
+                    <a:noFill/>
+                  </a:ln>
+                  <a:solidFill>
+                    <a:srgbClr val="BCBEC4"/>
+                  </a:solidFill>
+                  <a:effectLst/>
+                  <a:latin typeface="+mj-lt"/>
+                  <a:cs typeface="JetBrains Mono" panose="02000009000000000000" pitchFamily="49" charset="0"/>
+                </a:rPr>
+                <a:t>        </a:t>
+              </a:r>
+              <a:r>
+                <a:rPr kumimoji="0" lang="zh-TW" altLang="zh-TW" sz="1100" b="0" i="0" u="none" strike="noStrike" cap="none" normalizeH="0" baseline="0">
+                  <a:ln>
+                    <a:noFill/>
+                  </a:ln>
+                  <a:solidFill>
+                    <a:srgbClr val="CF8E6D"/>
+                  </a:solidFill>
+                  <a:effectLst/>
+                  <a:latin typeface="+mj-lt"/>
+                  <a:cs typeface="JetBrains Mono" panose="02000009000000000000" pitchFamily="49" charset="0"/>
+                </a:rPr>
+                <a:t>for </a:t>
+              </a:r>
+              <a:r>
+                <a:rPr kumimoji="0" lang="zh-TW" altLang="zh-TW" sz="1100" b="0" i="0" u="none" strike="noStrike" cap="none" normalizeH="0" baseline="0">
+                  <a:ln>
+                    <a:noFill/>
+                  </a:ln>
+                  <a:solidFill>
+                    <a:srgbClr val="BCBEC4"/>
+                  </a:solidFill>
+                  <a:effectLst/>
+                  <a:latin typeface="+mj-lt"/>
+                  <a:cs typeface="JetBrains Mono" panose="02000009000000000000" pitchFamily="49" charset="0"/>
+                </a:rPr>
+                <a:t>(</a:t>
+              </a:r>
+              <a:r>
+                <a:rPr kumimoji="0" lang="zh-TW" altLang="zh-TW" sz="1100" b="0" i="0" u="none" strike="noStrike" cap="none" normalizeH="0" baseline="0">
+                  <a:ln>
+                    <a:noFill/>
+                  </a:ln>
+                  <a:solidFill>
+                    <a:srgbClr val="CF8E6D"/>
+                  </a:solidFill>
+                  <a:effectLst/>
+                  <a:latin typeface="+mj-lt"/>
+                  <a:cs typeface="JetBrains Mono" panose="02000009000000000000" pitchFamily="49" charset="0"/>
+                </a:rPr>
+                <a:t>int </a:t>
+              </a:r>
+              <a:r>
+                <a:rPr kumimoji="0" lang="zh-TW" altLang="zh-TW" sz="1100" b="0" i="0" u="none" strike="noStrike" cap="none" normalizeH="0" baseline="0">
+                  <a:ln>
+                    <a:noFill/>
+                  </a:ln>
+                  <a:solidFill>
+                    <a:srgbClr val="BCBEC4"/>
+                  </a:solidFill>
+                  <a:effectLst/>
+                  <a:latin typeface="+mj-lt"/>
+                  <a:cs typeface="JetBrains Mono" panose="02000009000000000000" pitchFamily="49" charset="0"/>
+                </a:rPr>
+                <a:t>i = </a:t>
+              </a:r>
+              <a:r>
+                <a:rPr kumimoji="0" lang="zh-TW" altLang="zh-TW" sz="1100" b="0" i="0" u="none" strike="noStrike" cap="none" normalizeH="0" baseline="0">
+                  <a:ln>
+                    <a:noFill/>
+                  </a:ln>
+                  <a:solidFill>
+                    <a:srgbClr val="2AACB8"/>
+                  </a:solidFill>
+                  <a:effectLst/>
+                  <a:latin typeface="+mj-lt"/>
+                  <a:cs typeface="JetBrains Mono" panose="02000009000000000000" pitchFamily="49" charset="0"/>
+                </a:rPr>
+                <a:t>0</a:t>
+              </a:r>
+              <a:r>
+                <a:rPr kumimoji="0" lang="zh-TW" altLang="zh-TW" sz="1100" b="0" i="0" u="none" strike="noStrike" cap="none" normalizeH="0" baseline="0">
+                  <a:ln>
+                    <a:noFill/>
+                  </a:ln>
+                  <a:solidFill>
+                    <a:srgbClr val="BCBEC4"/>
+                  </a:solidFill>
+                  <a:effectLst/>
+                  <a:latin typeface="+mj-lt"/>
+                  <a:cs typeface="JetBrains Mono" panose="02000009000000000000" pitchFamily="49" charset="0"/>
+                </a:rPr>
+                <a:t>; i &lt; Math.</a:t>
+              </a:r>
+              <a:r>
+                <a:rPr kumimoji="0" lang="zh-TW" altLang="zh-TW" sz="1100" b="0" i="1" u="none" strike="noStrike" cap="none" normalizeH="0" baseline="0">
+                  <a:ln>
+                    <a:noFill/>
+                  </a:ln>
+                  <a:solidFill>
+                    <a:srgbClr val="BCBEC4"/>
+                  </a:solidFill>
+                  <a:effectLst/>
+                  <a:latin typeface="+mj-lt"/>
+                  <a:cs typeface="JetBrains Mono" panose="02000009000000000000" pitchFamily="49" charset="0"/>
+                </a:rPr>
+                <a:t>max</a:t>
+              </a:r>
+              <a:r>
+                <a:rPr kumimoji="0" lang="zh-TW" altLang="zh-TW" sz="1100" b="0" i="0" u="none" strike="noStrike" cap="none" normalizeH="0" baseline="0">
+                  <a:ln>
+                    <a:noFill/>
+                  </a:ln>
+                  <a:solidFill>
+                    <a:srgbClr val="BCBEC4"/>
+                  </a:solidFill>
+                  <a:effectLst/>
+                  <a:latin typeface="+mj-lt"/>
+                  <a:cs typeface="JetBrains Mono" panose="02000009000000000000" pitchFamily="49" charset="0"/>
+                </a:rPr>
+                <a:t>(srcArray.</a:t>
+              </a:r>
+              <a:r>
+                <a:rPr kumimoji="0" lang="zh-TW" altLang="zh-TW" sz="1100" b="0" i="0" u="none" strike="noStrike" cap="none" normalizeH="0" baseline="0">
+                  <a:ln>
+                    <a:noFill/>
+                  </a:ln>
+                  <a:solidFill>
+                    <a:srgbClr val="C77DBB"/>
+                  </a:solidFill>
+                  <a:effectLst/>
+                  <a:latin typeface="+mj-lt"/>
+                  <a:cs typeface="JetBrains Mono" panose="02000009000000000000" pitchFamily="49" charset="0"/>
+                </a:rPr>
+                <a:t>length</a:t>
+              </a:r>
+              <a:r>
+                <a:rPr kumimoji="0" lang="zh-TW" altLang="zh-TW" sz="1100" b="0" i="0" u="none" strike="noStrike" cap="none" normalizeH="0" baseline="0">
+                  <a:ln>
+                    <a:noFill/>
+                  </a:ln>
+                  <a:solidFill>
+                    <a:srgbClr val="BCBEC4"/>
+                  </a:solidFill>
+                  <a:effectLst/>
+                  <a:latin typeface="+mj-lt"/>
+                  <a:cs typeface="JetBrains Mono" panose="02000009000000000000" pitchFamily="49" charset="0"/>
+                </a:rPr>
+                <a:t>, dstArray.</a:t>
+              </a:r>
+              <a:r>
+                <a:rPr kumimoji="0" lang="zh-TW" altLang="zh-TW" sz="1100" b="0" i="0" u="none" strike="noStrike" cap="none" normalizeH="0" baseline="0">
+                  <a:ln>
+                    <a:noFill/>
+                  </a:ln>
+                  <a:solidFill>
+                    <a:srgbClr val="C77DBB"/>
+                  </a:solidFill>
+                  <a:effectLst/>
+                  <a:latin typeface="+mj-lt"/>
+                  <a:cs typeface="JetBrains Mono" panose="02000009000000000000" pitchFamily="49" charset="0"/>
+                </a:rPr>
+                <a:t>length</a:t>
+              </a:r>
+              <a:r>
+                <a:rPr kumimoji="0" lang="zh-TW" altLang="zh-TW" sz="1100" b="0" i="0" u="none" strike="noStrike" cap="none" normalizeH="0" baseline="0">
+                  <a:ln>
+                    <a:noFill/>
+                  </a:ln>
+                  <a:solidFill>
+                    <a:srgbClr val="BCBEC4"/>
+                  </a:solidFill>
+                  <a:effectLst/>
+                  <a:latin typeface="+mj-lt"/>
+                  <a:cs typeface="JetBrains Mono" panose="02000009000000000000" pitchFamily="49" charset="0"/>
+                </a:rPr>
+                <a:t>); i++) {</a:t>
+              </a:r>
+              <a:br>
+                <a:rPr kumimoji="0" lang="zh-TW" altLang="zh-TW" sz="1100" b="0" i="0" u="none" strike="noStrike" cap="none" normalizeH="0" baseline="0">
+                  <a:ln>
+                    <a:noFill/>
+                  </a:ln>
+                  <a:solidFill>
+                    <a:srgbClr val="BCBEC4"/>
+                  </a:solidFill>
+                  <a:effectLst/>
+                  <a:latin typeface="+mj-lt"/>
+                  <a:cs typeface="JetBrains Mono" panose="02000009000000000000" pitchFamily="49" charset="0"/>
+                </a:rPr>
+              </a:br>
+              <a:r>
+                <a:rPr kumimoji="0" lang="zh-TW" altLang="zh-TW" sz="1100" b="0" i="0" u="none" strike="noStrike" cap="none" normalizeH="0" baseline="0">
+                  <a:ln>
+                    <a:noFill/>
+                  </a:ln>
+                  <a:solidFill>
+                    <a:srgbClr val="BCBEC4"/>
+                  </a:solidFill>
+                  <a:effectLst/>
+                  <a:latin typeface="+mj-lt"/>
+                  <a:cs typeface="JetBrains Mono" panose="02000009000000000000" pitchFamily="49" charset="0"/>
+                </a:rPr>
+                <a:t>            dstArray[i] = mapFunction.map(srcArray[i]);</a:t>
+              </a:r>
+              <a:br>
+                <a:rPr kumimoji="0" lang="zh-TW" altLang="zh-TW" sz="1100" b="0" i="0" u="none" strike="noStrike" cap="none" normalizeH="0" baseline="0">
+                  <a:ln>
+                    <a:noFill/>
+                  </a:ln>
+                  <a:solidFill>
+                    <a:srgbClr val="BCBEC4"/>
+                  </a:solidFill>
+                  <a:effectLst/>
+                  <a:latin typeface="+mj-lt"/>
+                  <a:cs typeface="JetBrains Mono" panose="02000009000000000000" pitchFamily="49" charset="0"/>
+                </a:rPr>
+              </a:br>
+              <a:r>
+                <a:rPr kumimoji="0" lang="zh-TW" altLang="zh-TW" sz="1100" b="0" i="0" u="none" strike="noStrike" cap="none" normalizeH="0" baseline="0">
+                  <a:ln>
+                    <a:noFill/>
+                  </a:ln>
+                  <a:solidFill>
+                    <a:srgbClr val="BCBEC4"/>
+                  </a:solidFill>
+                  <a:effectLst/>
+                  <a:latin typeface="+mj-lt"/>
+                  <a:cs typeface="JetBrains Mono" panose="02000009000000000000" pitchFamily="49" charset="0"/>
+                </a:rPr>
+                <a:t>        }</a:t>
+              </a:r>
+              <a:br>
+                <a:rPr kumimoji="0" lang="zh-TW" altLang="zh-TW" sz="1100" b="0" i="0" u="none" strike="noStrike" cap="none" normalizeH="0" baseline="0">
+                  <a:ln>
+                    <a:noFill/>
+                  </a:ln>
+                  <a:solidFill>
+                    <a:srgbClr val="BCBEC4"/>
+                  </a:solidFill>
+                  <a:effectLst/>
+                  <a:latin typeface="+mj-lt"/>
+                  <a:cs typeface="JetBrains Mono" panose="02000009000000000000" pitchFamily="49" charset="0"/>
+                </a:rPr>
+              </a:br>
+              <a:r>
+                <a:rPr kumimoji="0" lang="zh-TW" altLang="zh-TW" sz="1100" b="0" i="0" u="none" strike="noStrike" cap="none" normalizeH="0" baseline="0">
+                  <a:ln>
+                    <a:noFill/>
+                  </a:ln>
+                  <a:solidFill>
+                    <a:srgbClr val="BCBEC4"/>
+                  </a:solidFill>
+                  <a:effectLst/>
+                  <a:latin typeface="+mj-lt"/>
+                  <a:cs typeface="JetBrains Mono" panose="02000009000000000000" pitchFamily="49" charset="0"/>
+                </a:rPr>
+                <a:t>    }</a:t>
+              </a:r>
+              <a:br>
+                <a:rPr kumimoji="0" lang="zh-TW" altLang="zh-TW" sz="1100" b="0" i="0" u="none" strike="noStrike" cap="none" normalizeH="0" baseline="0">
+                  <a:ln>
+                    <a:noFill/>
+                  </a:ln>
+                  <a:solidFill>
+                    <a:srgbClr val="BCBEC4"/>
+                  </a:solidFill>
+                  <a:effectLst/>
+                  <a:latin typeface="+mj-lt"/>
+                  <a:cs typeface="JetBrains Mono" panose="02000009000000000000" pitchFamily="49" charset="0"/>
+                </a:rPr>
+              </a:br>
+              <a:br>
+                <a:rPr kumimoji="0" lang="zh-TW" altLang="zh-TW" sz="1100" b="0" i="0" u="none" strike="noStrike" cap="none" normalizeH="0" baseline="0">
+                  <a:ln>
+                    <a:noFill/>
+                  </a:ln>
+                  <a:solidFill>
+                    <a:srgbClr val="BCBEC4"/>
+                  </a:solidFill>
+                  <a:effectLst/>
+                  <a:latin typeface="+mj-lt"/>
+                  <a:cs typeface="JetBrains Mono" panose="02000009000000000000" pitchFamily="49" charset="0"/>
+                </a:rPr>
+              </a:br>
+              <a:r>
+                <a:rPr kumimoji="0" lang="zh-TW" altLang="zh-TW" sz="1100" b="0" i="0" u="none" strike="noStrike" cap="none" normalizeH="0" baseline="0">
+                  <a:ln>
+                    <a:noFill/>
+                  </a:ln>
+                  <a:solidFill>
+                    <a:srgbClr val="BCBEC4"/>
+                  </a:solidFill>
+                  <a:effectLst/>
+                  <a:latin typeface="+mj-lt"/>
+                  <a:cs typeface="JetBrains Mono" panose="02000009000000000000" pitchFamily="49" charset="0"/>
+                </a:rPr>
+                <a:t>    </a:t>
+              </a:r>
+              <a:r>
+                <a:rPr kumimoji="0" lang="zh-TW" altLang="zh-TW" sz="1100" b="0" i="0" u="none" strike="noStrike" cap="none" normalizeH="0" baseline="0">
+                  <a:ln>
+                    <a:noFill/>
+                  </a:ln>
+                  <a:solidFill>
+                    <a:srgbClr val="CF8E6D"/>
+                  </a:solidFill>
+                  <a:effectLst/>
+                  <a:latin typeface="+mj-lt"/>
+                  <a:cs typeface="JetBrains Mono" panose="02000009000000000000" pitchFamily="49" charset="0"/>
+                </a:rPr>
+                <a:t>public static void </a:t>
+              </a:r>
+              <a:r>
+                <a:rPr kumimoji="0" lang="zh-TW" altLang="zh-TW" sz="1100" b="0" i="0" u="none" strike="noStrike" cap="none" normalizeH="0" baseline="0">
+                  <a:ln>
+                    <a:noFill/>
+                  </a:ln>
+                  <a:solidFill>
+                    <a:srgbClr val="56A8F5"/>
+                  </a:solidFill>
+                  <a:effectLst/>
+                  <a:latin typeface="+mj-lt"/>
+                  <a:cs typeface="JetBrains Mono" panose="02000009000000000000" pitchFamily="49" charset="0"/>
+                </a:rPr>
+                <a:t>map</a:t>
+              </a:r>
+              <a:r>
+                <a:rPr kumimoji="0" lang="zh-TW" altLang="zh-TW" sz="1100" b="0" i="0" u="none" strike="noStrike" cap="none" normalizeH="0" baseline="0">
+                  <a:ln>
+                    <a:noFill/>
+                  </a:ln>
+                  <a:solidFill>
+                    <a:srgbClr val="BCBEC4"/>
+                  </a:solidFill>
+                  <a:effectLst/>
+                  <a:latin typeface="+mj-lt"/>
+                  <a:cs typeface="JetBrains Mono" panose="02000009000000000000" pitchFamily="49" charset="0"/>
+                </a:rPr>
+                <a:t>(Num[] srcArray,</a:t>
+              </a:r>
+              <a:br>
+                <a:rPr kumimoji="0" lang="zh-TW" altLang="zh-TW" sz="1100" b="0" i="0" u="none" strike="noStrike" cap="none" normalizeH="0" baseline="0">
+                  <a:ln>
+                    <a:noFill/>
+                  </a:ln>
+                  <a:solidFill>
+                    <a:srgbClr val="BCBEC4"/>
+                  </a:solidFill>
+                  <a:effectLst/>
+                  <a:latin typeface="+mj-lt"/>
+                  <a:cs typeface="JetBrains Mono" panose="02000009000000000000" pitchFamily="49" charset="0"/>
+                </a:rPr>
+              </a:br>
+              <a:r>
+                <a:rPr kumimoji="0" lang="zh-TW" altLang="zh-TW" sz="1100" b="0" i="0" u="none" strike="noStrike" cap="none" normalizeH="0" baseline="0">
+                  <a:ln>
+                    <a:noFill/>
+                  </a:ln>
+                  <a:solidFill>
+                    <a:srgbClr val="BCBEC4"/>
+                  </a:solidFill>
+                  <a:effectLst/>
+                  <a:latin typeface="+mj-lt"/>
+                  <a:cs typeface="JetBrains Mono" panose="02000009000000000000" pitchFamily="49" charset="0"/>
+                </a:rPr>
+                <a:t>                           </a:t>
+              </a:r>
+              <a:r>
+                <a:rPr kumimoji="0" lang="en-US" altLang="zh-TW" sz="1100" b="0" i="0" u="none" strike="noStrike" cap="none" normalizeH="0" baseline="0">
+                  <a:ln>
+                    <a:noFill/>
+                  </a:ln>
+                  <a:solidFill>
+                    <a:srgbClr val="BCBEC4"/>
+                  </a:solidFill>
+                  <a:effectLst/>
+                  <a:latin typeface="+mj-lt"/>
+                  <a:cs typeface="JetBrains Mono" panose="02000009000000000000" pitchFamily="49" charset="0"/>
+                </a:rPr>
+                <a:t>S</a:t>
+              </a:r>
+              <a:r>
+                <a:rPr kumimoji="0" lang="zh-TW" altLang="zh-TW" sz="1100" b="0" i="0" u="none" strike="noStrike" cap="none" normalizeH="0" baseline="0">
+                  <a:ln>
+                    <a:noFill/>
+                  </a:ln>
+                  <a:solidFill>
+                    <a:srgbClr val="BCBEC4"/>
+                  </a:solidFill>
+                  <a:effectLst/>
+                  <a:latin typeface="+mj-lt"/>
+                  <a:cs typeface="JetBrains Mono" panose="02000009000000000000" pitchFamily="49" charset="0"/>
+                </a:rPr>
+                <a:t>tudentMapper mapFunction, Object[] dstArray) {</a:t>
+              </a:r>
+              <a:br>
+                <a:rPr kumimoji="0" lang="zh-TW" altLang="zh-TW" sz="1100" b="0" i="0" u="none" strike="noStrike" cap="none" normalizeH="0" baseline="0">
+                  <a:ln>
+                    <a:noFill/>
+                  </a:ln>
+                  <a:solidFill>
+                    <a:srgbClr val="BCBEC4"/>
+                  </a:solidFill>
+                  <a:effectLst/>
+                  <a:latin typeface="+mj-lt"/>
+                  <a:cs typeface="JetBrains Mono" panose="02000009000000000000" pitchFamily="49" charset="0"/>
+                </a:rPr>
+              </a:br>
+              <a:r>
+                <a:rPr kumimoji="0" lang="zh-TW" altLang="zh-TW" sz="1100" b="0" i="0" u="none" strike="noStrike" cap="none" normalizeH="0" baseline="0">
+                  <a:ln>
+                    <a:noFill/>
+                  </a:ln>
+                  <a:solidFill>
+                    <a:srgbClr val="BCBEC4"/>
+                  </a:solidFill>
+                  <a:effectLst/>
+                  <a:latin typeface="+mj-lt"/>
+                  <a:cs typeface="JetBrains Mono" panose="02000009000000000000" pitchFamily="49" charset="0"/>
+                </a:rPr>
+                <a:t>        </a:t>
+              </a:r>
+              <a:r>
+                <a:rPr kumimoji="0" lang="zh-TW" altLang="zh-TW" sz="1100" b="0" i="0" u="none" strike="noStrike" cap="none" normalizeH="0" baseline="0">
+                  <a:ln>
+                    <a:noFill/>
+                  </a:ln>
+                  <a:solidFill>
+                    <a:srgbClr val="CF8E6D"/>
+                  </a:solidFill>
+                  <a:effectLst/>
+                  <a:latin typeface="+mj-lt"/>
+                  <a:cs typeface="JetBrains Mono" panose="02000009000000000000" pitchFamily="49" charset="0"/>
+                </a:rPr>
+                <a:t>for </a:t>
+              </a:r>
+              <a:r>
+                <a:rPr kumimoji="0" lang="zh-TW" altLang="zh-TW" sz="1100" b="0" i="0" u="none" strike="noStrike" cap="none" normalizeH="0" baseline="0">
+                  <a:ln>
+                    <a:noFill/>
+                  </a:ln>
+                  <a:solidFill>
+                    <a:srgbClr val="BCBEC4"/>
+                  </a:solidFill>
+                  <a:effectLst/>
+                  <a:latin typeface="+mj-lt"/>
+                  <a:cs typeface="JetBrains Mono" panose="02000009000000000000" pitchFamily="49" charset="0"/>
+                </a:rPr>
+                <a:t>(</a:t>
+              </a:r>
+              <a:r>
+                <a:rPr kumimoji="0" lang="zh-TW" altLang="zh-TW" sz="1100" b="0" i="0" u="none" strike="noStrike" cap="none" normalizeH="0" baseline="0">
+                  <a:ln>
+                    <a:noFill/>
+                  </a:ln>
+                  <a:solidFill>
+                    <a:srgbClr val="CF8E6D"/>
+                  </a:solidFill>
+                  <a:effectLst/>
+                  <a:latin typeface="+mj-lt"/>
+                  <a:cs typeface="JetBrains Mono" panose="02000009000000000000" pitchFamily="49" charset="0"/>
+                </a:rPr>
+                <a:t>int </a:t>
+              </a:r>
+              <a:r>
+                <a:rPr kumimoji="0" lang="zh-TW" altLang="zh-TW" sz="1100" b="0" i="0" u="none" strike="noStrike" cap="none" normalizeH="0" baseline="0">
+                  <a:ln>
+                    <a:noFill/>
+                  </a:ln>
+                  <a:solidFill>
+                    <a:srgbClr val="BCBEC4"/>
+                  </a:solidFill>
+                  <a:effectLst/>
+                  <a:latin typeface="+mj-lt"/>
+                  <a:cs typeface="JetBrains Mono" panose="02000009000000000000" pitchFamily="49" charset="0"/>
+                </a:rPr>
+                <a:t>i = </a:t>
+              </a:r>
+              <a:r>
+                <a:rPr kumimoji="0" lang="zh-TW" altLang="zh-TW" sz="1100" b="0" i="0" u="none" strike="noStrike" cap="none" normalizeH="0" baseline="0">
+                  <a:ln>
+                    <a:noFill/>
+                  </a:ln>
+                  <a:solidFill>
+                    <a:srgbClr val="2AACB8"/>
+                  </a:solidFill>
+                  <a:effectLst/>
+                  <a:latin typeface="+mj-lt"/>
+                  <a:cs typeface="JetBrains Mono" panose="02000009000000000000" pitchFamily="49" charset="0"/>
+                </a:rPr>
+                <a:t>0</a:t>
+              </a:r>
+              <a:r>
+                <a:rPr kumimoji="0" lang="zh-TW" altLang="zh-TW" sz="1100" b="0" i="0" u="none" strike="noStrike" cap="none" normalizeH="0" baseline="0">
+                  <a:ln>
+                    <a:noFill/>
+                  </a:ln>
+                  <a:solidFill>
+                    <a:srgbClr val="BCBEC4"/>
+                  </a:solidFill>
+                  <a:effectLst/>
+                  <a:latin typeface="+mj-lt"/>
+                  <a:cs typeface="JetBrains Mono" panose="02000009000000000000" pitchFamily="49" charset="0"/>
+                </a:rPr>
+                <a:t>; i &lt; Math.</a:t>
+              </a:r>
+              <a:r>
+                <a:rPr kumimoji="0" lang="zh-TW" altLang="zh-TW" sz="1100" b="0" i="1" u="none" strike="noStrike" cap="none" normalizeH="0" baseline="0">
+                  <a:ln>
+                    <a:noFill/>
+                  </a:ln>
+                  <a:solidFill>
+                    <a:srgbClr val="BCBEC4"/>
+                  </a:solidFill>
+                  <a:effectLst/>
+                  <a:latin typeface="+mj-lt"/>
+                  <a:cs typeface="JetBrains Mono" panose="02000009000000000000" pitchFamily="49" charset="0"/>
+                </a:rPr>
+                <a:t>max</a:t>
+              </a:r>
+              <a:r>
+                <a:rPr kumimoji="0" lang="zh-TW" altLang="zh-TW" sz="1100" b="0" i="0" u="none" strike="noStrike" cap="none" normalizeH="0" baseline="0">
+                  <a:ln>
+                    <a:noFill/>
+                  </a:ln>
+                  <a:solidFill>
+                    <a:srgbClr val="BCBEC4"/>
+                  </a:solidFill>
+                  <a:effectLst/>
+                  <a:latin typeface="+mj-lt"/>
+                  <a:cs typeface="JetBrains Mono" panose="02000009000000000000" pitchFamily="49" charset="0"/>
+                </a:rPr>
+                <a:t>(srcArray.</a:t>
+              </a:r>
+              <a:r>
+                <a:rPr kumimoji="0" lang="zh-TW" altLang="zh-TW" sz="1100" b="0" i="0" u="none" strike="noStrike" cap="none" normalizeH="0" baseline="0">
+                  <a:ln>
+                    <a:noFill/>
+                  </a:ln>
+                  <a:solidFill>
+                    <a:srgbClr val="C77DBB"/>
+                  </a:solidFill>
+                  <a:effectLst/>
+                  <a:latin typeface="+mj-lt"/>
+                  <a:cs typeface="JetBrains Mono" panose="02000009000000000000" pitchFamily="49" charset="0"/>
+                </a:rPr>
+                <a:t>length</a:t>
+              </a:r>
+              <a:r>
+                <a:rPr kumimoji="0" lang="zh-TW" altLang="zh-TW" sz="1100" b="0" i="0" u="none" strike="noStrike" cap="none" normalizeH="0" baseline="0">
+                  <a:ln>
+                    <a:noFill/>
+                  </a:ln>
+                  <a:solidFill>
+                    <a:srgbClr val="BCBEC4"/>
+                  </a:solidFill>
+                  <a:effectLst/>
+                  <a:latin typeface="+mj-lt"/>
+                  <a:cs typeface="JetBrains Mono" panose="02000009000000000000" pitchFamily="49" charset="0"/>
+                </a:rPr>
+                <a:t>, dstArray.</a:t>
+              </a:r>
+              <a:r>
+                <a:rPr kumimoji="0" lang="zh-TW" altLang="zh-TW" sz="1100" b="0" i="0" u="none" strike="noStrike" cap="none" normalizeH="0" baseline="0">
+                  <a:ln>
+                    <a:noFill/>
+                  </a:ln>
+                  <a:solidFill>
+                    <a:srgbClr val="C77DBB"/>
+                  </a:solidFill>
+                  <a:effectLst/>
+                  <a:latin typeface="+mj-lt"/>
+                  <a:cs typeface="JetBrains Mono" panose="02000009000000000000" pitchFamily="49" charset="0"/>
+                </a:rPr>
+                <a:t>length</a:t>
+              </a:r>
+              <a:r>
+                <a:rPr kumimoji="0" lang="zh-TW" altLang="zh-TW" sz="1100" b="0" i="0" u="none" strike="noStrike" cap="none" normalizeH="0" baseline="0">
+                  <a:ln>
+                    <a:noFill/>
+                  </a:ln>
+                  <a:solidFill>
+                    <a:srgbClr val="BCBEC4"/>
+                  </a:solidFill>
+                  <a:effectLst/>
+                  <a:latin typeface="+mj-lt"/>
+                  <a:cs typeface="JetBrains Mono" panose="02000009000000000000" pitchFamily="49" charset="0"/>
+                </a:rPr>
+                <a:t>); i++) {</a:t>
+              </a:r>
+              <a:br>
+                <a:rPr kumimoji="0" lang="zh-TW" altLang="zh-TW" sz="1100" b="0" i="0" u="none" strike="noStrike" cap="none" normalizeH="0" baseline="0">
+                  <a:ln>
+                    <a:noFill/>
+                  </a:ln>
+                  <a:solidFill>
+                    <a:srgbClr val="BCBEC4"/>
+                  </a:solidFill>
+                  <a:effectLst/>
+                  <a:latin typeface="+mj-lt"/>
+                  <a:cs typeface="JetBrains Mono" panose="02000009000000000000" pitchFamily="49" charset="0"/>
+                </a:rPr>
+              </a:br>
+              <a:r>
+                <a:rPr kumimoji="0" lang="zh-TW" altLang="zh-TW" sz="1100" b="0" i="0" u="none" strike="noStrike" cap="none" normalizeH="0" baseline="0">
+                  <a:ln>
+                    <a:noFill/>
+                  </a:ln>
+                  <a:solidFill>
+                    <a:srgbClr val="BCBEC4"/>
+                  </a:solidFill>
+                  <a:effectLst/>
+                  <a:latin typeface="+mj-lt"/>
+                  <a:cs typeface="JetBrains Mono" panose="02000009000000000000" pitchFamily="49" charset="0"/>
+                </a:rPr>
+                <a:t>            dstArray[i] = mapFunction.map(srcArray[i]);</a:t>
+              </a:r>
+              <a:br>
+                <a:rPr kumimoji="0" lang="zh-TW" altLang="zh-TW" sz="1100" b="0" i="0" u="none" strike="noStrike" cap="none" normalizeH="0" baseline="0">
+                  <a:ln>
+                    <a:noFill/>
+                  </a:ln>
+                  <a:solidFill>
+                    <a:srgbClr val="BCBEC4"/>
+                  </a:solidFill>
+                  <a:effectLst/>
+                  <a:latin typeface="+mj-lt"/>
+                  <a:cs typeface="JetBrains Mono" panose="02000009000000000000" pitchFamily="49" charset="0"/>
+                </a:rPr>
+              </a:br>
+              <a:r>
+                <a:rPr kumimoji="0" lang="zh-TW" altLang="zh-TW" sz="1100" b="0" i="0" u="none" strike="noStrike" cap="none" normalizeH="0" baseline="0">
+                  <a:ln>
+                    <a:noFill/>
+                  </a:ln>
+                  <a:solidFill>
+                    <a:srgbClr val="BCBEC4"/>
+                  </a:solidFill>
+                  <a:effectLst/>
+                  <a:latin typeface="+mj-lt"/>
+                  <a:cs typeface="JetBrains Mono" panose="02000009000000000000" pitchFamily="49" charset="0"/>
+                </a:rPr>
+                <a:t>        }</a:t>
+              </a:r>
+              <a:br>
+                <a:rPr kumimoji="0" lang="zh-TW" altLang="zh-TW" sz="1100" b="0" i="0" u="none" strike="noStrike" cap="none" normalizeH="0" baseline="0">
+                  <a:ln>
+                    <a:noFill/>
+                  </a:ln>
+                  <a:solidFill>
+                    <a:srgbClr val="BCBEC4"/>
+                  </a:solidFill>
+                  <a:effectLst/>
+                  <a:latin typeface="+mj-lt"/>
+                  <a:cs typeface="JetBrains Mono" panose="02000009000000000000" pitchFamily="49" charset="0"/>
+                </a:rPr>
+              </a:br>
+              <a:r>
+                <a:rPr kumimoji="0" lang="zh-TW" altLang="zh-TW" sz="1100" b="0" i="0" u="none" strike="noStrike" cap="none" normalizeH="0" baseline="0">
+                  <a:ln>
+                    <a:noFill/>
+                  </a:ln>
+                  <a:solidFill>
+                    <a:srgbClr val="BCBEC4"/>
+                  </a:solidFill>
+                  <a:effectLst/>
+                  <a:latin typeface="+mj-lt"/>
+                  <a:cs typeface="JetBrains Mono" panose="02000009000000000000" pitchFamily="49" charset="0"/>
+                </a:rPr>
+                <a:t>    }</a:t>
+              </a:r>
+              <a:br>
+                <a:rPr kumimoji="0" lang="zh-TW" altLang="zh-TW" sz="1100" b="0" i="0" u="none" strike="noStrike" cap="none" normalizeH="0" baseline="0">
+                  <a:ln>
+                    <a:noFill/>
+                  </a:ln>
+                  <a:solidFill>
+                    <a:srgbClr val="BCBEC4"/>
+                  </a:solidFill>
+                  <a:effectLst/>
+                  <a:latin typeface="+mj-lt"/>
+                  <a:cs typeface="JetBrains Mono" panose="02000009000000000000" pitchFamily="49" charset="0"/>
+                </a:rPr>
+              </a:br>
+              <a:r>
+                <a:rPr kumimoji="0" lang="zh-TW" altLang="zh-TW" sz="1100" b="0" i="0" u="none" strike="noStrike" cap="none" normalizeH="0" baseline="0">
+                  <a:ln>
+                    <a:noFill/>
+                  </a:ln>
+                  <a:solidFill>
+                    <a:srgbClr val="BCBEC4"/>
+                  </a:solidFill>
+                  <a:effectLst/>
+                  <a:latin typeface="+mj-lt"/>
+                  <a:cs typeface="JetBrains Mono" panose="02000009000000000000" pitchFamily="49" charset="0"/>
+                </a:rPr>
+                <a:t>}</a:t>
+              </a:r>
+              <a:endParaRPr kumimoji="0" lang="zh-TW" altLang="zh-TW" sz="1400" b="0" i="0" u="none" strike="noStrike" cap="none" normalizeH="0" baseline="0">
+                <a:ln>
+                  <a:noFill/>
+                </a:ln>
+                <a:solidFill>
+                  <a:schemeClr val="tx1"/>
+                </a:solidFill>
+                <a:effectLst/>
+                <a:latin typeface="+mj-lt"/>
+              </a:endParaRPr>
+            </a:p>
+          </p:txBody>
+        </p:sp>
+        <p:sp>
+          <p:nvSpPr>
+            <p:cNvPr id="12" name="文字方塊 11">
+              <a:extLst>
+                <a:ext uri="{FF2B5EF4-FFF2-40B4-BE49-F238E27FC236}">
+                  <a16:creationId xmlns:a16="http://schemas.microsoft.com/office/drawing/2014/main" id="{B85CE818-6391-4C96-BF58-90E205A58AAF}"/>
+                </a:ext>
+              </a:extLst>
+            </p:cNvPr>
+            <p:cNvSpPr txBox="1"/>
+            <p:nvPr/>
+          </p:nvSpPr>
+          <p:spPr>
+            <a:xfrm>
+              <a:off x="10749885" y="6050387"/>
+              <a:ext cx="691215" cy="369332"/>
+            </a:xfrm>
+            <a:prstGeom prst="rect">
+              <a:avLst/>
+            </a:prstGeom>
+            <a:noFill/>
+            <a:ln>
+              <a:noFill/>
+            </a:ln>
+          </p:spPr>
+          <p:txBody>
+            <a:bodyPr wrap="none" rtlCol="0">
+              <a:spAutoFit/>
+            </a:bodyPr>
+            <a:lstStyle/>
+            <a:p>
+              <a:r>
+                <a:rPr lang="en-US" altLang="zh-TW">
+                  <a:solidFill>
+                    <a:schemeClr val="accent3"/>
+                  </a:solidFill>
+                </a:rPr>
+                <a:t>java</a:t>
+              </a:r>
+              <a:endParaRPr lang="zh-TW" altLang="en-US">
+                <a:solidFill>
+                  <a:schemeClr val="accent3"/>
+                </a:solidFill>
+              </a:endParaRPr>
+            </a:p>
+          </p:txBody>
+        </p:sp>
+        <p:pic>
+          <p:nvPicPr>
+            <p:cNvPr id="13" name="圖片 12">
+              <a:hlinkClick r:id="rId2"/>
+              <a:extLst>
+                <a:ext uri="{FF2B5EF4-FFF2-40B4-BE49-F238E27FC236}">
+                  <a16:creationId xmlns:a16="http://schemas.microsoft.com/office/drawing/2014/main" id="{FFA78804-3A42-4A8A-9CF2-31CA7B3B4F5A}"/>
+                </a:ext>
+              </a:extLst>
+            </p:cNvPr>
+            <p:cNvPicPr>
+              <a:picLocks noChangeAspect="1"/>
+            </p:cNvPicPr>
+            <p:nvPr/>
+          </p:nvPicPr>
+          <p:blipFill>
+            <a:blip r:embed="rId3">
+              <a:extLst>
+                <a:ext uri="{28A0092B-C50C-407E-A947-70E740481C1C}">
+                  <a14:useLocalDpi xmlns:a14="http://schemas.microsoft.com/office/drawing/2010/main" val="0"/>
+                </a:ext>
+              </a:extLst>
+            </a:blip>
+            <a:stretch>
+              <a:fillRect/>
+            </a:stretch>
+          </p:blipFill>
+          <p:spPr>
+            <a:xfrm>
+              <a:off x="10902200" y="1079795"/>
+              <a:ext cx="538900" cy="527184"/>
+            </a:xfrm>
+            <a:prstGeom prst="rect">
+              <a:avLst/>
+            </a:prstGeom>
+          </p:spPr>
+        </p:pic>
+      </p:grpSp>
+      <p:sp>
+        <p:nvSpPr>
+          <p:cNvPr id="2" name="標題 1">
+            <a:extLst>
+              <a:ext uri="{FF2B5EF4-FFF2-40B4-BE49-F238E27FC236}">
+                <a16:creationId xmlns:a16="http://schemas.microsoft.com/office/drawing/2014/main" id="{2AC1A7C1-A0AA-4D2F-837D-4DFE651DEB53}"/>
+              </a:ext>
+            </a:extLst>
+          </p:cNvPr>
+          <p:cNvSpPr>
+            <a:spLocks noGrp="1"/>
+          </p:cNvSpPr>
+          <p:nvPr>
+            <p:ph type="title"/>
+          </p:nvPr>
+        </p:nvSpPr>
+        <p:spPr>
+          <a:xfrm>
+            <a:off x="5254792" y="0"/>
+            <a:ext cx="6186308" cy="1325563"/>
+          </a:xfrm>
+        </p:spPr>
+        <p:txBody>
+          <a:bodyPr/>
+          <a:lstStyle/>
+          <a:p>
+            <a:r>
+              <a:rPr lang="zh-TW" altLang="en-US"/>
+              <a:t>方法參考</a:t>
+            </a:r>
+          </a:p>
+        </p:txBody>
+      </p:sp>
+      <p:grpSp>
+        <p:nvGrpSpPr>
+          <p:cNvPr id="8" name="群組 7">
+            <a:extLst>
+              <a:ext uri="{FF2B5EF4-FFF2-40B4-BE49-F238E27FC236}">
+                <a16:creationId xmlns:a16="http://schemas.microsoft.com/office/drawing/2014/main" id="{1D1C5946-87DD-43D7-A8D4-1144BF6413EE}"/>
+              </a:ext>
+            </a:extLst>
+          </p:cNvPr>
+          <p:cNvGrpSpPr/>
+          <p:nvPr/>
+        </p:nvGrpSpPr>
+        <p:grpSpPr>
+          <a:xfrm>
+            <a:off x="5254792" y="5404056"/>
+            <a:ext cx="5390867" cy="1015663"/>
+            <a:chOff x="-1402761" y="5873063"/>
+            <a:chExt cx="5390867" cy="1015663"/>
+          </a:xfrm>
+        </p:grpSpPr>
+        <p:sp>
+          <p:nvSpPr>
+            <p:cNvPr id="9" name="Rectangle 4">
+              <a:extLst>
+                <a:ext uri="{FF2B5EF4-FFF2-40B4-BE49-F238E27FC236}">
+                  <a16:creationId xmlns:a16="http://schemas.microsoft.com/office/drawing/2014/main" id="{C15154C8-4882-4670-AE0B-2EC4C192E0CA}"/>
+                </a:ext>
+              </a:extLst>
+            </p:cNvPr>
+            <p:cNvSpPr>
+              <a:spLocks noChangeArrowheads="1"/>
+            </p:cNvSpPr>
+            <p:nvPr/>
+          </p:nvSpPr>
+          <p:spPr bwMode="auto">
+            <a:xfrm>
+              <a:off x="-1402761" y="5873063"/>
+              <a:ext cx="5390867" cy="1015663"/>
+            </a:xfrm>
+            <a:prstGeom prst="rect">
+              <a:avLst/>
+            </a:prstGeom>
+            <a:solidFill>
+              <a:srgbClr val="1E1F22"/>
+            </a:solidFill>
+            <a:ln w="9525">
+              <a:solidFill>
+                <a:schemeClr val="tx1"/>
+              </a:solidFill>
+              <a:miter lim="800000"/>
+              <a:headEnd/>
+              <a:tailEnd/>
+            </a:ln>
+            <a:effectLst/>
+            <a:extLst>
+              <a:ext uri="{AF507438-7753-43E0-B8FC-AC1667EBCBE1}">
+                <a14:hiddenEffects xmlns:a14="http://schemas.microsoft.com/office/drawing/2010/main">
+                  <a:effectLst>
+                    <a:outerShdw dist="35921" dir="2700000" algn="ctr" rotWithShape="0">
+                      <a:schemeClr val="bg2"/>
+                    </a:outerShdw>
+                  </a:effectLst>
+                </a14:hiddenEffects>
+              </a:ext>
+            </a:extLst>
+          </p:spPr>
+          <p:txBody>
+            <a:bodyPr vert="horz" wrap="square" lIns="91440" tIns="45720" rIns="91440" bIns="45720" numCol="1" anchor="ctr" anchorCtr="0" compatLnSpc="1">
+              <a:prstTxWarp prst="textNoShape">
+                <a:avLst/>
+              </a:prstTxWarp>
+              <a:spAutoFit/>
+            </a:bodyPr>
+            <a:lstStyle/>
+            <a:p>
+              <a:pPr marL="0" marR="0" lvl="0" indent="0" algn="l" defTabSz="914400" rtl="0" eaLnBrk="0" fontAlgn="base" latinLnBrk="0" hangingPunct="0">
+                <a:lnSpc>
+                  <a:spcPct val="100000"/>
+                </a:lnSpc>
+                <a:spcBef>
+                  <a:spcPct val="0"/>
+                </a:spcBef>
+                <a:spcAft>
+                  <a:spcPct val="0"/>
+                </a:spcAft>
+                <a:buClrTx/>
+                <a:buSzTx/>
+                <a:buFontTx/>
+                <a:buNone/>
+                <a:tabLst/>
+              </a:pPr>
+              <a:r>
+                <a:rPr kumimoji="0" lang="en-US" altLang="zh-TW" sz="2000" b="0" i="0" u="none" strike="noStrike" cap="none" normalizeH="0" baseline="0">
+                  <a:ln>
+                    <a:noFill/>
+                  </a:ln>
+                  <a:solidFill>
+                    <a:srgbClr val="BCBEC4"/>
+                  </a:solidFill>
+                  <a:effectLst/>
+                  <a:latin typeface="+mj-lt"/>
+                  <a:cs typeface="JetBrains Mono" panose="02000009000000000000" pitchFamily="49" charset="0"/>
+                </a:rPr>
+                <a:t>[1, 2, 3, 4, 5, 6, 7]</a:t>
+              </a:r>
+            </a:p>
+            <a:p>
+              <a:pPr marL="0" marR="0" lvl="0" indent="0" algn="l" defTabSz="914400" rtl="0" eaLnBrk="0" fontAlgn="base" latinLnBrk="0" hangingPunct="0">
+                <a:lnSpc>
+                  <a:spcPct val="100000"/>
+                </a:lnSpc>
+                <a:spcBef>
+                  <a:spcPct val="0"/>
+                </a:spcBef>
+                <a:spcAft>
+                  <a:spcPct val="0"/>
+                </a:spcAft>
+                <a:buClrTx/>
+                <a:buSzTx/>
+                <a:buFontTx/>
+                <a:buNone/>
+                <a:tabLst/>
+              </a:pPr>
+              <a:r>
+                <a:rPr kumimoji="0" lang="en-US" altLang="zh-TW" sz="2000" b="0" i="0" u="none" strike="noStrike" cap="none" normalizeH="0" baseline="0">
+                  <a:ln>
+                    <a:noFill/>
+                  </a:ln>
+                  <a:solidFill>
+                    <a:srgbClr val="BCBEC4"/>
+                  </a:solidFill>
+                  <a:effectLst/>
+                  <a:latin typeface="+mj-lt"/>
+                  <a:cs typeface="JetBrains Mono" panose="02000009000000000000" pitchFamily="49" charset="0"/>
+                </a:rPr>
+                <a:t>[1, 4, 9, 16, 25, 36, 49]</a:t>
+              </a:r>
+            </a:p>
+            <a:p>
+              <a:pPr marL="0" marR="0" lvl="0" indent="0" algn="l" defTabSz="914400" rtl="0" eaLnBrk="0" fontAlgn="base" latinLnBrk="0" hangingPunct="0">
+                <a:lnSpc>
+                  <a:spcPct val="100000"/>
+                </a:lnSpc>
+                <a:spcBef>
+                  <a:spcPct val="0"/>
+                </a:spcBef>
+                <a:spcAft>
+                  <a:spcPct val="0"/>
+                </a:spcAft>
+                <a:buClrTx/>
+                <a:buSzTx/>
+                <a:buFontTx/>
+                <a:buNone/>
+                <a:tabLst/>
+              </a:pPr>
+              <a:r>
+                <a:rPr kumimoji="0" lang="en-US" altLang="zh-TW" sz="2000" b="0" i="0" u="none" strike="noStrike" cap="none" normalizeH="0" baseline="0">
+                  <a:ln>
+                    <a:noFill/>
+                  </a:ln>
+                  <a:solidFill>
+                    <a:srgbClr val="BCBEC4"/>
+                  </a:solidFill>
+                  <a:effectLst/>
+                  <a:latin typeface="+mj-lt"/>
+                  <a:cs typeface="JetBrains Mono" panose="02000009000000000000" pitchFamily="49" charset="0"/>
+                </a:rPr>
+                <a:t>[-1, -4, -9, -16, -25, -36, -49]</a:t>
+              </a:r>
+              <a:endParaRPr kumimoji="0" lang="zh-TW" altLang="zh-TW" sz="3600" b="0" i="0" u="none" strike="noStrike" cap="none" normalizeH="0" baseline="0">
+                <a:ln>
+                  <a:noFill/>
+                </a:ln>
+                <a:solidFill>
+                  <a:schemeClr val="tx1"/>
+                </a:solidFill>
+                <a:effectLst/>
+                <a:latin typeface="+mj-lt"/>
+              </a:endParaRPr>
+            </a:p>
+          </p:txBody>
+        </p:sp>
+        <p:sp>
+          <p:nvSpPr>
+            <p:cNvPr id="10" name="文字方塊 9">
+              <a:extLst>
+                <a:ext uri="{FF2B5EF4-FFF2-40B4-BE49-F238E27FC236}">
+                  <a16:creationId xmlns:a16="http://schemas.microsoft.com/office/drawing/2014/main" id="{3EE4F4AF-8A99-47C8-8E68-9E040E04929D}"/>
+                </a:ext>
+              </a:extLst>
+            </p:cNvPr>
+            <p:cNvSpPr txBox="1"/>
+            <p:nvPr/>
+          </p:nvSpPr>
+          <p:spPr>
+            <a:xfrm>
+              <a:off x="3207122" y="6580949"/>
+              <a:ext cx="780983" cy="307777"/>
+            </a:xfrm>
+            <a:prstGeom prst="rect">
+              <a:avLst/>
+            </a:prstGeom>
+            <a:noFill/>
+            <a:ln>
+              <a:noFill/>
+            </a:ln>
+          </p:spPr>
+          <p:txBody>
+            <a:bodyPr wrap="none" rtlCol="0">
+              <a:spAutoFit/>
+            </a:bodyPr>
+            <a:lstStyle/>
+            <a:p>
+              <a:r>
+                <a:rPr lang="en-US" altLang="zh-TW" sz="1400">
+                  <a:solidFill>
+                    <a:schemeClr val="accent3"/>
+                  </a:solidFill>
+                </a:rPr>
+                <a:t>output</a:t>
+              </a:r>
+              <a:endParaRPr lang="zh-TW" altLang="en-US" sz="1400">
+                <a:solidFill>
+                  <a:schemeClr val="accent3"/>
+                </a:solidFill>
+              </a:endParaRPr>
+            </a:p>
+          </p:txBody>
+        </p:sp>
+      </p:grpSp>
+    </p:spTree>
+    <p:extLst>
+      <p:ext uri="{BB962C8B-B14F-4D97-AF65-F5344CB8AC3E}">
+        <p14:creationId xmlns:p14="http://schemas.microsoft.com/office/powerpoint/2010/main" val="2889268738"/>
+      </p:ext>
+    </p:extLst>
+  </p:cSld>
+  <p:clrMapOvr>
+    <a:masterClrMapping/>
+  </p:clrMapOvr>
+  <p:transition spd="slow">
+    <p:push dir="u"/>
+  </p:transition>
+</p:sld>
+</file>
+
 <file path=ppt/slides/slide2.xml><?xml version="1.0" encoding="utf-8"?>
 <p:sld xmlns:a="http://schemas.openxmlformats.org/drawingml/2006/main" xmlns:r="http://schemas.openxmlformats.org/officeDocument/2006/relationships" xmlns:p="http://schemas.openxmlformats.org/presentationml/2006/main">
   <p:cSld>
@@ -26535,15 +30650,763 @@
             <p:ph idx="1"/>
           </p:nvPr>
         </p:nvSpPr>
-        <p:spPr/>
+        <p:spPr>
+          <a:xfrm>
+            <a:off x="838200" y="2182241"/>
+            <a:ext cx="10515600" cy="533527"/>
+          </a:xfrm>
+        </p:spPr>
         <p:txBody>
           <a:bodyPr/>
           <a:lstStyle/>
           <a:p>
-            <a:endParaRPr lang="zh-TW" altLang="en-US"/>
+            <a:r>
+              <a:rPr lang="zh-TW" altLang="en-US"/>
+              <a:t>若是要將現有的方法傳入，則不應該使用 </a:t>
+            </a:r>
+            <a:r>
+              <a:rPr lang="en-US" altLang="zh-TW">
+                <a:solidFill>
+                  <a:srgbClr val="00B0F0"/>
+                </a:solidFill>
+              </a:rPr>
+              <a:t>Lambda</a:t>
+            </a:r>
+            <a:r>
+              <a:rPr lang="zh-TW" altLang="en-US"/>
+              <a:t>，而是</a:t>
+            </a:r>
+            <a:r>
+              <a:rPr lang="zh-TW" altLang="en-US">
+                <a:solidFill>
+                  <a:srgbClr val="00B0F0"/>
+                </a:solidFill>
+              </a:rPr>
+              <a:t>方法參考</a:t>
+            </a:r>
+            <a:endParaRPr lang="en-US" altLang="zh-TW">
+              <a:solidFill>
+                <a:srgbClr val="00B0F0"/>
+              </a:solidFill>
+            </a:endParaRPr>
           </a:p>
         </p:txBody>
       </p:sp>
+      <p:grpSp>
+        <p:nvGrpSpPr>
+          <p:cNvPr id="7" name="群組 6">
+            <a:extLst>
+              <a:ext uri="{FF2B5EF4-FFF2-40B4-BE49-F238E27FC236}">
+                <a16:creationId xmlns:a16="http://schemas.microsoft.com/office/drawing/2014/main" id="{A1F780F2-10C7-4ED2-8531-D67749F773D9}"/>
+              </a:ext>
+            </a:extLst>
+          </p:cNvPr>
+          <p:cNvGrpSpPr/>
+          <p:nvPr/>
+        </p:nvGrpSpPr>
+        <p:grpSpPr>
+          <a:xfrm>
+            <a:off x="838200" y="2715768"/>
+            <a:ext cx="10515600" cy="463508"/>
+            <a:chOff x="6483095" y="1680047"/>
+            <a:chExt cx="10515600" cy="463508"/>
+          </a:xfrm>
+        </p:grpSpPr>
+        <p:sp>
+          <p:nvSpPr>
+            <p:cNvPr id="8" name="Rectangle 1">
+              <a:extLst>
+                <a:ext uri="{FF2B5EF4-FFF2-40B4-BE49-F238E27FC236}">
+                  <a16:creationId xmlns:a16="http://schemas.microsoft.com/office/drawing/2014/main" id="{99BCE3EC-6060-4F63-82DE-42E91D3C8A68}"/>
+                </a:ext>
+              </a:extLst>
+            </p:cNvPr>
+            <p:cNvSpPr>
+              <a:spLocks noChangeArrowheads="1"/>
+            </p:cNvSpPr>
+            <p:nvPr/>
+          </p:nvSpPr>
+          <p:spPr bwMode="auto">
+            <a:xfrm>
+              <a:off x="6483095" y="1680047"/>
+              <a:ext cx="10515600" cy="461665"/>
+            </a:xfrm>
+            <a:prstGeom prst="rect">
+              <a:avLst/>
+            </a:prstGeom>
+            <a:solidFill>
+              <a:srgbClr val="1E1F22"/>
+            </a:solidFill>
+            <a:ln>
+              <a:noFill/>
+            </a:ln>
+            <a:effectLst/>
+            <a:extLst>
+              <a:ext uri="{91240B29-F687-4F45-9708-019B960494DF}">
+                <a14:hiddenLine xmlns:a14="http://schemas.microsoft.com/office/drawing/2010/main" w="9525">
+                  <a:solidFill>
+                    <a:schemeClr val="tx1"/>
+                  </a:solidFill>
+                  <a:miter lim="800000"/>
+                  <a:headEnd/>
+                  <a:tailEnd/>
+                </a14:hiddenLine>
+              </a:ext>
+              <a:ext uri="{AF507438-7753-43E0-B8FC-AC1667EBCBE1}">
+                <a14:hiddenEffects xmlns:a14="http://schemas.microsoft.com/office/drawing/2010/main">
+                  <a:effectLst>
+                    <a:outerShdw dist="35921" dir="2700000" algn="ctr" rotWithShape="0">
+                      <a:schemeClr val="bg2"/>
+                    </a:outerShdw>
+                  </a:effectLst>
+                </a14:hiddenEffects>
+              </a:ext>
+            </a:extLst>
+          </p:spPr>
+          <p:txBody>
+            <a:bodyPr vert="horz" wrap="square" lIns="91440" tIns="45720" rIns="91440" bIns="45720" numCol="1" anchor="ctr" anchorCtr="0" compatLnSpc="1">
+              <a:prstTxWarp prst="textNoShape">
+                <a:avLst/>
+              </a:prstTxWarp>
+              <a:spAutoFit/>
+            </a:bodyPr>
+            <a:lstStyle/>
+            <a:p>
+              <a:pPr marL="0" marR="0" lvl="0" indent="0" algn="l" defTabSz="914400" rtl="0" eaLnBrk="0" fontAlgn="base" latinLnBrk="0" hangingPunct="0">
+                <a:lnSpc>
+                  <a:spcPct val="100000"/>
+                </a:lnSpc>
+                <a:spcBef>
+                  <a:spcPct val="0"/>
+                </a:spcBef>
+                <a:spcAft>
+                  <a:spcPct val="0"/>
+                </a:spcAft>
+                <a:buClrTx/>
+                <a:buSzTx/>
+                <a:buFontTx/>
+                <a:buNone/>
+                <a:tabLst/>
+              </a:pPr>
+              <a:r>
+                <a:rPr lang="zh-TW" altLang="en-US" sz="2400">
+                  <a:solidFill>
+                    <a:srgbClr val="00B0F0"/>
+                  </a:solidFill>
+                  <a:latin typeface="+mj-lt"/>
+                  <a:cs typeface="JetBrains Mono" panose="02000009000000000000" pitchFamily="49" charset="0"/>
+                </a:rPr>
+                <a:t>類別名稱</a:t>
+              </a:r>
+              <a:r>
+                <a:rPr kumimoji="0" lang="en-US" altLang="zh-TW" sz="2400" b="0" i="0" u="none" strike="noStrike" kern="1200" cap="none" spc="0" normalizeH="0" baseline="0" noProof="0">
+                  <a:ln>
+                    <a:noFill/>
+                  </a:ln>
+                  <a:solidFill>
+                    <a:srgbClr val="BCBEC4"/>
+                  </a:solidFill>
+                  <a:effectLst/>
+                  <a:uLnTx/>
+                  <a:uFillTx/>
+                  <a:latin typeface="+mj-lt"/>
+                  <a:ea typeface="微軟正黑體 Light"/>
+                  <a:cs typeface="JetBrains Mono" panose="02000009000000000000" pitchFamily="49" charset="0"/>
+                </a:rPr>
+                <a:t>::</a:t>
+              </a:r>
+              <a:r>
+                <a:rPr lang="zh-TW" altLang="en-US" sz="2400">
+                  <a:solidFill>
+                    <a:srgbClr val="00B0F0"/>
+                  </a:solidFill>
+                  <a:latin typeface="+mj-lt"/>
+                  <a:cs typeface="JetBrains Mono" panose="02000009000000000000" pitchFamily="49" charset="0"/>
+                </a:rPr>
+                <a:t>方法名稱</a:t>
+              </a:r>
+              <a:endParaRPr lang="zh-TW" altLang="zh-TW" sz="2400">
+                <a:solidFill>
+                  <a:srgbClr val="00B0F0"/>
+                </a:solidFill>
+                <a:latin typeface="+mj-lt"/>
+                <a:cs typeface="JetBrains Mono" panose="02000009000000000000" pitchFamily="49" charset="0"/>
+              </a:endParaRPr>
+            </a:p>
+          </p:txBody>
+        </p:sp>
+        <p:sp>
+          <p:nvSpPr>
+            <p:cNvPr id="9" name="文字方塊 8">
+              <a:extLst>
+                <a:ext uri="{FF2B5EF4-FFF2-40B4-BE49-F238E27FC236}">
+                  <a16:creationId xmlns:a16="http://schemas.microsoft.com/office/drawing/2014/main" id="{B2CDF15B-462C-4B14-B158-7FFF87F67EE7}"/>
+                </a:ext>
+              </a:extLst>
+            </p:cNvPr>
+            <p:cNvSpPr txBox="1"/>
+            <p:nvPr/>
+          </p:nvSpPr>
+          <p:spPr>
+            <a:xfrm>
+              <a:off x="16307480" y="1774223"/>
+              <a:ext cx="691215" cy="369332"/>
+            </a:xfrm>
+            <a:prstGeom prst="rect">
+              <a:avLst/>
+            </a:prstGeom>
+            <a:noFill/>
+            <a:ln>
+              <a:noFill/>
+            </a:ln>
+          </p:spPr>
+          <p:txBody>
+            <a:bodyPr wrap="none" rtlCol="0">
+              <a:spAutoFit/>
+            </a:bodyPr>
+            <a:lstStyle/>
+            <a:p>
+              <a:r>
+                <a:rPr lang="en-US" altLang="zh-TW">
+                  <a:solidFill>
+                    <a:schemeClr val="accent3"/>
+                  </a:solidFill>
+                  <a:latin typeface="+mj-lt"/>
+                </a:rPr>
+                <a:t>java</a:t>
+              </a:r>
+              <a:endParaRPr lang="zh-TW" altLang="en-US">
+                <a:solidFill>
+                  <a:schemeClr val="accent3"/>
+                </a:solidFill>
+                <a:latin typeface="+mj-lt"/>
+              </a:endParaRPr>
+            </a:p>
+          </p:txBody>
+        </p:sp>
+      </p:grpSp>
+      <p:sp>
+        <p:nvSpPr>
+          <p:cNvPr id="13" name="內容版面配置區 2">
+            <a:extLst>
+              <a:ext uri="{FF2B5EF4-FFF2-40B4-BE49-F238E27FC236}">
+                <a16:creationId xmlns:a16="http://schemas.microsoft.com/office/drawing/2014/main" id="{238F6A6C-DDE2-4931-BA1D-7D4B1574C659}"/>
+              </a:ext>
+            </a:extLst>
+          </p:cNvPr>
+          <p:cNvSpPr txBox="1">
+            <a:spLocks/>
+          </p:cNvSpPr>
+          <p:nvPr/>
+        </p:nvSpPr>
+        <p:spPr>
+          <a:xfrm>
+            <a:off x="838200" y="3271609"/>
+            <a:ext cx="10515600" cy="1550015"/>
+          </a:xfrm>
+          <a:prstGeom prst="rect">
+            <a:avLst/>
+          </a:prstGeom>
+        </p:spPr>
+        <p:txBody>
+          <a:bodyPr vert="horz" lIns="91440" tIns="45720" rIns="91440" bIns="45720" rtlCol="0">
+            <a:normAutofit/>
+          </a:bodyPr>
+          <a:lstStyle>
+            <a:lvl1pPr marL="0" indent="0" algn="l" defTabSz="914400" rtl="0" eaLnBrk="1" latinLnBrk="0" hangingPunct="1">
+              <a:lnSpc>
+                <a:spcPct val="90000"/>
+              </a:lnSpc>
+              <a:spcBef>
+                <a:spcPts val="1000"/>
+              </a:spcBef>
+              <a:buFont typeface="Arial" panose="020B0604020202020204" pitchFamily="34" charset="0"/>
+              <a:buNone/>
+              <a:defRPr sz="2800" kern="1200">
+                <a:solidFill>
+                  <a:schemeClr val="tx1"/>
+                </a:solidFill>
+                <a:latin typeface="+mn-lt"/>
+                <a:ea typeface="+mn-ea"/>
+                <a:cs typeface="+mn-cs"/>
+              </a:defRPr>
+            </a:lvl1pPr>
+            <a:lvl2pPr marL="457200" indent="0" algn="l" defTabSz="914400" rtl="0" eaLnBrk="1" latinLnBrk="0" hangingPunct="1">
+              <a:lnSpc>
+                <a:spcPct val="90000"/>
+              </a:lnSpc>
+              <a:spcBef>
+                <a:spcPts val="500"/>
+              </a:spcBef>
+              <a:buFont typeface="Arial" panose="020B0604020202020204" pitchFamily="34" charset="0"/>
+              <a:buNone/>
+              <a:defRPr sz="2400" kern="1200">
+                <a:solidFill>
+                  <a:schemeClr val="tx1"/>
+                </a:solidFill>
+                <a:latin typeface="+mn-lt"/>
+                <a:ea typeface="+mn-ea"/>
+                <a:cs typeface="+mn-cs"/>
+              </a:defRPr>
+            </a:lvl2pPr>
+            <a:lvl3pPr marL="914400" indent="0" algn="l" defTabSz="914400" rtl="0" eaLnBrk="1" latinLnBrk="0" hangingPunct="1">
+              <a:lnSpc>
+                <a:spcPct val="90000"/>
+              </a:lnSpc>
+              <a:spcBef>
+                <a:spcPts val="500"/>
+              </a:spcBef>
+              <a:buFont typeface="Arial" panose="020B0604020202020204" pitchFamily="34" charset="0"/>
+              <a:buNone/>
+              <a:defRPr sz="2000" kern="1200">
+                <a:solidFill>
+                  <a:schemeClr val="tx1"/>
+                </a:solidFill>
+                <a:latin typeface="+mn-lt"/>
+                <a:ea typeface="+mn-ea"/>
+                <a:cs typeface="+mn-cs"/>
+              </a:defRPr>
+            </a:lvl3pPr>
+            <a:lvl4pPr marL="1371600" indent="0" algn="l" defTabSz="914400" rtl="0" eaLnBrk="1" latinLnBrk="0" hangingPunct="1">
+              <a:lnSpc>
+                <a:spcPct val="90000"/>
+              </a:lnSpc>
+              <a:spcBef>
+                <a:spcPts val="500"/>
+              </a:spcBef>
+              <a:buFont typeface="Arial" panose="020B0604020202020204" pitchFamily="34" charset="0"/>
+              <a:buNone/>
+              <a:defRPr sz="1800" kern="1200">
+                <a:solidFill>
+                  <a:schemeClr val="tx1"/>
+                </a:solidFill>
+                <a:latin typeface="+mn-lt"/>
+                <a:ea typeface="+mn-ea"/>
+                <a:cs typeface="+mn-cs"/>
+              </a:defRPr>
+            </a:lvl4pPr>
+            <a:lvl5pPr marL="1828800" indent="0" algn="l" defTabSz="914400" rtl="0" eaLnBrk="1" latinLnBrk="0" hangingPunct="1">
+              <a:lnSpc>
+                <a:spcPct val="90000"/>
+              </a:lnSpc>
+              <a:spcBef>
+                <a:spcPts val="500"/>
+              </a:spcBef>
+              <a:buFont typeface="Arial" panose="020B0604020202020204" pitchFamily="34" charset="0"/>
+              <a:buNone/>
+              <a:defRPr sz="1800" kern="1200">
+                <a:solidFill>
+                  <a:schemeClr val="tx1"/>
+                </a:solidFill>
+                <a:latin typeface="+mn-lt"/>
+                <a:ea typeface="+mn-ea"/>
+                <a:cs typeface="+mn-cs"/>
+              </a:defRPr>
+            </a:lvl5pPr>
+            <a:lvl6pPr marL="2514600" indent="-228600" algn="l" defTabSz="914400" rtl="0" eaLnBrk="1" latinLnBrk="0" hangingPunct="1">
+              <a:lnSpc>
+                <a:spcPct val="90000"/>
+              </a:lnSpc>
+              <a:spcBef>
+                <a:spcPts val="500"/>
+              </a:spcBef>
+              <a:buFont typeface="Arial" panose="020B0604020202020204" pitchFamily="34" charset="0"/>
+              <a:buChar char="•"/>
+              <a:defRPr sz="1800" kern="1200">
+                <a:solidFill>
+                  <a:schemeClr val="tx1"/>
+                </a:solidFill>
+                <a:latin typeface="+mn-lt"/>
+                <a:ea typeface="+mn-ea"/>
+                <a:cs typeface="+mn-cs"/>
+              </a:defRPr>
+            </a:lvl6pPr>
+            <a:lvl7pPr marL="2971800" indent="-228600" algn="l" defTabSz="914400" rtl="0" eaLnBrk="1" latinLnBrk="0" hangingPunct="1">
+              <a:lnSpc>
+                <a:spcPct val="90000"/>
+              </a:lnSpc>
+              <a:spcBef>
+                <a:spcPts val="500"/>
+              </a:spcBef>
+              <a:buFont typeface="Arial" panose="020B0604020202020204" pitchFamily="34" charset="0"/>
+              <a:buChar char="•"/>
+              <a:defRPr sz="1800" kern="1200">
+                <a:solidFill>
+                  <a:schemeClr val="tx1"/>
+                </a:solidFill>
+                <a:latin typeface="+mn-lt"/>
+                <a:ea typeface="+mn-ea"/>
+                <a:cs typeface="+mn-cs"/>
+              </a:defRPr>
+            </a:lvl7pPr>
+            <a:lvl8pPr marL="3429000" indent="-228600" algn="l" defTabSz="914400" rtl="0" eaLnBrk="1" latinLnBrk="0" hangingPunct="1">
+              <a:lnSpc>
+                <a:spcPct val="90000"/>
+              </a:lnSpc>
+              <a:spcBef>
+                <a:spcPts val="500"/>
+              </a:spcBef>
+              <a:buFont typeface="Arial" panose="020B0604020202020204" pitchFamily="34" charset="0"/>
+              <a:buChar char="•"/>
+              <a:defRPr sz="1800" kern="1200">
+                <a:solidFill>
+                  <a:schemeClr val="tx1"/>
+                </a:solidFill>
+                <a:latin typeface="+mn-lt"/>
+                <a:ea typeface="+mn-ea"/>
+                <a:cs typeface="+mn-cs"/>
+              </a:defRPr>
+            </a:lvl8pPr>
+            <a:lvl9pPr marL="3886200" indent="-228600" algn="l" defTabSz="914400" rtl="0" eaLnBrk="1" latinLnBrk="0" hangingPunct="1">
+              <a:lnSpc>
+                <a:spcPct val="90000"/>
+              </a:lnSpc>
+              <a:spcBef>
+                <a:spcPts val="500"/>
+              </a:spcBef>
+              <a:buFont typeface="Arial" panose="020B0604020202020204" pitchFamily="34" charset="0"/>
+              <a:buChar char="•"/>
+              <a:defRPr sz="1800" kern="1200">
+                <a:solidFill>
+                  <a:schemeClr val="tx1"/>
+                </a:solidFill>
+                <a:latin typeface="+mn-lt"/>
+                <a:ea typeface="+mn-ea"/>
+                <a:cs typeface="+mn-cs"/>
+              </a:defRPr>
+            </a:lvl9pPr>
+          </a:lstStyle>
+          <a:p>
+            <a:r>
+              <a:rPr lang="zh-TW" altLang="en-US"/>
+              <a:t>若是</a:t>
+            </a:r>
+            <a:r>
+              <a:rPr lang="zh-TW" altLang="en-US">
+                <a:solidFill>
+                  <a:srgbClr val="00B0F0"/>
+                </a:solidFill>
+              </a:rPr>
+              <a:t>靜態方法</a:t>
+            </a:r>
+            <a:r>
+              <a:rPr lang="zh-TW" altLang="en-US"/>
+              <a:t>，就會將所有參數填入</a:t>
+            </a:r>
+            <a:r>
+              <a:rPr lang="zh-TW" altLang="en-US">
+                <a:solidFill>
+                  <a:srgbClr val="00B0F0"/>
+                </a:solidFill>
+              </a:rPr>
+              <a:t>靜態方法</a:t>
+            </a:r>
+            <a:endParaRPr lang="en-US" altLang="zh-TW">
+              <a:solidFill>
+                <a:srgbClr val="00B0F0"/>
+              </a:solidFill>
+            </a:endParaRPr>
+          </a:p>
+          <a:p>
+            <a:r>
+              <a:rPr lang="zh-TW" altLang="en-US"/>
+              <a:t>若是</a:t>
+            </a:r>
+            <a:r>
+              <a:rPr lang="zh-TW" altLang="en-US">
+                <a:solidFill>
+                  <a:srgbClr val="00B0F0"/>
+                </a:solidFill>
+              </a:rPr>
+              <a:t>動態方法</a:t>
+            </a:r>
+            <a:r>
+              <a:rPr lang="zh-TW" altLang="en-US"/>
+              <a:t>，則會</a:t>
+            </a:r>
+            <a:r>
+              <a:rPr lang="zh-TW" altLang="en-US">
+                <a:solidFill>
+                  <a:srgbClr val="FFFF00"/>
+                </a:solidFill>
+              </a:rPr>
+              <a:t>將第一個傳入的</a:t>
+            </a:r>
+            <a:r>
+              <a:rPr lang="zh-TW" altLang="en-US">
+                <a:solidFill>
+                  <a:srgbClr val="00B0F0"/>
+                </a:solidFill>
+              </a:rPr>
+              <a:t>參數</a:t>
+            </a:r>
+            <a:r>
+              <a:rPr lang="zh-TW" altLang="en-US">
+                <a:solidFill>
+                  <a:srgbClr val="FFFF00"/>
+                </a:solidFill>
+              </a:rPr>
+              <a:t>作為</a:t>
+            </a:r>
+            <a:r>
+              <a:rPr lang="zh-TW" altLang="en-US">
+                <a:solidFill>
+                  <a:srgbClr val="00B0F0"/>
+                </a:solidFill>
+              </a:rPr>
+              <a:t>物件</a:t>
+            </a:r>
+            <a:r>
+              <a:rPr lang="zh-TW" altLang="en-US">
+                <a:solidFill>
+                  <a:srgbClr val="FFC000"/>
+                </a:solidFill>
+              </a:rPr>
+              <a:t>呼叫</a:t>
+            </a:r>
+            <a:r>
+              <a:rPr lang="zh-TW" altLang="en-US">
+                <a:solidFill>
+                  <a:srgbClr val="FFFF00"/>
+                </a:solidFill>
+              </a:rPr>
+              <a:t>該</a:t>
+            </a:r>
+            <a:r>
+              <a:rPr lang="zh-TW" altLang="en-US">
+                <a:solidFill>
+                  <a:srgbClr val="00B0F0"/>
+                </a:solidFill>
+              </a:rPr>
+              <a:t>動態方法</a:t>
+            </a:r>
+            <a:endParaRPr lang="en-US" altLang="zh-TW">
+              <a:solidFill>
+                <a:srgbClr val="00B0F0"/>
+              </a:solidFill>
+            </a:endParaRPr>
+          </a:p>
+          <a:p>
+            <a:r>
+              <a:rPr lang="zh-TW" altLang="en-US"/>
+              <a:t>若是想要呼叫</a:t>
+            </a:r>
+            <a:r>
+              <a:rPr lang="zh-TW" altLang="en-US">
+                <a:solidFill>
+                  <a:srgbClr val="00B0F0"/>
+                </a:solidFill>
+              </a:rPr>
+              <a:t>建構子</a:t>
+            </a:r>
+            <a:r>
+              <a:rPr lang="zh-TW" altLang="en-US"/>
+              <a:t>，則必須使用以下格式：</a:t>
+            </a:r>
+            <a:endParaRPr lang="en-US" altLang="zh-TW"/>
+          </a:p>
+        </p:txBody>
+      </p:sp>
+      <p:grpSp>
+        <p:nvGrpSpPr>
+          <p:cNvPr id="14" name="群組 13">
+            <a:extLst>
+              <a:ext uri="{FF2B5EF4-FFF2-40B4-BE49-F238E27FC236}">
+                <a16:creationId xmlns:a16="http://schemas.microsoft.com/office/drawing/2014/main" id="{85F527A9-5415-4112-A2A0-D4E1A544B9FD}"/>
+              </a:ext>
+            </a:extLst>
+          </p:cNvPr>
+          <p:cNvGrpSpPr/>
+          <p:nvPr/>
+        </p:nvGrpSpPr>
+        <p:grpSpPr>
+          <a:xfrm>
+            <a:off x="838200" y="4819781"/>
+            <a:ext cx="10515600" cy="463508"/>
+            <a:chOff x="6483095" y="1680047"/>
+            <a:chExt cx="10515600" cy="463508"/>
+          </a:xfrm>
+        </p:grpSpPr>
+        <p:sp>
+          <p:nvSpPr>
+            <p:cNvPr id="15" name="Rectangle 1">
+              <a:extLst>
+                <a:ext uri="{FF2B5EF4-FFF2-40B4-BE49-F238E27FC236}">
+                  <a16:creationId xmlns:a16="http://schemas.microsoft.com/office/drawing/2014/main" id="{7B30612B-BD8E-44A0-8A61-C422D5EC471F}"/>
+                </a:ext>
+              </a:extLst>
+            </p:cNvPr>
+            <p:cNvSpPr>
+              <a:spLocks noChangeArrowheads="1"/>
+            </p:cNvSpPr>
+            <p:nvPr/>
+          </p:nvSpPr>
+          <p:spPr bwMode="auto">
+            <a:xfrm>
+              <a:off x="6483095" y="1680047"/>
+              <a:ext cx="10515600" cy="461665"/>
+            </a:xfrm>
+            <a:prstGeom prst="rect">
+              <a:avLst/>
+            </a:prstGeom>
+            <a:solidFill>
+              <a:srgbClr val="1E1F22"/>
+            </a:solidFill>
+            <a:ln>
+              <a:noFill/>
+            </a:ln>
+            <a:effectLst/>
+            <a:extLst>
+              <a:ext uri="{91240B29-F687-4F45-9708-019B960494DF}">
+                <a14:hiddenLine xmlns:a14="http://schemas.microsoft.com/office/drawing/2010/main" w="9525">
+                  <a:solidFill>
+                    <a:schemeClr val="tx1"/>
+                  </a:solidFill>
+                  <a:miter lim="800000"/>
+                  <a:headEnd/>
+                  <a:tailEnd/>
+                </a14:hiddenLine>
+              </a:ext>
+              <a:ext uri="{AF507438-7753-43E0-B8FC-AC1667EBCBE1}">
+                <a14:hiddenEffects xmlns:a14="http://schemas.microsoft.com/office/drawing/2010/main">
+                  <a:effectLst>
+                    <a:outerShdw dist="35921" dir="2700000" algn="ctr" rotWithShape="0">
+                      <a:schemeClr val="bg2"/>
+                    </a:outerShdw>
+                  </a:effectLst>
+                </a14:hiddenEffects>
+              </a:ext>
+            </a:extLst>
+          </p:spPr>
+          <p:txBody>
+            <a:bodyPr vert="horz" wrap="square" lIns="91440" tIns="45720" rIns="91440" bIns="45720" numCol="1" anchor="ctr" anchorCtr="0" compatLnSpc="1">
+              <a:prstTxWarp prst="textNoShape">
+                <a:avLst/>
+              </a:prstTxWarp>
+              <a:spAutoFit/>
+            </a:bodyPr>
+            <a:lstStyle/>
+            <a:p>
+              <a:pPr marL="0" marR="0" lvl="0" indent="0" algn="l" defTabSz="914400" rtl="0" eaLnBrk="0" fontAlgn="base" latinLnBrk="0" hangingPunct="0">
+                <a:lnSpc>
+                  <a:spcPct val="100000"/>
+                </a:lnSpc>
+                <a:spcBef>
+                  <a:spcPct val="0"/>
+                </a:spcBef>
+                <a:spcAft>
+                  <a:spcPct val="0"/>
+                </a:spcAft>
+                <a:buClrTx/>
+                <a:buSzTx/>
+                <a:buFontTx/>
+                <a:buNone/>
+                <a:tabLst/>
+              </a:pPr>
+              <a:r>
+                <a:rPr lang="zh-TW" altLang="en-US" sz="2400">
+                  <a:solidFill>
+                    <a:srgbClr val="00B0F0"/>
+                  </a:solidFill>
+                  <a:latin typeface="+mj-lt"/>
+                  <a:cs typeface="JetBrains Mono" panose="02000009000000000000" pitchFamily="49" charset="0"/>
+                </a:rPr>
+                <a:t>類別名稱</a:t>
+              </a:r>
+              <a:r>
+                <a:rPr kumimoji="0" lang="en-US" altLang="zh-TW" sz="2400" b="0" i="0" u="none" strike="noStrike" kern="1200" cap="none" spc="0" normalizeH="0" baseline="0" noProof="0">
+                  <a:ln>
+                    <a:noFill/>
+                  </a:ln>
+                  <a:solidFill>
+                    <a:srgbClr val="BCBEC4"/>
+                  </a:solidFill>
+                  <a:effectLst/>
+                  <a:uLnTx/>
+                  <a:uFillTx/>
+                  <a:latin typeface="+mj-lt"/>
+                  <a:ea typeface="微軟正黑體 Light"/>
+                  <a:cs typeface="JetBrains Mono" panose="02000009000000000000" pitchFamily="49" charset="0"/>
+                </a:rPr>
+                <a:t>::</a:t>
+              </a:r>
+              <a:r>
+                <a:rPr kumimoji="0" lang="en-US" altLang="zh-TW" sz="2400" b="0" i="0" u="none" strike="noStrike" kern="1200" cap="none" spc="0" normalizeH="0" baseline="0" noProof="0">
+                  <a:ln>
+                    <a:noFill/>
+                  </a:ln>
+                  <a:solidFill>
+                    <a:srgbClr val="CF8E6D"/>
+                  </a:solidFill>
+                  <a:effectLst/>
+                  <a:uLnTx/>
+                  <a:uFillTx/>
+                  <a:latin typeface="+mj-lt"/>
+                  <a:ea typeface="微軟正黑體 Light"/>
+                  <a:cs typeface="JetBrains Mono" panose="02000009000000000000" pitchFamily="49" charset="0"/>
+                </a:rPr>
+                <a:t>new</a:t>
+              </a:r>
+              <a:endParaRPr lang="zh-TW" altLang="zh-TW" sz="2400">
+                <a:solidFill>
+                  <a:srgbClr val="CF8E6D"/>
+                </a:solidFill>
+                <a:latin typeface="+mj-lt"/>
+                <a:cs typeface="JetBrains Mono" panose="02000009000000000000" pitchFamily="49" charset="0"/>
+              </a:endParaRPr>
+            </a:p>
+          </p:txBody>
+        </p:sp>
+        <p:sp>
+          <p:nvSpPr>
+            <p:cNvPr id="16" name="文字方塊 15">
+              <a:extLst>
+                <a:ext uri="{FF2B5EF4-FFF2-40B4-BE49-F238E27FC236}">
+                  <a16:creationId xmlns:a16="http://schemas.microsoft.com/office/drawing/2014/main" id="{B7FA2C3F-A19E-4F61-9E0D-D4C1DD32189F}"/>
+                </a:ext>
+              </a:extLst>
+            </p:cNvPr>
+            <p:cNvSpPr txBox="1"/>
+            <p:nvPr/>
+          </p:nvSpPr>
+          <p:spPr>
+            <a:xfrm>
+              <a:off x="16307480" y="1774223"/>
+              <a:ext cx="691215" cy="369332"/>
+            </a:xfrm>
+            <a:prstGeom prst="rect">
+              <a:avLst/>
+            </a:prstGeom>
+            <a:noFill/>
+            <a:ln>
+              <a:noFill/>
+            </a:ln>
+          </p:spPr>
+          <p:txBody>
+            <a:bodyPr wrap="none" rtlCol="0">
+              <a:spAutoFit/>
+            </a:bodyPr>
+            <a:lstStyle/>
+            <a:p>
+              <a:r>
+                <a:rPr lang="en-US" altLang="zh-TW">
+                  <a:solidFill>
+                    <a:schemeClr val="accent3"/>
+                  </a:solidFill>
+                  <a:latin typeface="+mj-lt"/>
+                </a:rPr>
+                <a:t>java</a:t>
+              </a:r>
+              <a:endParaRPr lang="zh-TW" altLang="en-US">
+                <a:solidFill>
+                  <a:schemeClr val="accent3"/>
+                </a:solidFill>
+                <a:latin typeface="+mj-lt"/>
+              </a:endParaRPr>
+            </a:p>
+          </p:txBody>
+        </p:sp>
+      </p:grpSp>
     </p:spTree>
     <p:extLst>
       <p:ext uri="{BB962C8B-B14F-4D97-AF65-F5344CB8AC3E}">
